--- a/doc/pyconnect_intro.pptx
+++ b/doc/pyconnect_intro.pptx
@@ -156,6 +156,22 @@
       </a:defRPr>
     </a:lvl9pPr>
   </p:defaultTextStyle>
+  <p:extLst>
+    <p:ext uri="{EFAFB233-063F-42B5-8137-9DF3F51BA10A}">
+      <p15:sldGuideLst xmlns:p15="http://schemas.microsoft.com/office/powerpoint/2012/main">
+        <p15:guide id="1" orient="horz" pos="2160">
+          <p15:clr>
+            <a:srgbClr val="A4A3A4"/>
+          </p15:clr>
+        </p15:guide>
+        <p15:guide id="2" pos="3120">
+          <p15:clr>
+            <a:srgbClr val="A4A3A4"/>
+          </p15:clr>
+        </p15:guide>
+      </p15:sldGuideLst>
+    </p:ext>
+  </p:extLst>
 </p:presentation>
 </file>
 
@@ -208,14 +224,14 @@
           </a:ln>
           <a:extLst>
             <a:ext uri="{909E8E84-426E-40dd-AFC4-6F175D3DCCD1}">
-              <a14:hiddenFill xmlns:a14="http://schemas.microsoft.com/office/drawing/2010/main">
+              <a14:hiddenFill xmlns:a14="http://schemas.microsoft.com/office/drawing/2010/main" xmlns="">
                 <a:solidFill>
                   <a:schemeClr val="accent1"/>
                 </a:solidFill>
               </a14:hiddenFill>
             </a:ext>
             <a:ext uri="{91240B29-F687-4f45-9708-019B960494DF}">
-              <a14:hiddenLine xmlns:a14="http://schemas.microsoft.com/office/drawing/2010/main" w="9525">
+              <a14:hiddenLine xmlns:a14="http://schemas.microsoft.com/office/drawing/2010/main" xmlns="" w="9525">
                 <a:solidFill>
                   <a:schemeClr val="tx1"/>
                 </a:solidFill>
@@ -225,7 +241,7 @@
               </a14:hiddenLine>
             </a:ext>
             <a:ext uri="{FAA26D3D-D897-4be2-8F04-BA451C77F1D7}">
-              <ma14:placeholderFlag xmlns:ma14="http://schemas.microsoft.com/office/mac/drawingml/2011/main" val="1"/>
+              <ma14:placeholderFlag xmlns:ma14="http://schemas.microsoft.com/office/mac/drawingml/2011/main" xmlns="" val="1"/>
             </a:ext>
           </a:extLst>
         </p:spPr>
@@ -269,14 +285,14 @@
           </a:ln>
           <a:extLst>
             <a:ext uri="{909E8E84-426E-40dd-AFC4-6F175D3DCCD1}">
-              <a14:hiddenFill xmlns:a14="http://schemas.microsoft.com/office/drawing/2010/main">
+              <a14:hiddenFill xmlns:a14="http://schemas.microsoft.com/office/drawing/2010/main" xmlns="">
                 <a:solidFill>
                   <a:schemeClr val="accent1"/>
                 </a:solidFill>
               </a14:hiddenFill>
             </a:ext>
             <a:ext uri="{91240B29-F687-4f45-9708-019B960494DF}">
-              <a14:hiddenLine xmlns:a14="http://schemas.microsoft.com/office/drawing/2010/main" w="9525">
+              <a14:hiddenLine xmlns:a14="http://schemas.microsoft.com/office/drawing/2010/main" xmlns="" w="9525">
                 <a:solidFill>
                   <a:schemeClr val="tx1"/>
                 </a:solidFill>
@@ -286,7 +302,7 @@
               </a14:hiddenLine>
             </a:ext>
             <a:ext uri="{FAA26D3D-D897-4be2-8F04-BA451C77F1D7}">
-              <ma14:placeholderFlag xmlns:ma14="http://schemas.microsoft.com/office/mac/drawingml/2011/main" val="1"/>
+              <ma14:placeholderFlag xmlns:ma14="http://schemas.microsoft.com/office/mac/drawingml/2011/main" xmlns="" val="1"/>
             </a:ext>
           </a:extLst>
         </p:spPr>
@@ -336,7 +352,7 @@
           <a:effectLst/>
           <a:extLst>
             <a:ext uri="{AF507438-7753-43e0-B8FC-AC1667EBCBE1}">
-              <a14:hiddenEffects xmlns:a14="http://schemas.microsoft.com/office/drawing/2010/main">
+              <a14:hiddenEffects xmlns:a14="http://schemas.microsoft.com/office/drawing/2010/main" xmlns="">
                 <a:effectLst>
                   <a:outerShdw blurRad="63500" dist="38099" dir="2700000" algn="ctr" rotWithShape="0">
                     <a:srgbClr val="000000">
@@ -347,7 +363,7 @@
               </a14:hiddenEffects>
             </a:ext>
             <a:ext uri="{53640926-AAD7-44d8-BBD7-CCE9431645EC}">
-              <a14:shadowObscured xmlns:a14="http://schemas.microsoft.com/office/drawing/2010/main" val="1"/>
+              <a14:shadowObscured xmlns:a14="http://schemas.microsoft.com/office/drawing/2010/main" xmlns="" val="1"/>
             </a:ext>
           </a:extLst>
         </p:spPr>
@@ -376,14 +392,14 @@
           </a:ln>
           <a:extLst>
             <a:ext uri="{909E8E84-426E-40dd-AFC4-6F175D3DCCD1}">
-              <a14:hiddenFill xmlns:a14="http://schemas.microsoft.com/office/drawing/2010/main">
+              <a14:hiddenFill xmlns:a14="http://schemas.microsoft.com/office/drawing/2010/main" xmlns="">
                 <a:solidFill>
                   <a:schemeClr val="accent1"/>
                 </a:solidFill>
               </a14:hiddenFill>
             </a:ext>
             <a:ext uri="{91240B29-F687-4f45-9708-019B960494DF}">
-              <a14:hiddenLine xmlns:a14="http://schemas.microsoft.com/office/drawing/2010/main" w="9525">
+              <a14:hiddenLine xmlns:a14="http://schemas.microsoft.com/office/drawing/2010/main" xmlns="" w="9525">
                 <a:solidFill>
                   <a:schemeClr val="tx1"/>
                 </a:solidFill>
@@ -393,7 +409,7 @@
               </a14:hiddenLine>
             </a:ext>
             <a:ext uri="{FAA26D3D-D897-4be2-8F04-BA451C77F1D7}">
-              <ma14:placeholderFlag xmlns:ma14="http://schemas.microsoft.com/office/mac/drawingml/2011/main" val="1"/>
+              <ma14:placeholderFlag xmlns:ma14="http://schemas.microsoft.com/office/mac/drawingml/2011/main" xmlns="" val="1"/>
             </a:ext>
           </a:extLst>
         </p:spPr>
@@ -465,14 +481,14 @@
           </a:ln>
           <a:extLst>
             <a:ext uri="{909E8E84-426E-40dd-AFC4-6F175D3DCCD1}">
-              <a14:hiddenFill xmlns:a14="http://schemas.microsoft.com/office/drawing/2010/main">
+              <a14:hiddenFill xmlns:a14="http://schemas.microsoft.com/office/drawing/2010/main" xmlns="">
                 <a:solidFill>
                   <a:schemeClr val="accent1"/>
                 </a:solidFill>
               </a14:hiddenFill>
             </a:ext>
             <a:ext uri="{91240B29-F687-4f45-9708-019B960494DF}">
-              <a14:hiddenLine xmlns:a14="http://schemas.microsoft.com/office/drawing/2010/main" w="9525">
+              <a14:hiddenLine xmlns:a14="http://schemas.microsoft.com/office/drawing/2010/main" xmlns="" w="9525">
                 <a:solidFill>
                   <a:schemeClr val="tx1"/>
                 </a:solidFill>
@@ -482,7 +498,7 @@
               </a14:hiddenLine>
             </a:ext>
             <a:ext uri="{FAA26D3D-D897-4be2-8F04-BA451C77F1D7}">
-              <ma14:placeholderFlag xmlns:ma14="http://schemas.microsoft.com/office/mac/drawingml/2011/main" val="1"/>
+              <ma14:placeholderFlag xmlns:ma14="http://schemas.microsoft.com/office/mac/drawingml/2011/main" xmlns="" val="1"/>
             </a:ext>
           </a:extLst>
         </p:spPr>
@@ -526,14 +542,14 @@
           </a:ln>
           <a:extLst>
             <a:ext uri="{909E8E84-426E-40dd-AFC4-6F175D3DCCD1}">
-              <a14:hiddenFill xmlns:a14="http://schemas.microsoft.com/office/drawing/2010/main">
+              <a14:hiddenFill xmlns:a14="http://schemas.microsoft.com/office/drawing/2010/main" xmlns="">
                 <a:solidFill>
                   <a:schemeClr val="accent1"/>
                 </a:solidFill>
               </a14:hiddenFill>
             </a:ext>
             <a:ext uri="{91240B29-F687-4f45-9708-019B960494DF}">
-              <a14:hiddenLine xmlns:a14="http://schemas.microsoft.com/office/drawing/2010/main" w="9525">
+              <a14:hiddenLine xmlns:a14="http://schemas.microsoft.com/office/drawing/2010/main" xmlns="" w="9525">
                 <a:solidFill>
                   <a:schemeClr val="tx1"/>
                 </a:solidFill>
@@ -543,7 +559,7 @@
               </a14:hiddenLine>
             </a:ext>
             <a:ext uri="{FAA26D3D-D897-4be2-8F04-BA451C77F1D7}">
-              <ma14:placeholderFlag xmlns:ma14="http://schemas.microsoft.com/office/mac/drawingml/2011/main" val="1"/>
+              <ma14:placeholderFlag xmlns:ma14="http://schemas.microsoft.com/office/mac/drawingml/2011/main" xmlns="" val="1"/>
             </a:ext>
           </a:extLst>
         </p:spPr>
@@ -758,7 +774,7 @@
           <a:ln/>
           <a:extLst>
             <a:ext uri="{FAA26D3D-D897-4be2-8F04-BA451C77F1D7}">
-              <ma14:placeholderFlag xmlns:ma14="http://schemas.microsoft.com/office/mac/drawingml/2011/main" val="1"/>
+              <ma14:placeholderFlag xmlns:ma14="http://schemas.microsoft.com/office/mac/drawingml/2011/main" xmlns="" val="1"/>
             </a:ext>
           </a:extLst>
         </p:spPr>
@@ -847,7 +863,7 @@
           <a:ln/>
           <a:extLst>
             <a:ext uri="{FAA26D3D-D897-4be2-8F04-BA451C77F1D7}">
-              <ma14:placeholderFlag xmlns:ma14="http://schemas.microsoft.com/office/mac/drawingml/2011/main" val="1"/>
+              <ma14:placeholderFlag xmlns:ma14="http://schemas.microsoft.com/office/mac/drawingml/2011/main" xmlns="" val="1"/>
             </a:ext>
           </a:extLst>
         </p:spPr>
@@ -936,7 +952,7 @@
           <a:ln/>
           <a:extLst>
             <a:ext uri="{FAA26D3D-D897-4be2-8F04-BA451C77F1D7}">
-              <ma14:placeholderFlag xmlns:ma14="http://schemas.microsoft.com/office/mac/drawingml/2011/main" val="1"/>
+              <ma14:placeholderFlag xmlns:ma14="http://schemas.microsoft.com/office/mac/drawingml/2011/main" xmlns="" val="1"/>
             </a:ext>
           </a:extLst>
         </p:spPr>
@@ -1025,7 +1041,7 @@
           <a:ln/>
           <a:extLst>
             <a:ext uri="{FAA26D3D-D897-4be2-8F04-BA451C77F1D7}">
-              <ma14:placeholderFlag xmlns:ma14="http://schemas.microsoft.com/office/mac/drawingml/2011/main" val="1"/>
+              <ma14:placeholderFlag xmlns:ma14="http://schemas.microsoft.com/office/mac/drawingml/2011/main" xmlns="" val="1"/>
             </a:ext>
           </a:extLst>
         </p:spPr>
@@ -1114,7 +1130,7 @@
           <a:ln/>
           <a:extLst>
             <a:ext uri="{FAA26D3D-D897-4be2-8F04-BA451C77F1D7}">
-              <ma14:placeholderFlag xmlns:ma14="http://schemas.microsoft.com/office/mac/drawingml/2011/main" val="1"/>
+              <ma14:placeholderFlag xmlns:ma14="http://schemas.microsoft.com/office/mac/drawingml/2011/main" xmlns="" val="1"/>
             </a:ext>
           </a:extLst>
         </p:spPr>
@@ -1203,7 +1219,7 @@
           <a:ln/>
           <a:extLst>
             <a:ext uri="{FAA26D3D-D897-4be2-8F04-BA451C77F1D7}">
-              <ma14:placeholderFlag xmlns:ma14="http://schemas.microsoft.com/office/mac/drawingml/2011/main" val="1"/>
+              <ma14:placeholderFlag xmlns:ma14="http://schemas.microsoft.com/office/mac/drawingml/2011/main" xmlns="" val="1"/>
             </a:ext>
           </a:extLst>
         </p:spPr>
@@ -1292,7 +1308,7 @@
           <a:ln/>
           <a:extLst>
             <a:ext uri="{FAA26D3D-D897-4be2-8F04-BA451C77F1D7}">
-              <ma14:placeholderFlag xmlns:ma14="http://schemas.microsoft.com/office/mac/drawingml/2011/main" val="1"/>
+              <ma14:placeholderFlag xmlns:ma14="http://schemas.microsoft.com/office/mac/drawingml/2011/main" xmlns="" val="1"/>
             </a:ext>
           </a:extLst>
         </p:spPr>
@@ -1381,7 +1397,7 @@
           <a:ln/>
           <a:extLst>
             <a:ext uri="{FAA26D3D-D897-4be2-8F04-BA451C77F1D7}">
-              <ma14:placeholderFlag xmlns:ma14="http://schemas.microsoft.com/office/mac/drawingml/2011/main" val="1"/>
+              <ma14:placeholderFlag xmlns:ma14="http://schemas.microsoft.com/office/mac/drawingml/2011/main" xmlns="" val="1"/>
             </a:ext>
           </a:extLst>
         </p:spPr>
@@ -1470,7 +1486,7 @@
           <a:ln/>
           <a:extLst>
             <a:ext uri="{FAA26D3D-D897-4be2-8F04-BA451C77F1D7}">
-              <ma14:placeholderFlag xmlns:ma14="http://schemas.microsoft.com/office/mac/drawingml/2011/main" val="1"/>
+              <ma14:placeholderFlag xmlns:ma14="http://schemas.microsoft.com/office/mac/drawingml/2011/main" xmlns="" val="1"/>
             </a:ext>
           </a:extLst>
         </p:spPr>
@@ -1559,7 +1575,7 @@
           <a:ln/>
           <a:extLst>
             <a:ext uri="{FAA26D3D-D897-4be2-8F04-BA451C77F1D7}">
-              <ma14:placeholderFlag xmlns:ma14="http://schemas.microsoft.com/office/mac/drawingml/2011/main" val="1"/>
+              <ma14:placeholderFlag xmlns:ma14="http://schemas.microsoft.com/office/mac/drawingml/2011/main" xmlns="" val="1"/>
             </a:ext>
           </a:extLst>
         </p:spPr>
@@ -1648,7 +1664,7 @@
           <a:ln/>
           <a:extLst>
             <a:ext uri="{FAA26D3D-D897-4be2-8F04-BA451C77F1D7}">
-              <ma14:placeholderFlag xmlns:ma14="http://schemas.microsoft.com/office/mac/drawingml/2011/main" val="1"/>
+              <ma14:placeholderFlag xmlns:ma14="http://schemas.microsoft.com/office/mac/drawingml/2011/main" xmlns="" val="1"/>
             </a:ext>
           </a:extLst>
         </p:spPr>
@@ -1737,7 +1753,7 @@
           <a:ln/>
           <a:extLst>
             <a:ext uri="{FAA26D3D-D897-4be2-8F04-BA451C77F1D7}">
-              <ma14:placeholderFlag xmlns:ma14="http://schemas.microsoft.com/office/mac/drawingml/2011/main" val="1"/>
+              <ma14:placeholderFlag xmlns:ma14="http://schemas.microsoft.com/office/mac/drawingml/2011/main" xmlns="" val="1"/>
             </a:ext>
           </a:extLst>
         </p:spPr>
@@ -1826,7 +1842,7 @@
           <a:ln/>
           <a:extLst>
             <a:ext uri="{FAA26D3D-D897-4be2-8F04-BA451C77F1D7}">
-              <ma14:placeholderFlag xmlns:ma14="http://schemas.microsoft.com/office/mac/drawingml/2011/main" val="1"/>
+              <ma14:placeholderFlag xmlns:ma14="http://schemas.microsoft.com/office/mac/drawingml/2011/main" xmlns="" val="1"/>
             </a:ext>
           </a:extLst>
         </p:spPr>
@@ -1915,7 +1931,7 @@
           <a:ln/>
           <a:extLst>
             <a:ext uri="{FAA26D3D-D897-4be2-8F04-BA451C77F1D7}">
-              <ma14:placeholderFlag xmlns:ma14="http://schemas.microsoft.com/office/mac/drawingml/2011/main" val="1"/>
+              <ma14:placeholderFlag xmlns:ma14="http://schemas.microsoft.com/office/mac/drawingml/2011/main" xmlns="" val="1"/>
             </a:ext>
           </a:extLst>
         </p:spPr>
@@ -2004,7 +2020,7 @@
           <a:ln/>
           <a:extLst>
             <a:ext uri="{FAA26D3D-D897-4be2-8F04-BA451C77F1D7}">
-              <ma14:placeholderFlag xmlns:ma14="http://schemas.microsoft.com/office/mac/drawingml/2011/main" val="1"/>
+              <ma14:placeholderFlag xmlns:ma14="http://schemas.microsoft.com/office/mac/drawingml/2011/main" xmlns="" val="1"/>
             </a:ext>
           </a:extLst>
         </p:spPr>
@@ -2093,7 +2109,7 @@
           <a:ln/>
           <a:extLst>
             <a:ext uri="{FAA26D3D-D897-4be2-8F04-BA451C77F1D7}">
-              <ma14:placeholderFlag xmlns:ma14="http://schemas.microsoft.com/office/mac/drawingml/2011/main" val="1"/>
+              <ma14:placeholderFlag xmlns:ma14="http://schemas.microsoft.com/office/mac/drawingml/2011/main" xmlns="" val="1"/>
             </a:ext>
           </a:extLst>
         </p:spPr>
@@ -2182,7 +2198,7 @@
           <a:ln/>
           <a:extLst>
             <a:ext uri="{FAA26D3D-D897-4be2-8F04-BA451C77F1D7}">
-              <ma14:placeholderFlag xmlns:ma14="http://schemas.microsoft.com/office/mac/drawingml/2011/main" val="1"/>
+              <ma14:placeholderFlag xmlns:ma14="http://schemas.microsoft.com/office/mac/drawingml/2011/main" xmlns="" val="1"/>
             </a:ext>
           </a:extLst>
         </p:spPr>
@@ -2271,7 +2287,7 @@
           <a:ln/>
           <a:extLst>
             <a:ext uri="{FAA26D3D-D897-4be2-8F04-BA451C77F1D7}">
-              <ma14:placeholderFlag xmlns:ma14="http://schemas.microsoft.com/office/mac/drawingml/2011/main" val="1"/>
+              <ma14:placeholderFlag xmlns:ma14="http://schemas.microsoft.com/office/mac/drawingml/2011/main" xmlns="" val="1"/>
             </a:ext>
           </a:extLst>
         </p:spPr>
@@ -2360,7 +2376,7 @@
           <a:ln/>
           <a:extLst>
             <a:ext uri="{FAA26D3D-D897-4be2-8F04-BA451C77F1D7}">
-              <ma14:placeholderFlag xmlns:ma14="http://schemas.microsoft.com/office/mac/drawingml/2011/main" val="1"/>
+              <ma14:placeholderFlag xmlns:ma14="http://schemas.microsoft.com/office/mac/drawingml/2011/main" xmlns="" val="1"/>
             </a:ext>
           </a:extLst>
         </p:spPr>
@@ -2449,7 +2465,7 @@
           <a:ln/>
           <a:extLst>
             <a:ext uri="{FAA26D3D-D897-4be2-8F04-BA451C77F1D7}">
-              <ma14:placeholderFlag xmlns:ma14="http://schemas.microsoft.com/office/mac/drawingml/2011/main" val="1"/>
+              <ma14:placeholderFlag xmlns:ma14="http://schemas.microsoft.com/office/mac/drawingml/2011/main" xmlns="" val="1"/>
             </a:ext>
           </a:extLst>
         </p:spPr>
@@ -2525,7 +2541,7 @@
           </a:lstStyle>
           <a:p>
             <a:r>
-              <a:rPr lang="en-AU" smtClean="0"/>
+              <a:rPr lang="en-AU"/>
               <a:t>Click to edit Master title style</a:t>
             </a:r>
             <a:endParaRPr lang="en-US"/>
@@ -2644,7 +2660,7 @@
           </a:lstStyle>
           <a:p>
             <a:r>
-              <a:rPr lang="en-AU" smtClean="0"/>
+              <a:rPr lang="en-AU"/>
               <a:t>Click to edit Master subtitle style</a:t>
             </a:r>
             <a:endParaRPr lang="en-US" dirty="0"/>
@@ -2754,7 +2770,7 @@
           <a:lstStyle/>
           <a:p>
             <a:r>
-              <a:rPr lang="en-AU" smtClean="0"/>
+              <a:rPr lang="en-AU"/>
               <a:t>Click to edit Master title style</a:t>
             </a:r>
             <a:endParaRPr lang="en-US"/>
@@ -2778,35 +2794,35 @@
           <a:p>
             <a:pPr lvl="0"/>
             <a:r>
-              <a:rPr lang="en-AU" smtClean="0"/>
+              <a:rPr lang="en-AU"/>
               <a:t>Click to edit Master text styles</a:t>
             </a:r>
           </a:p>
           <a:p>
             <a:pPr lvl="1"/>
             <a:r>
-              <a:rPr lang="en-AU" smtClean="0"/>
+              <a:rPr lang="en-AU"/>
               <a:t>Second level</a:t>
             </a:r>
           </a:p>
           <a:p>
             <a:pPr lvl="2"/>
             <a:r>
-              <a:rPr lang="en-AU" smtClean="0"/>
+              <a:rPr lang="en-AU"/>
               <a:t>Third level</a:t>
             </a:r>
           </a:p>
           <a:p>
             <a:pPr lvl="3"/>
             <a:r>
-              <a:rPr lang="en-AU" smtClean="0"/>
+              <a:rPr lang="en-AU"/>
               <a:t>Fourth level</a:t>
             </a:r>
           </a:p>
           <a:p>
             <a:pPr lvl="4"/>
             <a:r>
-              <a:rPr lang="en-AU" smtClean="0"/>
+              <a:rPr lang="en-AU"/>
               <a:t>Fifth level</a:t>
             </a:r>
             <a:endParaRPr lang="en-US"/>
@@ -2921,7 +2937,7 @@
           <a:lstStyle/>
           <a:p>
             <a:r>
-              <a:rPr lang="en-AU" smtClean="0"/>
+              <a:rPr lang="en-AU"/>
               <a:t>Click to edit Master title style</a:t>
             </a:r>
             <a:endParaRPr lang="en-US"/>
@@ -2950,35 +2966,35 @@
           <a:p>
             <a:pPr lvl="0"/>
             <a:r>
-              <a:rPr lang="en-AU" smtClean="0"/>
+              <a:rPr lang="en-AU"/>
               <a:t>Click to edit Master text styles</a:t>
             </a:r>
           </a:p>
           <a:p>
             <a:pPr lvl="1"/>
             <a:r>
-              <a:rPr lang="en-AU" smtClean="0"/>
+              <a:rPr lang="en-AU"/>
               <a:t>Second level</a:t>
             </a:r>
           </a:p>
           <a:p>
             <a:pPr lvl="2"/>
             <a:r>
-              <a:rPr lang="en-AU" smtClean="0"/>
+              <a:rPr lang="en-AU"/>
               <a:t>Third level</a:t>
             </a:r>
           </a:p>
           <a:p>
             <a:pPr lvl="3"/>
             <a:r>
-              <a:rPr lang="en-AU" smtClean="0"/>
+              <a:rPr lang="en-AU"/>
               <a:t>Fourth level</a:t>
             </a:r>
           </a:p>
           <a:p>
             <a:pPr lvl="4"/>
             <a:r>
-              <a:rPr lang="en-AU" smtClean="0"/>
+              <a:rPr lang="en-AU"/>
               <a:t>Fifth level</a:t>
             </a:r>
             <a:endParaRPr lang="en-US"/>
@@ -3088,7 +3104,7 @@
           <a:lstStyle/>
           <a:p>
             <a:r>
-              <a:rPr lang="en-AU" smtClean="0"/>
+              <a:rPr lang="en-AU"/>
               <a:t>Click to edit Master title style</a:t>
             </a:r>
             <a:endParaRPr lang="en-US"/>
@@ -3112,35 +3128,35 @@
           <a:p>
             <a:pPr lvl="0"/>
             <a:r>
-              <a:rPr lang="en-AU" smtClean="0"/>
+              <a:rPr lang="en-AU"/>
               <a:t>Click to edit Master text styles</a:t>
             </a:r>
           </a:p>
           <a:p>
             <a:pPr lvl="1"/>
             <a:r>
-              <a:rPr lang="en-AU" smtClean="0"/>
+              <a:rPr lang="en-AU"/>
               <a:t>Second level</a:t>
             </a:r>
           </a:p>
           <a:p>
             <a:pPr lvl="2"/>
             <a:r>
-              <a:rPr lang="en-AU" smtClean="0"/>
+              <a:rPr lang="en-AU"/>
               <a:t>Third level</a:t>
             </a:r>
           </a:p>
           <a:p>
             <a:pPr lvl="3"/>
             <a:r>
-              <a:rPr lang="en-AU" smtClean="0"/>
+              <a:rPr lang="en-AU"/>
               <a:t>Fourth level</a:t>
             </a:r>
           </a:p>
           <a:p>
             <a:pPr lvl="4"/>
             <a:r>
-              <a:rPr lang="en-AU" smtClean="0"/>
+              <a:rPr lang="en-AU"/>
               <a:t>Fifth level</a:t>
             </a:r>
             <a:endParaRPr lang="en-US" dirty="0"/>
@@ -3259,7 +3275,7 @@
           </a:lstStyle>
           <a:p>
             <a:r>
-              <a:rPr lang="en-AU" smtClean="0"/>
+              <a:rPr lang="en-AU"/>
               <a:t>Click to edit Master title style</a:t>
             </a:r>
             <a:endParaRPr lang="en-US"/>
@@ -3377,7 +3393,7 @@
           <a:p>
             <a:pPr lvl="0"/>
             <a:r>
-              <a:rPr lang="en-AU" smtClean="0"/>
+              <a:rPr lang="en-AU"/>
               <a:t>Click to edit Master text styles</a:t>
             </a:r>
           </a:p>
@@ -3553,7 +3569,7 @@
           <a:lstStyle/>
           <a:p>
             <a:r>
-              <a:rPr lang="en-AU" smtClean="0"/>
+              <a:rPr lang="en-AU"/>
               <a:t>Click to edit Master title style</a:t>
             </a:r>
             <a:endParaRPr lang="en-US"/>
@@ -3582,35 +3598,35 @@
           <a:p>
             <a:pPr lvl="0"/>
             <a:r>
-              <a:rPr lang="en-AU" smtClean="0"/>
+              <a:rPr lang="en-AU"/>
               <a:t>Click to edit Master text styles</a:t>
             </a:r>
           </a:p>
           <a:p>
             <a:pPr lvl="1"/>
             <a:r>
-              <a:rPr lang="en-AU" smtClean="0"/>
+              <a:rPr lang="en-AU"/>
               <a:t>Second level</a:t>
             </a:r>
           </a:p>
           <a:p>
             <a:pPr lvl="2"/>
             <a:r>
-              <a:rPr lang="en-AU" smtClean="0"/>
+              <a:rPr lang="en-AU"/>
               <a:t>Third level</a:t>
             </a:r>
           </a:p>
           <a:p>
             <a:pPr lvl="3"/>
             <a:r>
-              <a:rPr lang="en-AU" smtClean="0"/>
+              <a:rPr lang="en-AU"/>
               <a:t>Fourth level</a:t>
             </a:r>
           </a:p>
           <a:p>
             <a:pPr lvl="4"/>
             <a:r>
-              <a:rPr lang="en-AU" smtClean="0"/>
+              <a:rPr lang="en-AU"/>
               <a:t>Fifth level</a:t>
             </a:r>
             <a:endParaRPr lang="en-US"/>
@@ -3639,35 +3655,35 @@
           <a:p>
             <a:pPr lvl="0"/>
             <a:r>
-              <a:rPr lang="en-AU" smtClean="0"/>
+              <a:rPr lang="en-AU"/>
               <a:t>Click to edit Master text styles</a:t>
             </a:r>
           </a:p>
           <a:p>
             <a:pPr lvl="1"/>
             <a:r>
-              <a:rPr lang="en-AU" smtClean="0"/>
+              <a:rPr lang="en-AU"/>
               <a:t>Second level</a:t>
             </a:r>
           </a:p>
           <a:p>
             <a:pPr lvl="2"/>
             <a:r>
-              <a:rPr lang="en-AU" smtClean="0"/>
+              <a:rPr lang="en-AU"/>
               <a:t>Third level</a:t>
             </a:r>
           </a:p>
           <a:p>
             <a:pPr lvl="3"/>
             <a:r>
-              <a:rPr lang="en-AU" smtClean="0"/>
+              <a:rPr lang="en-AU"/>
               <a:t>Fourth level</a:t>
             </a:r>
           </a:p>
           <a:p>
             <a:pPr lvl="4"/>
             <a:r>
-              <a:rPr lang="en-AU" smtClean="0"/>
+              <a:rPr lang="en-AU"/>
               <a:t>Fifth level</a:t>
             </a:r>
             <a:endParaRPr lang="en-US"/>
@@ -3764,7 +3780,7 @@
           <a:p>
             <a:pPr lvl="0"/>
             <a:r>
-              <a:rPr lang="en-AU" smtClean="0"/>
+              <a:rPr lang="en-AU"/>
               <a:t>Click to edit Master text styles</a:t>
             </a:r>
           </a:p>
@@ -3835,7 +3851,7 @@
           <a:p>
             <a:pPr lvl="0"/>
             <a:r>
-              <a:rPr lang="en-AU" smtClean="0"/>
+              <a:rPr lang="en-AU"/>
               <a:t>Click to edit Master text styles</a:t>
             </a:r>
           </a:p>
@@ -3924,7 +3940,7 @@
           <a:lstStyle/>
           <a:p>
             <a:r>
-              <a:rPr lang="en-AU" smtClean="0"/>
+              <a:rPr lang="en-AU"/>
               <a:t>Click to edit Master title style</a:t>
             </a:r>
             <a:endParaRPr lang="en-US" dirty="0"/>
@@ -3953,35 +3969,35 @@
           <a:p>
             <a:pPr lvl="0"/>
             <a:r>
-              <a:rPr lang="en-AU" smtClean="0"/>
+              <a:rPr lang="en-AU"/>
               <a:t>Click to edit Master text styles</a:t>
             </a:r>
           </a:p>
           <a:p>
             <a:pPr lvl="1"/>
             <a:r>
-              <a:rPr lang="en-AU" smtClean="0"/>
+              <a:rPr lang="en-AU"/>
               <a:t>Second level</a:t>
             </a:r>
           </a:p>
           <a:p>
             <a:pPr lvl="2"/>
             <a:r>
-              <a:rPr lang="en-AU" smtClean="0"/>
+              <a:rPr lang="en-AU"/>
               <a:t>Third level</a:t>
             </a:r>
           </a:p>
           <a:p>
             <a:pPr lvl="3"/>
             <a:r>
-              <a:rPr lang="en-AU" smtClean="0"/>
+              <a:rPr lang="en-AU"/>
               <a:t>Fourth level</a:t>
             </a:r>
           </a:p>
           <a:p>
             <a:pPr lvl="4"/>
             <a:r>
-              <a:rPr lang="en-AU" smtClean="0"/>
+              <a:rPr lang="en-AU"/>
               <a:t>Fifth level</a:t>
             </a:r>
             <a:endParaRPr lang="en-US" dirty="0"/>
@@ -4010,35 +4026,35 @@
           <a:p>
             <a:pPr lvl="0"/>
             <a:r>
-              <a:rPr lang="en-AU" smtClean="0"/>
+              <a:rPr lang="en-AU"/>
               <a:t>Click to edit Master text styles</a:t>
             </a:r>
           </a:p>
           <a:p>
             <a:pPr lvl="1"/>
             <a:r>
-              <a:rPr lang="en-AU" smtClean="0"/>
+              <a:rPr lang="en-AU"/>
               <a:t>Second level</a:t>
             </a:r>
           </a:p>
           <a:p>
             <a:pPr lvl="2"/>
             <a:r>
-              <a:rPr lang="en-AU" smtClean="0"/>
+              <a:rPr lang="en-AU"/>
               <a:t>Third level</a:t>
             </a:r>
           </a:p>
           <a:p>
             <a:pPr lvl="3"/>
             <a:r>
-              <a:rPr lang="en-AU" smtClean="0"/>
+              <a:rPr lang="en-AU"/>
               <a:t>Fourth level</a:t>
             </a:r>
           </a:p>
           <a:p>
             <a:pPr lvl="4"/>
             <a:r>
-              <a:rPr lang="en-AU" smtClean="0"/>
+              <a:rPr lang="en-AU"/>
               <a:t>Fifth level</a:t>
             </a:r>
             <a:endParaRPr lang="en-US" dirty="0"/>
@@ -4086,7 +4102,7 @@
           <a:lstStyle/>
           <a:p>
             <a:r>
-              <a:rPr lang="en-AU" smtClean="0"/>
+              <a:rPr lang="en-AU"/>
               <a:t>Click to edit Master title style</a:t>
             </a:r>
             <a:endParaRPr lang="en-US"/>
@@ -4294,7 +4310,7 @@
           </a:lstStyle>
           <a:p>
             <a:r>
-              <a:rPr lang="en-AU" smtClean="0"/>
+              <a:rPr lang="en-AU"/>
               <a:t>Click to edit Master title style</a:t>
             </a:r>
             <a:endParaRPr lang="en-US" dirty="0"/>
@@ -4351,35 +4367,35 @@
           <a:p>
             <a:pPr lvl="0"/>
             <a:r>
-              <a:rPr lang="en-AU" smtClean="0"/>
+              <a:rPr lang="en-AU"/>
               <a:t>Click to edit Master text styles</a:t>
             </a:r>
           </a:p>
           <a:p>
             <a:pPr lvl="1"/>
             <a:r>
-              <a:rPr lang="en-AU" smtClean="0"/>
+              <a:rPr lang="en-AU"/>
               <a:t>Second level</a:t>
             </a:r>
           </a:p>
           <a:p>
             <a:pPr lvl="2"/>
             <a:r>
-              <a:rPr lang="en-AU" smtClean="0"/>
+              <a:rPr lang="en-AU"/>
               <a:t>Third level</a:t>
             </a:r>
           </a:p>
           <a:p>
             <a:pPr lvl="3"/>
             <a:r>
-              <a:rPr lang="en-AU" smtClean="0"/>
+              <a:rPr lang="en-AU"/>
               <a:t>Fourth level</a:t>
             </a:r>
           </a:p>
           <a:p>
             <a:pPr lvl="4"/>
             <a:r>
-              <a:rPr lang="en-AU" smtClean="0"/>
+              <a:rPr lang="en-AU"/>
               <a:t>Fifth level</a:t>
             </a:r>
             <a:endParaRPr lang="en-US" dirty="0"/>
@@ -4445,7 +4461,7 @@
           <a:p>
             <a:pPr lvl="0"/>
             <a:r>
-              <a:rPr lang="en-AU" smtClean="0"/>
+              <a:rPr lang="en-AU"/>
               <a:t>Click to edit Master text styles</a:t>
             </a:r>
           </a:p>
@@ -4565,7 +4581,7 @@
           </a:lstStyle>
           <a:p>
             <a:r>
-              <a:rPr lang="en-AU" smtClean="0"/>
+              <a:rPr lang="en-AU"/>
               <a:t>Click to edit Master title style</a:t>
             </a:r>
             <a:endParaRPr lang="en-US" dirty="0"/>
@@ -4648,7 +4664,7 @@
           </a:lstStyle>
           <a:p>
             <a:r>
-              <a:rPr lang="en-AU" smtClean="0"/>
+              <a:rPr lang="en-AU"/>
               <a:t>Drag picture to placeholder or click icon to add</a:t>
             </a:r>
             <a:endParaRPr lang="en-US" dirty="0"/>
@@ -4714,7 +4730,7 @@
           <a:p>
             <a:pPr lvl="0"/>
             <a:r>
-              <a:rPr lang="en-AU" smtClean="0"/>
+              <a:rPr lang="en-AU"/>
               <a:t>Click to edit Master text styles</a:t>
             </a:r>
           </a:p>
@@ -4930,7 +4946,7 @@
           <a:lstStyle/>
           <a:p>
             <a:r>
-              <a:rPr lang="en-AU" smtClean="0"/>
+              <a:rPr lang="en-AU"/>
               <a:t>Click to edit Master title style</a:t>
             </a:r>
             <a:endParaRPr lang="en-US" dirty="0"/>
@@ -4964,38 +4980,38 @@
           <a:p>
             <a:pPr lvl="0"/>
             <a:r>
-              <a:rPr lang="en-AU" smtClean="0"/>
+              <a:rPr lang="en-AU"/>
               <a:t>Click to edit Master text styles</a:t>
             </a:r>
           </a:p>
           <a:p>
             <a:pPr lvl="1"/>
             <a:r>
-              <a:rPr lang="en-AU" smtClean="0"/>
+              <a:rPr lang="en-AU"/>
               <a:t>Second level</a:t>
             </a:r>
           </a:p>
           <a:p>
             <a:pPr lvl="2"/>
             <a:r>
-              <a:rPr lang="en-AU" smtClean="0"/>
+              <a:rPr lang="en-AU"/>
               <a:t>Third level</a:t>
             </a:r>
           </a:p>
           <a:p>
             <a:pPr lvl="3"/>
             <a:r>
-              <a:rPr lang="en-AU" smtClean="0"/>
+              <a:rPr lang="en-AU"/>
               <a:t>Fourth level</a:t>
             </a:r>
           </a:p>
           <a:p>
             <a:pPr lvl="4"/>
             <a:r>
-              <a:rPr lang="en-AU" smtClean="0"/>
+              <a:rPr lang="en-AU"/>
               <a:t>Fifth level</a:t>
             </a:r>
-            <a:endParaRPr lang="en-US" dirty="0" smtClean="0"/>
+            <a:endParaRPr lang="en-US" dirty="0"/>
           </a:p>
         </p:txBody>
       </p:sp>
@@ -5501,7 +5517,7 @@
           <a:lstStyle/>
           <a:p>
             <a:r>
-              <a:rPr lang="en-AU" dirty="0" err="1" smtClean="0"/>
+              <a:rPr lang="en-AU" dirty="0" err="1"/>
               <a:t>PyConnect</a:t>
             </a:r>
             <a:endParaRPr lang="en-AU" dirty="0"/>
@@ -5530,25 +5546,8 @@
           <a:p>
             <a:r>
               <a:rPr lang="en-AU" dirty="0"/>
-              <a:t>A </a:t>
-            </a:r>
-            <a:r>
-              <a:rPr lang="en-AU" dirty="0" smtClean="0"/>
-              <a:t>Lightweight </a:t>
-            </a:r>
-            <a:r>
-              <a:rPr lang="en-AU" dirty="0" smtClean="0"/>
-              <a:t>Python-C++ </a:t>
-            </a:r>
-            <a:r>
-              <a:rPr lang="en-AU" dirty="0" smtClean="0"/>
-              <a:t>Integration </a:t>
-            </a:r>
-            <a:r>
-              <a:rPr lang="en-AU" dirty="0" smtClean="0"/>
-              <a:t>Framework</a:t>
-            </a:r>
-            <a:endParaRPr lang="en-AU" dirty="0"/>
+              <a:t>A Lightweight Python-C++ Integration Framework</a:t>
+            </a:r>
           </a:p>
         </p:txBody>
       </p:sp>
@@ -5563,7 +5562,7 @@
         <p:spPr bwMode="auto">
           <a:xfrm>
             <a:off x="6356350" y="5607050"/>
-            <a:ext cx="2583760" cy="338554"/>
+            <a:ext cx="2581541" cy="338554"/>
           </a:xfrm>
           <a:prstGeom prst="rect">
             <a:avLst/>
@@ -5574,14 +5573,14 @@
           </a:ln>
           <a:extLst>
             <a:ext uri="{909E8E84-426E-40dd-AFC4-6F175D3DCCD1}">
-              <a14:hiddenFill xmlns:a14="http://schemas.microsoft.com/office/drawing/2010/main">
+              <a14:hiddenFill xmlns:a14="http://schemas.microsoft.com/office/drawing/2010/main" xmlns="">
                 <a:solidFill>
                   <a:schemeClr val="accent1"/>
                 </a:solidFill>
               </a14:hiddenFill>
             </a:ext>
             <a:ext uri="{91240B29-F687-4f45-9708-019B960494DF}">
-              <a14:hiddenLine xmlns:a14="http://schemas.microsoft.com/office/drawing/2010/main" w="9525">
+              <a14:hiddenLine xmlns:a14="http://schemas.microsoft.com/office/drawing/2010/main" xmlns="" w="9525">
                 <a:solidFill>
                   <a:schemeClr val="tx1"/>
                 </a:solidFill>
@@ -5600,15 +5599,7 @@
           <a:p>
             <a:r>
               <a:rPr lang="en-AU" sz="1600" dirty="0"/>
-              <a:t>Copyright </a:t>
-            </a:r>
-            <a:r>
-              <a:rPr lang="en-AU" sz="1600" dirty="0" smtClean="0"/>
-              <a:t>2014 </a:t>
-            </a:r>
-            <a:r>
-              <a:rPr lang="en-AU" sz="1600" dirty="0"/>
-              <a:t>Xun Wang</a:t>
+              <a:t>Copyright 2019 Xun Wang</a:t>
             </a:r>
           </a:p>
         </p:txBody>
@@ -5618,13 +5609,6 @@
   <p:clrMapOvr>
     <a:masterClrMapping/>
   </p:clrMapOvr>
-  <p:timing>
-    <p:tnLst>
-      <p:par>
-        <p:cTn xmlns:p14="http://schemas.microsoft.com/office/powerpoint/2010/main" id="1" dur="indefinite" restart="never" nodeType="tmRoot"/>
-      </p:par>
-    </p:tnLst>
-  </p:timing>
 </p:sld>
 </file>
 
@@ -5669,11 +5653,7 @@
           <a:p>
             <a:r>
               <a:rPr lang="en-AU" sz="3600" dirty="0"/>
-              <a:t>Integration with Existing </a:t>
-            </a:r>
-            <a:r>
-              <a:rPr lang="en-AU" sz="3600" dirty="0" smtClean="0"/>
-              <a:t>C++ Programs</a:t>
+              <a:t>Integration with Existing C++ Programs</a:t>
             </a:r>
             <a:endParaRPr lang="en-AU" dirty="0"/>
           </a:p>
@@ -5710,7 +5690,7 @@
               </a:spcAft>
             </a:pPr>
             <a:r>
-              <a:rPr lang="en-AU" sz="2400" dirty="0" smtClean="0"/>
+              <a:rPr lang="en-AU" sz="2400" dirty="0"/>
               <a:t>Declare public variable to be exposed:</a:t>
             </a:r>
           </a:p>
@@ -5726,16 +5706,10 @@
               <a:buNone/>
             </a:pPr>
             <a:r>
-              <a:rPr lang="en-AU" dirty="0" smtClean="0">
-                <a:latin typeface="Courier New" charset="0"/>
-              </a:rPr>
-              <a:t>PYCONNECT_RO_ATTRIBUTE</a:t>
-            </a:r>
-            <a:r>
               <a:rPr lang="en-AU" dirty="0">
                 <a:latin typeface="Courier New" charset="0"/>
               </a:rPr>
-              <a:t>( </a:t>
+              <a:t>PYCONNECT_RO_ATTRIBUTE( </a:t>
             </a:r>
             <a:r>
               <a:rPr lang="en-AU" dirty="0" err="1">
@@ -5747,13 +5721,7 @@
               <a:rPr lang="en-AU" dirty="0">
                 <a:latin typeface="Courier New" charset="0"/>
               </a:rPr>
-              <a:t> )</a:t>
-            </a:r>
-            <a:r>
-              <a:rPr lang="en-AU" dirty="0" smtClean="0">
-                <a:latin typeface="Courier New" charset="0"/>
-              </a:rPr>
-              <a:t>; OR</a:t>
+              <a:t> ); OR</a:t>
             </a:r>
           </a:p>
           <a:p>
@@ -5768,16 +5736,10 @@
               <a:buNone/>
             </a:pPr>
             <a:r>
-              <a:rPr lang="en-AU" dirty="0" smtClean="0">
-                <a:latin typeface="Courier New" charset="0"/>
-              </a:rPr>
-              <a:t>PYCONNECT_RW_ATTRIBUTE</a:t>
-            </a:r>
-            <a:r>
               <a:rPr lang="en-AU" dirty="0">
                 <a:latin typeface="Courier New" charset="0"/>
               </a:rPr>
-              <a:t>( </a:t>
+              <a:t>PYCONNECT_RW_ATTRIBUTE( </a:t>
             </a:r>
             <a:r>
               <a:rPr lang="en-AU" dirty="0" err="1">
@@ -5789,13 +5751,7 @@
               <a:rPr lang="en-AU" dirty="0">
                 <a:latin typeface="Courier New" charset="0"/>
               </a:rPr>
-              <a:t> )</a:t>
-            </a:r>
-            <a:r>
-              <a:rPr lang="en-AU" dirty="0" smtClean="0">
-                <a:latin typeface="Courier New" charset="0"/>
-              </a:rPr>
-              <a:t>;</a:t>
+              <a:t> );</a:t>
             </a:r>
           </a:p>
           <a:p>
@@ -5808,28 +5764,20 @@
               </a:spcAft>
             </a:pPr>
             <a:r>
-              <a:rPr lang="en-AU" sz="2400" dirty="0" smtClean="0"/>
+              <a:rPr lang="en-AU" sz="2400" dirty="0"/>
               <a:t>Check </a:t>
             </a:r>
             <a:r>
-              <a:rPr lang="en-AU" sz="2400" dirty="0" smtClean="0">
+              <a:rPr lang="en-AU" sz="2400" dirty="0">
                 <a:latin typeface="Courier New"/>
                 <a:cs typeface="Courier New"/>
               </a:rPr>
-              <a:t>test_sample1</a:t>
-            </a:r>
-            <a:r>
-              <a:rPr lang="en-AU" sz="2400" dirty="0" smtClean="0">
-                <a:latin typeface="Courier New"/>
-                <a:cs typeface="Courier New"/>
-              </a:rPr>
-              <a:t>.hpp</a:t>
-            </a:r>
-            <a:r>
-              <a:rPr lang="en-AU" sz="2400" dirty="0" smtClean="0"/>
-              <a:t> file in the testing directory for a complete example.</a:t>
-            </a:r>
-            <a:endParaRPr lang="en-AU" sz="2400" dirty="0"/>
+              <a:t>test_sample1.hpp</a:t>
+            </a:r>
+            <a:r>
+              <a:rPr lang="en-AU" sz="2400" dirty="0"/>
+              <a:t> file in the testing directory for the complete code example.</a:t>
+            </a:r>
           </a:p>
         </p:txBody>
       </p:sp>
@@ -5843,13 +5791,6 @@
   <p:clrMapOvr>
     <a:masterClrMapping/>
   </p:clrMapOvr>
-  <p:timing>
-    <p:tnLst>
-      <p:par>
-        <p:cTn xmlns:p14="http://schemas.microsoft.com/office/powerpoint/2010/main" id="1" dur="indefinite" restart="never" nodeType="tmRoot"/>
-      </p:par>
-    </p:tnLst>
-  </p:timing>
 </p:sld>
 </file>
 
@@ -5894,11 +5835,7 @@
           <a:p>
             <a:r>
               <a:rPr lang="en-AU" sz="3600" dirty="0"/>
-              <a:t>Integration with Existing </a:t>
-            </a:r>
-            <a:r>
-              <a:rPr lang="en-AU" sz="3600" dirty="0" smtClean="0"/>
-              <a:t>C++ Programs</a:t>
+              <a:t>Integration with Existing C++ Programs</a:t>
             </a:r>
             <a:endParaRPr lang="en-AU" dirty="0"/>
           </a:p>
@@ -5930,24 +5867,16 @@
               <a:buNone/>
             </a:pPr>
             <a:r>
-              <a:rPr lang="en-AU" sz="2800" dirty="0" smtClean="0"/>
+              <a:rPr lang="en-AU" sz="2800" dirty="0"/>
               <a:t>In your C++ program </a:t>
             </a:r>
             <a:r>
-              <a:rPr lang="en-AU" sz="2800" dirty="0" err="1" smtClean="0"/>
+              <a:rPr lang="en-AU" sz="2800" dirty="0" err="1"/>
               <a:t>cpp</a:t>
             </a:r>
             <a:r>
-              <a:rPr lang="en-AU" sz="2800" dirty="0" smtClean="0"/>
-              <a:t> </a:t>
-            </a:r>
-            <a:r>
-              <a:rPr lang="en-AU" sz="2800" dirty="0" smtClean="0"/>
-              <a:t>source file</a:t>
-            </a:r>
-            <a:r>
-              <a:rPr lang="en-AU" sz="2800" dirty="0" smtClean="0"/>
-              <a:t>:</a:t>
+              <a:rPr lang="en-AU" sz="2800" dirty="0"/>
+              <a:t> source file:</a:t>
             </a:r>
           </a:p>
           <a:p>
@@ -5960,10 +5889,9 @@
               </a:spcAft>
             </a:pPr>
             <a:r>
-              <a:rPr lang="en-AU" dirty="0" smtClean="0"/>
+              <a:rPr lang="en-AU" dirty="0"/>
               <a:t>In the module class constructor define details of exposed module, methods and variables</a:t>
             </a:r>
-            <a:endParaRPr lang="en-AU" dirty="0"/>
           </a:p>
           <a:p>
             <a:pPr>
@@ -5980,37 +5908,19 @@
               <a:rPr lang="en-AU" dirty="0">
                 <a:latin typeface="Courier New" charset="0"/>
               </a:rPr>
-              <a:t> </a:t>
-            </a:r>
-            <a:r>
-              <a:rPr lang="en-AU" dirty="0" smtClean="0">
+              <a:t> EXPORT_PYCONNECT_MODULE( TestSample1, "A simple test program that uses </a:t>
+            </a:r>
+            <a:r>
+              <a:rPr lang="en-AU" dirty="0" err="1">
                 <a:latin typeface="Courier New" charset="0"/>
               </a:rPr>
-              <a:t>PYCONNECT_DECLARE_MODULE</a:t>
+              <a:t>PyConnect</a:t>
             </a:r>
             <a:r>
               <a:rPr lang="en-AU" dirty="0">
                 <a:latin typeface="Courier New" charset="0"/>
               </a:rPr>
-              <a:t>( TestSample1, "A simple test program that uses </a:t>
-            </a:r>
-            <a:r>
-              <a:rPr lang="en-AU" dirty="0" err="1" smtClean="0">
-                <a:latin typeface="Courier New" charset="0"/>
-              </a:rPr>
-              <a:t>PyConnect</a:t>
-            </a:r>
-            <a:r>
-              <a:rPr lang="en-AU" dirty="0" smtClean="0">
-                <a:latin typeface="Courier New" charset="0"/>
-              </a:rPr>
-              <a:t> </a:t>
-            </a:r>
-            <a:r>
-              <a:rPr lang="en-AU" dirty="0">
-                <a:latin typeface="Courier New" charset="0"/>
-              </a:rPr>
-              <a:t>framework." );</a:t>
+              <a:t> framework." );</a:t>
             </a:r>
           </a:p>
           <a:p>
@@ -6028,43 +5938,19 @@
               <a:rPr lang="en-AU" dirty="0">
                 <a:latin typeface="Courier New" charset="0"/>
               </a:rPr>
-              <a:t> </a:t>
-            </a:r>
-            <a:r>
-              <a:rPr lang="en-AU" dirty="0" smtClean="0">
+              <a:t> EXPORT_PYCONNECT_RO_ATTRIBUTE( </a:t>
+            </a:r>
+            <a:r>
+              <a:rPr lang="en-AU" dirty="0" err="1">
                 <a:latin typeface="Courier New" charset="0"/>
               </a:rPr>
-              <a:t>PYCONNECT_RO_ATTRIBUTE_DECLARE</a:t>
+              <a:t>methodCalls</a:t>
             </a:r>
             <a:r>
               <a:rPr lang="en-AU" dirty="0">
                 <a:latin typeface="Courier New" charset="0"/>
               </a:rPr>
-              <a:t>( </a:t>
-            </a:r>
-            <a:r>
-              <a:rPr lang="en-AU" dirty="0" err="1">
-                <a:latin typeface="Courier New" charset="0"/>
-              </a:rPr>
-              <a:t>methodCalls</a:t>
-            </a:r>
-            <a:r>
-              <a:rPr lang="en-AU" dirty="0">
-                <a:latin typeface="Courier New" charset="0"/>
-              </a:rPr>
-              <a:t>, </a:t>
-            </a:r>
-            <a:r>
-              <a:rPr lang="en-AU" dirty="0" err="1">
-                <a:latin typeface="Courier New" charset="0"/>
-              </a:rPr>
-              <a:t>int</a:t>
-            </a:r>
-            <a:r>
-              <a:rPr lang="en-AU" dirty="0">
-                <a:latin typeface="Courier New" charset="0"/>
-              </a:rPr>
-              <a:t>, "number of method calls so far" );</a:t>
+              <a:t> );</a:t>
             </a:r>
           </a:p>
           <a:p>
@@ -6082,31 +5968,19 @@
               <a:rPr lang="en-AU" dirty="0">
                 <a:latin typeface="Courier New" charset="0"/>
               </a:rPr>
-              <a:t> </a:t>
-            </a:r>
-            <a:r>
-              <a:rPr lang="en-AU" dirty="0" smtClean="0">
+              <a:t> EXPORT_PYCONNECT_METHOD( </a:t>
+            </a:r>
+            <a:r>
+              <a:rPr lang="en-AU" dirty="0" err="1">
                 <a:latin typeface="Courier New" charset="0"/>
               </a:rPr>
-              <a:t>PYCONNECT_METHOD_DECLARE</a:t>
+              <a:t>helloWorld</a:t>
             </a:r>
             <a:r>
               <a:rPr lang="en-AU" dirty="0">
                 <a:latin typeface="Courier New" charset="0"/>
               </a:rPr>
-              <a:t>( </a:t>
-            </a:r>
-            <a:r>
-              <a:rPr lang="en-AU" dirty="0" err="1">
-                <a:latin typeface="Courier New" charset="0"/>
-              </a:rPr>
-              <a:t>helloWorld</a:t>
-            </a:r>
-            <a:r>
-              <a:rPr lang="en-AU" dirty="0">
-                <a:latin typeface="Courier New" charset="0"/>
-              </a:rPr>
-              <a:t>, void, "hello world method" );</a:t>
+              <a:t> );</a:t>
             </a:r>
           </a:p>
           <a:p>
@@ -6124,114 +5998,20 @@
               <a:rPr lang="en-AU" dirty="0">
                 <a:latin typeface="Courier New" charset="0"/>
               </a:rPr>
-              <a:t> </a:t>
-            </a:r>
-            <a:r>
-              <a:rPr lang="en-AU" dirty="0" smtClean="0">
+              <a:t> EXPORT_PYCONNECT_METHOD( </a:t>
+            </a:r>
+            <a:r>
+              <a:rPr lang="en-AU" dirty="0" err="1">
                 <a:latin typeface="Courier New" charset="0"/>
               </a:rPr>
-              <a:t>PYCONNECT_METHOD_DECLARE</a:t>
+              <a:t>doAddition</a:t>
             </a:r>
             <a:r>
               <a:rPr lang="en-AU" dirty="0">
                 <a:latin typeface="Courier New" charset="0"/>
               </a:rPr>
-              <a:t>( </a:t>
-            </a:r>
-            <a:r>
-              <a:rPr lang="en-AU" dirty="0" err="1">
-                <a:latin typeface="Courier New" charset="0"/>
-              </a:rPr>
-              <a:t>doAddition</a:t>
-            </a:r>
-            <a:r>
-              <a:rPr lang="en-AU" dirty="0">
-                <a:latin typeface="Courier New" charset="0"/>
-              </a:rPr>
-              <a:t>, </a:t>
-            </a:r>
-            <a:r>
-              <a:rPr lang="en-AU" dirty="0" err="1">
-                <a:latin typeface="Courier New" charset="0"/>
-              </a:rPr>
-              <a:t>int</a:t>
-            </a:r>
-            <a:r>
-              <a:rPr lang="en-AU" dirty="0">
-                <a:latin typeface="Courier New" charset="0"/>
-              </a:rPr>
-              <a:t>, "add two integers", ARG( a, </a:t>
-            </a:r>
-            <a:r>
-              <a:rPr lang="en-AU" dirty="0" err="1">
-                <a:latin typeface="Courier New" charset="0"/>
-              </a:rPr>
-              <a:t>int</a:t>
-            </a:r>
-            <a:r>
-              <a:rPr lang="en-AU" dirty="0">
-                <a:latin typeface="Courier New" charset="0"/>
-              </a:rPr>
-              <a:t>, "integer a" </a:t>
-            </a:r>
-            <a:r>
-              <a:rPr lang="en-AU" dirty="0" smtClean="0">
-                <a:latin typeface="Courier New" charset="0"/>
-              </a:rPr>
-              <a:t>) ARG</a:t>
-            </a:r>
-            <a:r>
-              <a:rPr lang="en-AU" dirty="0">
-                <a:latin typeface="Courier New" charset="0"/>
-              </a:rPr>
-              <a:t>( b, </a:t>
-            </a:r>
-            <a:r>
-              <a:rPr lang="en-AU" dirty="0" err="1">
-                <a:latin typeface="Courier New" charset="0"/>
-              </a:rPr>
-              <a:t>int</a:t>
-            </a:r>
-            <a:r>
-              <a:rPr lang="en-AU" dirty="0">
-                <a:latin typeface="Courier New" charset="0"/>
-              </a:rPr>
-              <a:t>, "integer b" ) )</a:t>
-            </a:r>
-            <a:r>
-              <a:rPr lang="en-AU" dirty="0" smtClean="0">
-                <a:latin typeface="Courier New" charset="0"/>
-              </a:rPr>
-              <a:t>;</a:t>
-            </a:r>
-          </a:p>
-          <a:p>
-            <a:pPr>
-              <a:spcBef>
-                <a:spcPts val="500"/>
-              </a:spcBef>
-              <a:spcAft>
-                <a:spcPts val="500"/>
-              </a:spcAft>
-            </a:pPr>
-            <a:r>
-              <a:rPr lang="en-AU" dirty="0" smtClean="0"/>
-              <a:t>Note that, when you define multiple arguments in a method, there is no ‘,’ between </a:t>
-            </a:r>
-            <a:r>
-              <a:rPr lang="en-AU" dirty="0" smtClean="0">
-                <a:latin typeface="Courier New"/>
-                <a:cs typeface="Courier New"/>
-              </a:rPr>
-              <a:t>ARG</a:t>
-            </a:r>
-            <a:r>
-              <a:rPr lang="en-AU" dirty="0" smtClean="0"/>
-              <a:t> structure.</a:t>
-            </a:r>
-            <a:endParaRPr lang="en-AU" dirty="0" smtClean="0">
-              <a:latin typeface="Courier New" charset="0"/>
-            </a:endParaRPr>
+              <a:t> );</a:t>
+            </a:r>
           </a:p>
         </p:txBody>
       </p:sp>
@@ -6245,13 +6025,6 @@
   <p:clrMapOvr>
     <a:masterClrMapping/>
   </p:clrMapOvr>
-  <p:timing>
-    <p:tnLst>
-      <p:par>
-        <p:cTn xmlns:p14="http://schemas.microsoft.com/office/powerpoint/2010/main" id="1" dur="indefinite" restart="never" nodeType="tmRoot"/>
-      </p:par>
-    </p:tnLst>
-  </p:timing>
 </p:sld>
 </file>
 
@@ -6296,11 +6069,7 @@
           <a:p>
             <a:r>
               <a:rPr lang="en-AU" sz="3600" dirty="0"/>
-              <a:t>Integration with Existing </a:t>
-            </a:r>
-            <a:r>
-              <a:rPr lang="en-AU" sz="3600" dirty="0" smtClean="0"/>
-              <a:t>C++ Programs</a:t>
+              <a:t>Integration with Existing C++ Programs</a:t>
             </a:r>
             <a:endParaRPr lang="en-AU" dirty="0"/>
           </a:p>
@@ -6337,18 +6106,17 @@
               </a:spcAft>
             </a:pPr>
             <a:r>
-              <a:rPr lang="en-AU" dirty="0" smtClean="0"/>
+              <a:rPr lang="en-AU" dirty="0"/>
               <a:t>Initialise the “</a:t>
             </a:r>
             <a:r>
-              <a:rPr lang="en-AU" dirty="0" err="1" smtClean="0"/>
+              <a:rPr lang="en-AU" dirty="0" err="1"/>
               <a:t>pythonised</a:t>
             </a:r>
             <a:r>
-              <a:rPr lang="en-AU" dirty="0" smtClean="0"/>
+              <a:rPr lang="en-AU" dirty="0"/>
               <a:t>” module and enable data communication.</a:t>
             </a:r>
-            <a:endParaRPr lang="en-AU" dirty="0"/>
           </a:p>
           <a:p>
             <a:pPr>
@@ -6362,18 +6130,11 @@
               <a:buNone/>
             </a:pPr>
             <a:r>
-              <a:rPr lang="en-AU" dirty="0" smtClean="0">
-                <a:latin typeface="Courier New"/>
-                <a:cs typeface="Courier New"/>
-              </a:rPr>
-              <a:t>PYCONNECT_NETCOMM_INIT</a:t>
-            </a:r>
-            <a:r>
               <a:rPr lang="en-AU" dirty="0">
                 <a:latin typeface="Courier New"/>
                 <a:cs typeface="Courier New"/>
               </a:rPr>
-              <a:t>;</a:t>
+              <a:t>PYCONNECT_NETCOMM_INIT;</a:t>
             </a:r>
           </a:p>
           <a:p>
@@ -6388,44 +6149,26 @@
               <a:buNone/>
             </a:pPr>
             <a:r>
-              <a:rPr lang="en-AU" dirty="0" smtClean="0">
+              <a:rPr lang="en-AU" dirty="0">
                 <a:latin typeface="Courier New"/>
                 <a:cs typeface="Courier New"/>
               </a:rPr>
-              <a:t>PYCONNECT_NETCOMM_ENABLE_IPC</a:t>
-            </a:r>
-            <a:r>
-              <a:rPr lang="en-AU" dirty="0" smtClean="0">
+              <a:t>PYCONNECT_NETCOMM_ENABLE_IPC; // for local </a:t>
+            </a:r>
+            <a:r>
+              <a:rPr lang="en-AU" dirty="0" err="1">
                 <a:latin typeface="Courier New"/>
                 <a:cs typeface="Courier New"/>
               </a:rPr>
-              <a:t>; // for local </a:t>
-            </a:r>
-            <a:r>
-              <a:rPr lang="en-AU" dirty="0" err="1" smtClean="0">
+              <a:t>interprocess</a:t>
+            </a:r>
+            <a:r>
+              <a:rPr lang="en-AU" dirty="0">
                 <a:latin typeface="Courier New"/>
                 <a:cs typeface="Courier New"/>
               </a:rPr>
-              <a:t>interprocess</a:t>
-            </a:r>
-            <a:r>
-              <a:rPr lang="en-AU" dirty="0" smtClean="0">
-                <a:latin typeface="Courier New"/>
-                <a:cs typeface="Courier New"/>
-              </a:rPr>
-              <a:t> </a:t>
-            </a:r>
-            <a:r>
-              <a:rPr lang="en-AU" dirty="0" smtClean="0">
-                <a:latin typeface="Courier New"/>
-                <a:cs typeface="Courier New"/>
-              </a:rPr>
-              <a:t>communication</a:t>
-            </a:r>
-            <a:endParaRPr lang="en-AU" dirty="0" smtClean="0">
-              <a:latin typeface="Courier New"/>
-              <a:cs typeface="Courier New"/>
-            </a:endParaRPr>
+              <a:t> communication</a:t>
+            </a:r>
           </a:p>
           <a:p>
             <a:pPr>
@@ -6439,37 +6182,12 @@
               <a:buNone/>
             </a:pPr>
             <a:r>
-              <a:rPr lang="en-AU" dirty="0" smtClean="0">
+              <a:rPr lang="en-AU" dirty="0">
                 <a:latin typeface="Courier New"/>
                 <a:cs typeface="Courier New"/>
               </a:rPr>
-              <a:t>PYCONNECT_NETCOMM_ENABLE_NET</a:t>
-            </a:r>
-            <a:r>
-              <a:rPr lang="en-AU" dirty="0" smtClean="0">
-                <a:latin typeface="Courier New"/>
-                <a:cs typeface="Courier New"/>
-              </a:rPr>
-              <a:t>; // for </a:t>
-            </a:r>
-            <a:r>
-              <a:rPr lang="en-AU" dirty="0" smtClean="0">
-                <a:latin typeface="Courier New"/>
-                <a:cs typeface="Courier New"/>
-              </a:rPr>
-              <a:t>network </a:t>
-            </a:r>
-            <a:r>
-              <a:rPr lang="en-AU" dirty="0" smtClean="0">
-                <a:latin typeface="Courier New"/>
-                <a:cs typeface="Courier New"/>
-              </a:rPr>
-              <a:t>communication</a:t>
-            </a:r>
-            <a:endParaRPr lang="en-AU" dirty="0">
-              <a:latin typeface="Courier New"/>
-              <a:cs typeface="Courier New"/>
-            </a:endParaRPr>
+              <a:t>PYCONNECT_NETCOMM_ENABLE_NET; // for network communication</a:t>
+            </a:r>
           </a:p>
           <a:p>
             <a:pPr>
@@ -6483,18 +6201,11 @@
               <a:buNone/>
             </a:pPr>
             <a:r>
-              <a:rPr lang="en-AU" dirty="0" smtClean="0">
+              <a:rPr lang="en-AU" dirty="0">
                 <a:latin typeface="Courier New"/>
                 <a:cs typeface="Courier New"/>
               </a:rPr>
-              <a:t>PYCONNECT_MODULE_INIT</a:t>
-            </a:r>
-            <a:r>
-              <a:rPr lang="en-AU" dirty="0" smtClean="0">
-                <a:latin typeface="Courier New"/>
-                <a:cs typeface="Courier New"/>
-              </a:rPr>
-              <a:t>;</a:t>
+              <a:t>PYCONNECT_MODULE_INIT;</a:t>
             </a:r>
           </a:p>
           <a:p>
@@ -6507,23 +6218,19 @@
               </a:spcAft>
             </a:pPr>
             <a:r>
-              <a:rPr lang="en-AU" dirty="0" smtClean="0"/>
+              <a:rPr lang="en-AU" dirty="0"/>
               <a:t>Note that, </a:t>
             </a:r>
             <a:r>
-              <a:rPr lang="en-AU" dirty="0" smtClean="0">
+              <a:rPr lang="en-AU" dirty="0">
                 <a:latin typeface="Courier New"/>
                 <a:cs typeface="Courier New"/>
               </a:rPr>
               <a:t>PYCONNECT_NETCOMM_ENABLE_IPC</a:t>
             </a:r>
             <a:r>
-              <a:rPr lang="en-AU" dirty="0" smtClean="0"/>
-              <a:t> </a:t>
-            </a:r>
-            <a:r>
-              <a:rPr lang="en-AU" dirty="0" smtClean="0"/>
-              <a:t>is not defined on the windows platform.</a:t>
+              <a:rPr lang="en-AU" dirty="0"/>
+              <a:t> is not defined on the windows platform.</a:t>
             </a:r>
           </a:p>
           <a:p>
@@ -6536,7 +6243,7 @@
               </a:spcAft>
             </a:pPr>
             <a:r>
-              <a:rPr lang="en-AU" dirty="0" smtClean="0"/>
+              <a:rPr lang="en-AU" dirty="0"/>
               <a:t>In the destructor of the module class</a:t>
             </a:r>
           </a:p>
@@ -6551,18 +6258,11 @@
               <a:buNone/>
             </a:pPr>
             <a:r>
-              <a:rPr lang="en-AU" dirty="0" smtClean="0">
+              <a:rPr lang="en-AU" dirty="0">
                 <a:latin typeface="Courier New"/>
                 <a:cs typeface="Courier New"/>
               </a:rPr>
-              <a:t>PYCONNECT_MODULE_FINI</a:t>
-            </a:r>
-            <a:r>
-              <a:rPr lang="en-AU" dirty="0" smtClean="0">
-                <a:latin typeface="Courier New"/>
-                <a:cs typeface="Courier New"/>
-              </a:rPr>
-              <a:t>;</a:t>
+              <a:t>PYCONNECT_MODULE_FINI;</a:t>
             </a:r>
           </a:p>
           <a:p>
@@ -6576,20 +6276,13 @@
               <a:buNone/>
             </a:pPr>
             <a:r>
-              <a:rPr lang="en-AU" dirty="0" smtClean="0">
+              <a:rPr lang="en-AU" dirty="0">
                 <a:latin typeface="Courier New"/>
                 <a:cs typeface="Courier New"/>
               </a:rPr>
-              <a:t>PYCONNECT_NETCOMM_FINI</a:t>
-            </a:r>
-            <a:r>
-              <a:rPr lang="en-AU" dirty="0" smtClean="0">
-                <a:latin typeface="Courier New"/>
-                <a:cs typeface="Courier New"/>
-              </a:rPr>
-              <a:t>;</a:t>
-            </a:r>
-            <a:endParaRPr lang="en-AU" dirty="0" smtClean="0"/>
+              <a:t>PYCONNECT_NETCOMM_FINI;</a:t>
+            </a:r>
+            <a:endParaRPr lang="en-AU" dirty="0"/>
           </a:p>
         </p:txBody>
       </p:sp>
@@ -6603,13 +6296,6 @@
   <p:clrMapOvr>
     <a:masterClrMapping/>
   </p:clrMapOvr>
-  <p:timing>
-    <p:tnLst>
-      <p:par>
-        <p:cTn xmlns:p14="http://schemas.microsoft.com/office/powerpoint/2010/main" id="1" dur="indefinite" restart="never" nodeType="tmRoot"/>
-      </p:par>
-    </p:tnLst>
-  </p:timing>
 </p:sld>
 </file>
 
@@ -6654,11 +6340,7 @@
           <a:p>
             <a:r>
               <a:rPr lang="en-AU" sz="3600" dirty="0"/>
-              <a:t>Integration with Existing </a:t>
-            </a:r>
-            <a:r>
-              <a:rPr lang="en-AU" sz="3600" dirty="0" smtClean="0"/>
-              <a:t>C++ Programs</a:t>
+              <a:t>Integration with Existing C++ Programs</a:t>
             </a:r>
             <a:endParaRPr lang="en-AU" dirty="0"/>
           </a:p>
@@ -6695,7 +6377,7 @@
               </a:spcAft>
             </a:pPr>
             <a:r>
-              <a:rPr lang="en-AU" sz="2400" dirty="0" smtClean="0"/>
+              <a:rPr lang="en-AU" sz="2400" dirty="0"/>
               <a:t>Modification in program main execution loop:</a:t>
             </a:r>
           </a:p>
@@ -6709,18 +6391,18 @@
               </a:spcAft>
             </a:pPr>
             <a:r>
-              <a:rPr lang="en-AU" sz="2000" dirty="0" smtClean="0"/>
+              <a:rPr lang="en-AU" sz="2000" dirty="0"/>
               <a:t>If the program does not have a predefine main loop, in the </a:t>
             </a:r>
             <a:r>
-              <a:rPr lang="en-AU" sz="2000" dirty="0" smtClean="0">
+              <a:rPr lang="en-AU" sz="2000" dirty="0">
                 <a:latin typeface="Courier New"/>
                 <a:cs typeface="Courier New"/>
               </a:rPr>
               <a:t>main()</a:t>
             </a:r>
             <a:r>
-              <a:rPr lang="en-AU" sz="2000" dirty="0" smtClean="0"/>
+              <a:rPr lang="en-AU" sz="2000" dirty="0"/>
               <a:t> function after the module class being instantiated add following:</a:t>
             </a:r>
           </a:p>
@@ -6736,41 +6418,13 @@
               <a:buNone/>
             </a:pPr>
             <a:r>
-              <a:rPr lang="en-AU" dirty="0" smtClean="0">
-                <a:latin typeface="Courier New"/>
-                <a:cs typeface="Courier New"/>
-              </a:rPr>
-              <a:t>	</a:t>
-            </a:r>
-            <a:r>
               <a:rPr lang="en-AU" dirty="0">
                 <a:latin typeface="Courier New"/>
                 <a:cs typeface="Courier New"/>
               </a:rPr>
-              <a:t> </a:t>
-            </a:r>
-            <a:r>
-              <a:rPr lang="en-AU" dirty="0" smtClean="0">
-                <a:latin typeface="Courier New"/>
-                <a:cs typeface="Courier New"/>
-              </a:rPr>
-              <a:t> </a:t>
-            </a:r>
-            <a:r>
-              <a:rPr lang="en-AU" dirty="0" smtClean="0">
-                <a:latin typeface="Courier New"/>
-                <a:cs typeface="Courier New"/>
-              </a:rPr>
-              <a:t>PYCONNECT_NETCOMM_PROCESS_DATA</a:t>
-            </a:r>
-            <a:r>
-              <a:rPr lang="en-AU" dirty="0" smtClean="0">
-                <a:latin typeface="Courier New"/>
-                <a:cs typeface="Courier New"/>
-              </a:rPr>
-              <a:t>;</a:t>
-            </a:r>
-            <a:endParaRPr lang="en-AU" dirty="0" smtClean="0">
+              <a:t>	  PYCONNECT_NETCOMM_PROCESS_DATA;</a:t>
+            </a:r>
+            <a:endParaRPr lang="en-AU" dirty="0">
               <a:cs typeface="Courier New"/>
             </a:endParaRPr>
           </a:p>
@@ -6789,23 +6443,17 @@
               <a:rPr lang="en-AU" dirty="0">
                 <a:cs typeface="Courier New"/>
               </a:rPr>
-              <a:t>	 </a:t>
-            </a:r>
-            <a:r>
-              <a:rPr lang="en-AU" dirty="0" smtClean="0">
-                <a:cs typeface="Courier New"/>
-              </a:rPr>
-              <a:t>   See </a:t>
-            </a:r>
-            <a:r>
-              <a:rPr lang="en-AU" dirty="0" smtClean="0">
+              <a:t>	    See </a:t>
+            </a:r>
+            <a:r>
+              <a:rPr lang="en-AU" dirty="0">
                 <a:latin typeface="Courier New"/>
                 <a:cs typeface="Courier New"/>
               </a:rPr>
               <a:t>test_sample1.cpp</a:t>
             </a:r>
             <a:r>
-              <a:rPr lang="en-AU" dirty="0" smtClean="0">
+              <a:rPr lang="en-AU" dirty="0">
                 <a:cs typeface="Courier New"/>
               </a:rPr>
               <a:t> for details.</a:t>
@@ -6821,7 +6469,7 @@
               </a:spcAft>
             </a:pPr>
             <a:r>
-              <a:rPr lang="en-AU" sz="2000" dirty="0" smtClean="0">
+              <a:rPr lang="en-AU" sz="2000" dirty="0">
                 <a:cs typeface="Courier New"/>
               </a:rPr>
               <a:t>If the program has pre-existing main loop:</a:t>
@@ -6837,23 +6485,10 @@
               </a:spcAft>
             </a:pPr>
             <a:r>
-              <a:rPr lang="en-AU" dirty="0" smtClean="0">
+              <a:rPr lang="en-AU" dirty="0">
                 <a:cs typeface="Courier New"/>
               </a:rPr>
               <a:t>Modify the module class to inherit from </a:t>
-            </a:r>
-            <a:r>
-              <a:rPr lang="en-AU" dirty="0" err="1" smtClean="0">
-                <a:latin typeface="Courier New"/>
-                <a:cs typeface="Courier New"/>
-              </a:rPr>
-              <a:t>FDSetOwner</a:t>
-            </a:r>
-            <a:r>
-              <a:rPr lang="en-AU" dirty="0" smtClean="0">
-                <a:cs typeface="Courier New"/>
-              </a:rPr>
-              <a:t> class and implement the abstract functions defined in </a:t>
             </a:r>
             <a:r>
               <a:rPr lang="en-AU" dirty="0" err="1">
@@ -6866,13 +6501,20 @@
               <a:rPr lang="en-AU" dirty="0">
                 <a:cs typeface="Courier New"/>
               </a:rPr>
-              <a:t> </a:t>
-            </a:r>
-            <a:r>
-              <a:rPr lang="en-AU" dirty="0" smtClean="0">
+              <a:t> class and implement the abstract functions defined in </a:t>
+            </a:r>
+            <a:r>
+              <a:rPr lang="en-AU" dirty="0" err="1">
+                <a:latin typeface="Courier New"/>
                 <a:cs typeface="Courier New"/>
               </a:rPr>
-              <a:t>class.</a:t>
+              <a:t>FDSetOwner</a:t>
+            </a:r>
+            <a:r>
+              <a:rPr lang="en-AU" dirty="0">
+                <a:cs typeface="Courier New"/>
+              </a:rPr>
+              <a:t> class.</a:t>
             </a:r>
           </a:p>
           <a:p>
@@ -6885,7 +6527,7 @@
               </a:spcAft>
             </a:pPr>
             <a:r>
-              <a:rPr lang="en-AU" dirty="0" smtClean="0">
+              <a:rPr lang="en-AU" dirty="0">
                 <a:cs typeface="Courier New"/>
               </a:rPr>
               <a:t>Add </a:t>
@@ -6895,17 +6537,10 @@
                 <a:latin typeface="Courier New"/>
                 <a:cs typeface="Courier New"/>
               </a:rPr>
-              <a:t>-</a:t>
-            </a:r>
-            <a:r>
-              <a:rPr lang="en-AU" dirty="0" smtClean="0">
-                <a:latin typeface="Courier New"/>
-                <a:cs typeface="Courier New"/>
-              </a:rPr>
-              <a:t>DHAS_OWN_MAIN_LOOP</a:t>
-            </a:r>
-            <a:r>
-              <a:rPr lang="en-AU" dirty="0" smtClean="0">
+              <a:t>-DHAS_OWN_MAIN_LOOP</a:t>
+            </a:r>
+            <a:r>
+              <a:rPr lang="en-AU" dirty="0">
                 <a:cs typeface="Courier New"/>
               </a:rPr>
               <a:t> flag as a compiler option.</a:t>
@@ -6921,41 +6556,34 @@
               </a:spcAft>
             </a:pPr>
             <a:r>
-              <a:rPr lang="en-AU" dirty="0" smtClean="0">
+              <a:rPr lang="en-AU" dirty="0">
                 <a:cs typeface="Courier New"/>
               </a:rPr>
               <a:t>Add </a:t>
             </a:r>
             <a:r>
-              <a:rPr lang="en-AU" dirty="0" smtClean="0">
+              <a:rPr lang="en-AU" dirty="0">
                 <a:latin typeface="Courier New"/>
                 <a:cs typeface="Courier New"/>
               </a:rPr>
-              <a:t>PYCONNECT_EXTCOMM_PROCESS_DATA</a:t>
-            </a:r>
-            <a:r>
-              <a:rPr lang="en-AU" dirty="0" smtClean="0">
+              <a:t>PYCONNECT_EXTCOMM_PROCESS_DATA( </a:t>
+            </a:r>
+            <a:r>
+              <a:rPr lang="en-AU" dirty="0" err="1">
                 <a:latin typeface="Courier New"/>
                 <a:cs typeface="Courier New"/>
               </a:rPr>
-              <a:t>( </a:t>
-            </a:r>
-            <a:r>
-              <a:rPr lang="en-AU" dirty="0" err="1" smtClean="0">
+              <a:t>fd_set</a:t>
+            </a:r>
+            <a:r>
+              <a:rPr lang="en-AU" dirty="0">
                 <a:latin typeface="Courier New"/>
                 <a:cs typeface="Courier New"/>
               </a:rPr>
-              <a:t>fd_set</a:t>
-            </a:r>
-            <a:r>
-              <a:rPr lang="en-AU" dirty="0" smtClean="0">
-                <a:latin typeface="Courier New"/>
-                <a:cs typeface="Courier New"/>
-              </a:rPr>
               <a:t> );</a:t>
             </a:r>
             <a:r>
-              <a:rPr lang="en-AU" dirty="0" smtClean="0">
+              <a:rPr lang="en-AU" dirty="0">
                 <a:cs typeface="Courier New"/>
               </a:rPr>
               <a:t> in the main loop.</a:t>
@@ -6972,66 +6600,57 @@
               </a:spcAft>
             </a:pPr>
             <a:r>
-              <a:rPr lang="en-AU" dirty="0" smtClean="0">
+              <a:rPr lang="en-AU" dirty="0">
                 <a:cs typeface="Courier New"/>
               </a:rPr>
               <a:t>See </a:t>
             </a:r>
             <a:r>
-              <a:rPr lang="en-AU" dirty="0" smtClean="0">
+              <a:rPr lang="en-AU" dirty="0">
                 <a:latin typeface="Courier New"/>
                 <a:cs typeface="Courier New"/>
               </a:rPr>
               <a:t>test_sample2.hpp</a:t>
             </a:r>
             <a:r>
-              <a:rPr lang="en-AU" dirty="0" smtClean="0">
+              <a:rPr lang="en-AU" dirty="0">
                 <a:cs typeface="Courier New"/>
               </a:rPr>
               <a:t>, </a:t>
             </a:r>
             <a:r>
-              <a:rPr lang="en-AU" dirty="0" smtClean="0">
+              <a:rPr lang="en-AU" dirty="0">
                 <a:latin typeface="Courier New"/>
                 <a:cs typeface="Courier New"/>
               </a:rPr>
               <a:t>test_sample2.cpp</a:t>
             </a:r>
             <a:r>
-              <a:rPr lang="en-AU" dirty="0" smtClean="0">
+              <a:rPr lang="en-AU" dirty="0">
                 <a:cs typeface="Courier New"/>
               </a:rPr>
               <a:t> and </a:t>
             </a:r>
             <a:r>
-              <a:rPr lang="en-AU" dirty="0" err="1" smtClean="0">
+              <a:rPr lang="en-AU" dirty="0" err="1">
                 <a:latin typeface="Courier New"/>
                 <a:cs typeface="Courier New"/>
               </a:rPr>
               <a:t>CMakeLists.txt</a:t>
             </a:r>
             <a:r>
-              <a:rPr lang="en-AU" dirty="0" smtClean="0">
+              <a:rPr lang="en-AU" dirty="0">
                 <a:latin typeface="Courier New"/>
                 <a:cs typeface="Courier New"/>
               </a:rPr>
               <a:t> </a:t>
             </a:r>
             <a:r>
-              <a:rPr lang="en-AU" dirty="0" smtClean="0">
+              <a:rPr lang="en-AU" dirty="0">
                 <a:cs typeface="Courier New"/>
               </a:rPr>
-              <a:t>for </a:t>
-            </a:r>
-            <a:r>
-              <a:rPr lang="en-AU" dirty="0" smtClean="0">
-                <a:cs typeface="Courier New"/>
-              </a:rPr>
-              <a:t>example.</a:t>
-            </a:r>
-            <a:endParaRPr lang="en-AU" dirty="0">
-              <a:cs typeface="Courier New"/>
-            </a:endParaRPr>
+              <a:t>for example.</a:t>
+            </a:r>
           </a:p>
         </p:txBody>
       </p:sp>
@@ -7045,13 +6664,6 @@
   <p:clrMapOvr>
     <a:masterClrMapping/>
   </p:clrMapOvr>
-  <p:timing>
-    <p:tnLst>
-      <p:par>
-        <p:cTn xmlns:p14="http://schemas.microsoft.com/office/powerpoint/2010/main" id="1" dur="indefinite" restart="never" nodeType="tmRoot"/>
-      </p:par>
-    </p:tnLst>
-  </p:timing>
 </p:sld>
 </file>
 
@@ -7096,13 +6708,8 @@
           <a:p>
             <a:r>
               <a:rPr lang="en-AU" sz="3600" dirty="0"/>
-              <a:t>Integration with Existing </a:t>
-            </a:r>
-            <a:r>
-              <a:rPr lang="en-AU" sz="3600" dirty="0" smtClean="0"/>
-              <a:t>C++ Programs</a:t>
-            </a:r>
-            <a:endParaRPr lang="en-AU" sz="3600" dirty="0"/>
+              <a:t>Integration with Existing C++ Programs</a:t>
+            </a:r>
           </a:p>
         </p:txBody>
       </p:sp>
@@ -7135,51 +6742,15 @@
             <a:pPr lvl="1"/>
             <a:r>
               <a:rPr lang="en-AU" sz="2000" dirty="0"/>
-              <a:t>When </a:t>
-            </a:r>
-            <a:r>
-              <a:rPr lang="en-AU" sz="2000" dirty="0" smtClean="0"/>
-              <a:t>the value of an exposed variable </a:t>
+              <a:t>When the value of an exposed variable is modified, the updated value does not get to push to </a:t>
+            </a:r>
+            <a:r>
+              <a:rPr lang="en-AU" sz="2000" dirty="0" err="1"/>
+              <a:t>PyConnect</a:t>
             </a:r>
             <a:r>
               <a:rPr lang="en-AU" sz="2000" dirty="0"/>
-              <a:t>is </a:t>
-            </a:r>
-            <a:r>
-              <a:rPr lang="en-AU" sz="2000" dirty="0" smtClean="0"/>
-              <a:t>modified, the updated value does </a:t>
-            </a:r>
-            <a:r>
-              <a:rPr lang="en-AU" sz="2000" dirty="0"/>
-              <a:t>not get to push to </a:t>
-            </a:r>
-            <a:r>
-              <a:rPr lang="en-AU" sz="2000" dirty="0" err="1" smtClean="0"/>
-              <a:t>PyConnect</a:t>
-            </a:r>
-            <a:r>
-              <a:rPr lang="en-AU" sz="2000" dirty="0" smtClean="0"/>
-              <a:t> </a:t>
-            </a:r>
-            <a:r>
-              <a:rPr lang="en-AU" sz="2000" dirty="0" smtClean="0"/>
-              <a:t>enabled Python engine automatically</a:t>
-            </a:r>
-            <a:r>
-              <a:rPr lang="en-AU" sz="2000" dirty="0"/>
-              <a:t>. You need to add </a:t>
-            </a:r>
-            <a:r>
-              <a:rPr lang="en-AU" sz="2000" dirty="0" smtClean="0"/>
-              <a:t>the following after code that modifies the </a:t>
-            </a:r>
-            <a:r>
-              <a:rPr lang="en-AU" sz="2000" dirty="0"/>
-              <a:t>variable value where it is appropriated</a:t>
-            </a:r>
-            <a:r>
-              <a:rPr lang="en-AU" sz="2000" dirty="0" smtClean="0"/>
-              <a:t>.</a:t>
+              <a:t> enabled Python engine automatically. You need to add the following after code that modifies the variable value where it is appropriated.</a:t>
             </a:r>
           </a:p>
           <a:p>
@@ -7190,49 +6761,28 @@
               <a:rPr lang="en-AU" sz="2000" dirty="0">
                 <a:latin typeface="Courier New" charset="0"/>
               </a:rPr>
-              <a:t> </a:t>
-            </a:r>
-            <a:r>
-              <a:rPr lang="en-AU" sz="2000" dirty="0" smtClean="0">
+              <a:t> PYCONNECT_ATTRIBUTE_UPDATE( </a:t>
+            </a:r>
+            <a:r>
+              <a:rPr lang="en-AU" sz="2000" dirty="0" err="1">
                 <a:latin typeface="Courier New" charset="0"/>
               </a:rPr>
-              <a:t>PYCONNECT_ATTRIBUTE_UPDATE</a:t>
+              <a:t>variable_name</a:t>
             </a:r>
             <a:r>
               <a:rPr lang="en-AU" sz="2000" dirty="0">
                 <a:latin typeface="Courier New" charset="0"/>
               </a:rPr>
-              <a:t>( </a:t>
-            </a:r>
-            <a:r>
-              <a:rPr lang="en-AU" sz="2000" dirty="0" err="1" smtClean="0">
-                <a:latin typeface="Courier New" charset="0"/>
-              </a:rPr>
-              <a:t>variable_name</a:t>
-            </a:r>
-            <a:r>
-              <a:rPr lang="en-AU" sz="2000" dirty="0" smtClean="0">
-                <a:latin typeface="Courier New" charset="0"/>
-              </a:rPr>
               <a:t> );</a:t>
             </a:r>
-            <a:endParaRPr lang="en-AU" sz="2000" dirty="0" smtClean="0"/>
+            <a:endParaRPr lang="en-AU" sz="2000" dirty="0"/>
           </a:p>
           <a:p>
             <a:pPr lvl="1"/>
             <a:r>
-              <a:rPr lang="en-AU" sz="2000" dirty="0" smtClean="0"/>
-              <a:t>Note</a:t>
-            </a:r>
-            <a:r>
               <a:rPr lang="en-AU" sz="2000" dirty="0"/>
-              <a:t>: do not use this macro too zealously. You need to consider communication cost it </a:t>
-            </a:r>
-            <a:r>
-              <a:rPr lang="en-AU" sz="2000" dirty="0" smtClean="0"/>
-              <a:t>incurs.</a:t>
-            </a:r>
-            <a:endParaRPr lang="en-AU" sz="2000" dirty="0"/>
+              <a:t>Note: do not use this macro too zealously. You need to consider communication cost it incurs.</a:t>
+            </a:r>
           </a:p>
         </p:txBody>
       </p:sp>
@@ -7241,13 +6791,6 @@
   <p:clrMapOvr>
     <a:masterClrMapping/>
   </p:clrMapOvr>
-  <p:timing>
-    <p:tnLst>
-      <p:par>
-        <p:cTn xmlns:p14="http://schemas.microsoft.com/office/powerpoint/2010/main" id="1" dur="indefinite" restart="never" nodeType="tmRoot"/>
-      </p:par>
-    </p:tnLst>
-  </p:timing>
 </p:sld>
 </file>
 
@@ -7292,13 +6835,8 @@
           <a:p>
             <a:r>
               <a:rPr lang="en-AU" sz="3600" dirty="0"/>
-              <a:t>Integration with Existing </a:t>
-            </a:r>
-            <a:r>
-              <a:rPr lang="en-AU" sz="3600" dirty="0" smtClean="0"/>
-              <a:t>C++ Programs</a:t>
-            </a:r>
-            <a:endParaRPr lang="en-AU" sz="3600" dirty="0"/>
+              <a:t>Integration with Existing C++ Programs</a:t>
+            </a:r>
           </a:p>
         </p:txBody>
       </p:sp>
@@ -7325,63 +6863,42 @@
           <a:lstStyle/>
           <a:p>
             <a:r>
-              <a:rPr lang="en-AU" sz="2400" dirty="0" err="1" smtClean="0"/>
+              <a:rPr lang="en-AU" sz="2400" dirty="0" err="1"/>
               <a:t>PyConnect</a:t>
             </a:r>
             <a:r>
-              <a:rPr lang="en-AU" sz="2400" dirty="0" smtClean="0"/>
-              <a:t> </a:t>
-            </a:r>
-            <a:r>
-              <a:rPr lang="en-AU" sz="2400" dirty="0" smtClean="0"/>
-              <a:t>logging facility</a:t>
-            </a:r>
-            <a:endParaRPr lang="en-AU" sz="2400" dirty="0"/>
+              <a:rPr lang="en-AU" sz="2400" dirty="0"/>
+              <a:t> logging facility</a:t>
+            </a:r>
           </a:p>
           <a:p>
             <a:pPr lvl="1"/>
             <a:r>
-              <a:rPr lang="en-AU" sz="2000" dirty="0" smtClean="0"/>
-              <a:t>You </a:t>
-            </a:r>
-            <a:r>
-              <a:rPr lang="en-AU" sz="2000" dirty="0" smtClean="0"/>
-              <a:t>need </a:t>
-            </a:r>
-            <a:r>
-              <a:rPr lang="en-AU" sz="2000" dirty="0" smtClean="0"/>
-              <a:t>to enable </a:t>
-            </a:r>
-            <a:r>
-              <a:rPr lang="en-AU" sz="2000" dirty="0" err="1" smtClean="0"/>
+              <a:rPr lang="en-AU" sz="2000" dirty="0"/>
+              <a:t>You need to enable </a:t>
+            </a:r>
+            <a:r>
+              <a:rPr lang="en-AU" sz="2000" dirty="0" err="1"/>
               <a:t>PyConnect</a:t>
             </a:r>
             <a:r>
-              <a:rPr lang="en-AU" sz="2000" dirty="0" smtClean="0"/>
-              <a:t> </a:t>
-            </a:r>
-            <a:r>
-              <a:rPr lang="en-AU" sz="2000" dirty="0" smtClean="0"/>
-              <a:t>logging in your code.</a:t>
+              <a:rPr lang="en-AU" sz="2000" dirty="0"/>
+              <a:t> logging in your code.</a:t>
             </a:r>
           </a:p>
           <a:p>
             <a:pPr lvl="1"/>
             <a:r>
-              <a:rPr lang="en-AU" sz="2000" dirty="0" smtClean="0"/>
+              <a:rPr lang="en-AU" sz="2000" dirty="0"/>
               <a:t>Declare </a:t>
             </a:r>
             <a:r>
-              <a:rPr lang="en-AU" sz="2000" dirty="0" err="1" smtClean="0"/>
+              <a:rPr lang="en-AU" sz="2000" dirty="0" err="1"/>
               <a:t>PyConnect</a:t>
             </a:r>
             <a:r>
-              <a:rPr lang="en-AU" sz="2000" dirty="0" smtClean="0"/>
-              <a:t> </a:t>
-            </a:r>
-            <a:r>
-              <a:rPr lang="en-AU" sz="2000" dirty="0" smtClean="0"/>
-              <a:t>log file at the begging of program source code:</a:t>
+              <a:rPr lang="en-AU" sz="2000" dirty="0"/>
+              <a:t> log file at the begging of program source code:</a:t>
             </a:r>
           </a:p>
           <a:p>
@@ -7392,43 +6909,25 @@
               <a:rPr lang="en-AU" sz="2000" dirty="0">
                 <a:latin typeface="Courier New" charset="0"/>
               </a:rPr>
-              <a:t> </a:t>
-            </a:r>
-            <a:r>
-              <a:rPr lang="en-AU" sz="2000" dirty="0" smtClean="0">
+              <a:t> PYCONNECT_LOGGING_DECLARE( "</a:t>
+            </a:r>
+            <a:r>
+              <a:rPr lang="en-AU" sz="2000" dirty="0" err="1">
                 <a:latin typeface="Courier New" charset="0"/>
               </a:rPr>
-              <a:t>PYCONNECT_LOGGING_DECLARE</a:t>
+              <a:t>testing.log</a:t>
             </a:r>
             <a:r>
               <a:rPr lang="en-AU" sz="2000" dirty="0">
                 <a:latin typeface="Courier New" charset="0"/>
               </a:rPr>
-              <a:t>( "</a:t>
-            </a:r>
-            <a:r>
-              <a:rPr lang="en-AU" sz="2000" dirty="0" err="1">
-                <a:latin typeface="Courier New" charset="0"/>
-              </a:rPr>
-              <a:t>testing.log</a:t>
-            </a:r>
-            <a:r>
-              <a:rPr lang="en-AU" sz="2000" dirty="0">
-                <a:latin typeface="Courier New" charset="0"/>
-              </a:rPr>
-              <a:t>" </a:t>
-            </a:r>
-            <a:r>
-              <a:rPr lang="en-AU" sz="2000" dirty="0" smtClean="0">
-                <a:latin typeface="Courier New" charset="0"/>
-              </a:rPr>
-              <a:t>);</a:t>
+              <a:t>" );</a:t>
             </a:r>
           </a:p>
           <a:p>
             <a:pPr lvl="1"/>
             <a:r>
-              <a:rPr lang="en-AU" sz="2000" dirty="0" smtClean="0"/>
+              <a:rPr lang="en-AU" sz="2000" dirty="0"/>
               <a:t>Initialise and finalise the logging facility at the beginning and at the end of main() function with the following:</a:t>
             </a:r>
           </a:p>
@@ -7437,89 +6936,15 @@
               <a:buNone/>
             </a:pPr>
             <a:r>
-              <a:rPr lang="en-AU" sz="2000" dirty="0" smtClean="0"/>
+              <a:rPr lang="en-AU" sz="2000" dirty="0"/>
               <a:t>  </a:t>
-            </a:r>
-            <a:r>
-              <a:rPr lang="en-AU" sz="2000" dirty="0" smtClean="0">
-                <a:latin typeface="Courier New"/>
-                <a:cs typeface="Courier New"/>
-              </a:rPr>
-              <a:t>PYCONNECT_LOGGING_INIT</a:t>
-            </a:r>
-            <a:r>
-              <a:rPr lang="en-AU" sz="2000" dirty="0" smtClean="0">
-                <a:latin typeface="Courier New"/>
-                <a:cs typeface="Courier New"/>
-              </a:rPr>
-              <a:t>;</a:t>
-            </a:r>
-          </a:p>
-          <a:p>
-            <a:pPr marL="320040" lvl="1" indent="0">
-              <a:buNone/>
-            </a:pPr>
-            <a:r>
-              <a:rPr lang="en-AU" sz="2000" dirty="0" smtClean="0"/>
-              <a:t>  </a:t>
-            </a:r>
-            <a:r>
-              <a:rPr lang="en-AU" sz="2000" dirty="0" smtClean="0">
-                <a:latin typeface="Courier New"/>
-                <a:cs typeface="Courier New"/>
-              </a:rPr>
-              <a:t>PYCONNECT_LOGGING_FINI</a:t>
-            </a:r>
-            <a:r>
-              <a:rPr lang="en-AU" sz="2000" dirty="0" smtClean="0">
-                <a:latin typeface="Courier New"/>
-                <a:cs typeface="Courier New"/>
-              </a:rPr>
-              <a:t>;</a:t>
-            </a:r>
-          </a:p>
-          <a:p>
-            <a:pPr lvl="1"/>
-            <a:r>
-              <a:rPr lang="en-AU" sz="2000" dirty="0" smtClean="0">
-                <a:cs typeface="Courier New"/>
-              </a:rPr>
-              <a:t>Use the following log message functions to save message in the log </a:t>
-            </a:r>
-          </a:p>
-          <a:p>
-            <a:pPr marL="320040" lvl="1" indent="0">
-              <a:buNone/>
-            </a:pPr>
-            <a:r>
-              <a:rPr lang="en-AU" sz="2000" dirty="0" smtClean="0">
-                <a:latin typeface="Courier New"/>
-                <a:cs typeface="Courier New"/>
-              </a:rPr>
-              <a:t> INFO_MSG( “message\n” );</a:t>
-            </a:r>
-            <a:endParaRPr lang="en-AU" sz="2000" dirty="0">
-              <a:latin typeface="Courier New"/>
-              <a:cs typeface="Courier New"/>
-            </a:endParaRPr>
-          </a:p>
-          <a:p>
-            <a:pPr marL="320040" lvl="1" indent="0">
-              <a:buNone/>
-            </a:pPr>
-            <a:r>
-              <a:rPr lang="en-AU" sz="2000" dirty="0" smtClean="0">
-                <a:latin typeface="Courier New"/>
-                <a:cs typeface="Courier New"/>
-              </a:rPr>
-              <a:t> DEBUG_MSG</a:t>
             </a:r>
             <a:r>
               <a:rPr lang="en-AU" sz="2000" dirty="0">
                 <a:latin typeface="Courier New"/>
                 <a:cs typeface="Courier New"/>
               </a:rPr>
-              <a:t>( “message\n” );</a:t>
+              <a:t>PYCONNECT_LOGGING_INIT;</a:t>
             </a:r>
           </a:p>
           <a:p>
@@ -7527,44 +6952,72 @@
               <a:buNone/>
             </a:pPr>
             <a:r>
-              <a:rPr lang="en-AU" sz="2000" dirty="0" smtClean="0">
-                <a:latin typeface="Courier New"/>
-                <a:cs typeface="Courier New"/>
-              </a:rPr>
-              <a:t> ERROR_MSG</a:t>
+              <a:rPr lang="en-AU" sz="2000" dirty="0"/>
+              <a:t>  </a:t>
             </a:r>
             <a:r>
               <a:rPr lang="en-AU" sz="2000" dirty="0">
                 <a:latin typeface="Courier New"/>
                 <a:cs typeface="Courier New"/>
               </a:rPr>
-              <a:t>( “message\n” );</a:t>
+              <a:t>PYCONNECT_LOGGING_FINI;</a:t>
+            </a:r>
+          </a:p>
+          <a:p>
+            <a:pPr lvl="1"/>
+            <a:r>
+              <a:rPr lang="en-AU" sz="2000" dirty="0">
+                <a:cs typeface="Courier New"/>
+              </a:rPr>
+              <a:t>Use the following log message functions to save message in the log </a:t>
             </a:r>
           </a:p>
           <a:p>
             <a:pPr marL="320040" lvl="1" indent="0">
               <a:buNone/>
             </a:pPr>
-            <a:r>
-              <a:rPr lang="en-AU" sz="2000" dirty="0" smtClean="0">
-                <a:latin typeface="Courier New"/>
-                <a:cs typeface="Courier New"/>
-              </a:rPr>
-              <a:t> WARNING_MSG</a:t>
-            </a:r>
             <a:r>
               <a:rPr lang="en-AU" sz="2000" dirty="0">
                 <a:latin typeface="Courier New"/>
                 <a:cs typeface="Courier New"/>
               </a:rPr>
-              <a:t>( “message\n” )</a:t>
-            </a:r>
-            <a:r>
-              <a:rPr lang="en-AU" sz="2000" dirty="0" smtClean="0">
+              <a:t> INFO_MSG( “message\n” );</a:t>
+            </a:r>
+          </a:p>
+          <a:p>
+            <a:pPr marL="320040" lvl="1" indent="0">
+              <a:buNone/>
+            </a:pPr>
+            <a:r>
+              <a:rPr lang="en-AU" sz="2000" dirty="0">
                 <a:latin typeface="Courier New"/>
                 <a:cs typeface="Courier New"/>
               </a:rPr>
-              <a:t>;</a:t>
+              <a:t> DEBUG_MSG( “message\n” );</a:t>
+            </a:r>
+          </a:p>
+          <a:p>
+            <a:pPr marL="320040" lvl="1" indent="0">
+              <a:buNone/>
+            </a:pPr>
+            <a:r>
+              <a:rPr lang="en-AU" sz="2000" dirty="0">
+                <a:latin typeface="Courier New"/>
+                <a:cs typeface="Courier New"/>
+              </a:rPr>
+              <a:t> ERROR_MSG( “message\n” );</a:t>
+            </a:r>
+          </a:p>
+          <a:p>
+            <a:pPr marL="320040" lvl="1" indent="0">
+              <a:buNone/>
+            </a:pPr>
+            <a:r>
+              <a:rPr lang="en-AU" sz="2000" dirty="0">
+                <a:latin typeface="Courier New"/>
+                <a:cs typeface="Courier New"/>
+              </a:rPr>
+              <a:t> WARNING_MSG( “message\n” );</a:t>
             </a:r>
             <a:r>
               <a:rPr lang="en-AU" sz="2000" dirty="0">
@@ -7572,64 +7025,58 @@
               </a:rPr>
               <a:t> </a:t>
             </a:r>
-            <a:endParaRPr lang="en-AU" sz="2000" dirty="0" smtClean="0">
-              <a:cs typeface="Courier New"/>
-            </a:endParaRPr>
           </a:p>
           <a:p>
             <a:pPr lvl="1"/>
             <a:r>
-              <a:rPr lang="en-AU" sz="2000" dirty="0" smtClean="0">
+              <a:rPr lang="en-AU" sz="2000" dirty="0">
                 <a:cs typeface="Courier New"/>
               </a:rPr>
               <a:t>To disable log, define </a:t>
             </a:r>
             <a:r>
-              <a:rPr lang="en-AU" sz="2000" dirty="0" smtClean="0">
+              <a:rPr lang="en-AU" sz="2000" dirty="0">
                 <a:latin typeface="Courier New"/>
                 <a:cs typeface="Courier New"/>
               </a:rPr>
               <a:t>RELEASE</a:t>
             </a:r>
             <a:r>
-              <a:rPr lang="en-AU" sz="2000" dirty="0" smtClean="0">
+              <a:rPr lang="en-AU" sz="2000" dirty="0">
                 <a:cs typeface="Courier New"/>
               </a:rPr>
               <a:t> flag in the </a:t>
             </a:r>
             <a:r>
-              <a:rPr lang="en-AU" sz="2000" dirty="0" err="1" smtClean="0">
+              <a:rPr lang="en-AU" sz="2000" dirty="0" err="1">
                 <a:cs typeface="Courier New"/>
               </a:rPr>
               <a:t>Makefile</a:t>
             </a:r>
             <a:r>
-              <a:rPr lang="en-AU" sz="2000" dirty="0" smtClean="0">
+              <a:rPr lang="en-AU" sz="2000" dirty="0">
                 <a:cs typeface="Courier New"/>
               </a:rPr>
               <a:t>/</a:t>
             </a:r>
             <a:r>
-              <a:rPr lang="en-AU" sz="2000" dirty="0" err="1" smtClean="0">
+              <a:rPr lang="en-AU" sz="2000" dirty="0" err="1">
                 <a:cs typeface="Courier New"/>
               </a:rPr>
               <a:t>CMakeLists.txt</a:t>
             </a:r>
             <a:r>
-              <a:rPr lang="en-AU" sz="2000" dirty="0" smtClean="0">
+              <a:rPr lang="en-AU" sz="2000" dirty="0">
                 <a:cs typeface="Courier New"/>
               </a:rPr>
               <a:t>.</a:t>
             </a:r>
+          </a:p>
+          <a:p>
+            <a:pPr marL="320040" lvl="1" indent="0">
+              <a:buNone/>
+            </a:pPr>
             <a:endParaRPr lang="en-AU" sz="2000" dirty="0">
-              <a:cs typeface="Courier New"/>
-            </a:endParaRPr>
-          </a:p>
-          <a:p>
-            <a:pPr marL="320040" lvl="1" indent="0">
-              <a:buNone/>
-            </a:pPr>
-            <a:endParaRPr lang="en-AU" sz="2000" dirty="0" smtClean="0">
               <a:latin typeface="Courier New"/>
               <a:cs typeface="Courier New"/>
             </a:endParaRPr>
@@ -7646,13 +7093,6 @@
   <p:clrMapOvr>
     <a:masterClrMapping/>
   </p:clrMapOvr>
-  <p:timing>
-    <p:tnLst>
-      <p:par>
-        <p:cTn xmlns:p14="http://schemas.microsoft.com/office/powerpoint/2010/main" id="1" dur="indefinite" restart="never" nodeType="tmRoot"/>
-      </p:par>
-    </p:tnLst>
-  </p:timing>
 </p:sld>
 </file>
 
@@ -7697,13 +7137,8 @@
           <a:p>
             <a:r>
               <a:rPr lang="en-AU" sz="3600" dirty="0"/>
-              <a:t>Integration with Existing </a:t>
-            </a:r>
-            <a:r>
-              <a:rPr lang="en-AU" sz="3600" dirty="0" smtClean="0"/>
-              <a:t>C++ Programs</a:t>
-            </a:r>
-            <a:endParaRPr lang="en-AU" sz="3600" dirty="0"/>
+              <a:t>Integration with Existing C++ Programs</a:t>
+            </a:r>
           </a:p>
         </p:txBody>
       </p:sp>
@@ -7735,30 +7170,21 @@
               </a:lnSpc>
             </a:pPr>
             <a:r>
-              <a:rPr lang="en-AU" sz="2800" dirty="0" err="1" smtClean="0"/>
+              <a:rPr lang="en-AU" sz="2800" dirty="0" err="1"/>
               <a:t>Makefile</a:t>
             </a:r>
             <a:r>
-              <a:rPr lang="en-AU" sz="2800" dirty="0" smtClean="0"/>
+              <a:rPr lang="en-AU" sz="2800" dirty="0"/>
               <a:t>/</a:t>
             </a:r>
             <a:r>
-              <a:rPr lang="en-AU" sz="2800" dirty="0" err="1" smtClean="0"/>
-              <a:t>CMakeList</a:t>
-            </a:r>
-            <a:r>
-              <a:rPr lang="en-AU" sz="2800" dirty="0" err="1" smtClean="0"/>
-              <a:t>s.txt</a:t>
-            </a:r>
-            <a:r>
-              <a:rPr lang="en-AU" sz="2800" dirty="0" smtClean="0"/>
-              <a:t> </a:t>
-            </a:r>
-            <a:r>
-              <a:rPr lang="en-AU" sz="2800" dirty="0" smtClean="0"/>
-              <a:t>modifications</a:t>
-            </a:r>
-            <a:endParaRPr lang="en-AU" sz="2800" dirty="0"/>
+              <a:rPr lang="en-AU" sz="2800" dirty="0" err="1"/>
+              <a:t>CMakeLists.txt</a:t>
+            </a:r>
+            <a:r>
+              <a:rPr lang="en-AU" sz="2800" dirty="0"/>
+              <a:t> modifications</a:t>
+            </a:r>
           </a:p>
           <a:p>
             <a:pPr lvl="1">
@@ -7767,40 +7193,24 @@
               </a:lnSpc>
             </a:pPr>
             <a:r>
-              <a:rPr lang="en-AU" sz="2400" dirty="0" smtClean="0"/>
-              <a:t>Add </a:t>
-            </a:r>
-            <a:r>
               <a:rPr lang="en-AU" sz="2400" dirty="0"/>
-              <a:t>the path where </a:t>
-            </a:r>
-            <a:r>
-              <a:rPr lang="en-AU" sz="2400" dirty="0" err="1" smtClean="0"/>
+              <a:t>Add the path where </a:t>
+            </a:r>
+            <a:r>
+              <a:rPr lang="en-AU" sz="2400" dirty="0" err="1"/>
               <a:t>PyConnect</a:t>
             </a:r>
             <a:r>
-              <a:rPr lang="en-AU" sz="2400" dirty="0" smtClean="0"/>
-              <a:t> </a:t>
-            </a:r>
-            <a:r>
               <a:rPr lang="en-AU" sz="2400" dirty="0"/>
-              <a:t>headers are located to your </a:t>
-            </a:r>
-            <a:r>
-              <a:rPr lang="en-AU" sz="2400" dirty="0" smtClean="0"/>
-              <a:t>program </a:t>
-            </a:r>
-            <a:r>
-              <a:rPr lang="en-AU" sz="2400" dirty="0" smtClean="0">
+              <a:t> headers are located to your program </a:t>
+            </a:r>
+            <a:r>
+              <a:rPr lang="en-AU" sz="2400" dirty="0">
                 <a:latin typeface="Courier New"/>
                 <a:cs typeface="Courier New"/>
               </a:rPr>
               <a:t>$INCLUDE path</a:t>
             </a:r>
-            <a:endParaRPr lang="en-AU" sz="2400" dirty="0">
-              <a:latin typeface="Courier New"/>
-              <a:cs typeface="Courier New"/>
-            </a:endParaRPr>
           </a:p>
           <a:p>
             <a:pPr lvl="1">
@@ -7809,7 +7219,7 @@
               </a:lnSpc>
             </a:pPr>
             <a:r>
-              <a:rPr lang="en-AU" sz="2400" dirty="0" smtClean="0"/>
+              <a:rPr lang="en-AU" sz="2400" dirty="0"/>
               <a:t>Do either</a:t>
             </a:r>
           </a:p>
@@ -7820,32 +7230,16 @@
               </a:lnSpc>
             </a:pPr>
             <a:r>
-              <a:rPr lang="en-AU" sz="1800" dirty="0" smtClean="0"/>
-              <a:t>Add </a:t>
-            </a:r>
-            <a:r>
               <a:rPr lang="en-AU" sz="1800" dirty="0"/>
-              <a:t>following </a:t>
-            </a:r>
-            <a:r>
-              <a:rPr lang="en-AU" sz="1800" dirty="0" err="1" smtClean="0"/>
+              <a:t>Add following </a:t>
+            </a:r>
+            <a:r>
+              <a:rPr lang="en-AU" sz="1800" dirty="0" err="1"/>
               <a:t>PyConnect</a:t>
             </a:r>
             <a:r>
-              <a:rPr lang="en-AU" sz="1800" dirty="0" smtClean="0"/>
-              <a:t> </a:t>
-            </a:r>
-            <a:r>
               <a:rPr lang="en-AU" sz="1800" dirty="0"/>
-              <a:t>framework source code to your program </a:t>
-            </a:r>
-            <a:r>
-              <a:rPr lang="en-AU" sz="1800" dirty="0" smtClean="0"/>
-              <a:t>for compilation</a:t>
-            </a:r>
-            <a:r>
-              <a:rPr lang="en-AU" sz="1800" dirty="0"/>
-              <a:t>:</a:t>
+              <a:t> framework source code to your program for compilation:</a:t>
             </a:r>
           </a:p>
           <a:p>
@@ -7861,18 +7255,11 @@
               <a:t>	</a:t>
             </a:r>
             <a:r>
-              <a:rPr lang="en-AU" sz="1800" dirty="0" err="1" smtClean="0">
+              <a:rPr lang="en-AU" sz="1800" dirty="0" err="1">
                 <a:latin typeface="Courier New"/>
                 <a:cs typeface="Courier New"/>
               </a:rPr>
-              <a:t>PyC</a:t>
-            </a:r>
-            <a:r>
-              <a:rPr lang="en-AU" sz="1800" dirty="0" err="1" smtClean="0">
-                <a:latin typeface="Courier New"/>
-                <a:cs typeface="Courier New"/>
-              </a:rPr>
-              <a:t>onnectCommon.cpp</a:t>
+              <a:t>PyConnectCommon.cpp</a:t>
             </a:r>
             <a:endParaRPr lang="en-AU" sz="1800" dirty="0">
               <a:latin typeface="Courier New"/>
@@ -7895,25 +7282,11 @@
               <a:t>	</a:t>
             </a:r>
             <a:r>
-              <a:rPr lang="en-AU" sz="1800" dirty="0" err="1" smtClean="0">
+              <a:rPr lang="en-AU" sz="1800" dirty="0" err="1">
                 <a:latin typeface="Courier New"/>
                 <a:cs typeface="Courier New"/>
               </a:rPr>
-              <a:t>PyConnectO</a:t>
-            </a:r>
-            <a:r>
-              <a:rPr lang="en-AU" sz="1800" dirty="0" err="1" smtClean="0">
-                <a:latin typeface="Courier New"/>
-                <a:cs typeface="Courier New"/>
-              </a:rPr>
-              <a:t>bjComm.c</a:t>
-            </a:r>
-            <a:r>
-              <a:rPr lang="en-AU" sz="1800" dirty="0" err="1" smtClean="0">
-                <a:latin typeface="Courier New"/>
-                <a:cs typeface="Courier New"/>
-              </a:rPr>
-              <a:t>pp</a:t>
+              <a:t>PyConnectObjComm.cpp</a:t>
             </a:r>
             <a:endParaRPr lang="en-AU" sz="1800" dirty="0">
               <a:latin typeface="Courier New"/>
@@ -7936,18 +7309,11 @@
               <a:t>	</a:t>
             </a:r>
             <a:r>
-              <a:rPr lang="en-AU" sz="1800" dirty="0" err="1" smtClean="0">
+              <a:rPr lang="en-AU" sz="1800" dirty="0" err="1">
                 <a:latin typeface="Courier New"/>
                 <a:cs typeface="Courier New"/>
               </a:rPr>
-              <a:t>PyConnect</a:t>
-            </a:r>
-            <a:r>
-              <a:rPr lang="en-AU" sz="1800" dirty="0" err="1" smtClean="0">
-                <a:latin typeface="Courier New"/>
-                <a:cs typeface="Courier New"/>
-              </a:rPr>
-              <a:t>Wrapper.cpp</a:t>
+              <a:t>PyConnectWrapper.cpp</a:t>
             </a:r>
             <a:endParaRPr lang="en-AU" sz="1800" dirty="0">
               <a:latin typeface="Courier New"/>
@@ -7970,18 +7336,11 @@
               <a:t>	</a:t>
             </a:r>
             <a:r>
-              <a:rPr lang="en-AU" sz="1800" dirty="0" err="1" smtClean="0">
+              <a:rPr lang="en-AU" sz="1800" dirty="0" err="1">
                 <a:latin typeface="Courier New"/>
                 <a:cs typeface="Courier New"/>
               </a:rPr>
-              <a:t>PyConnectNet</a:t>
-            </a:r>
-            <a:r>
-              <a:rPr lang="en-AU" sz="1800" dirty="0" err="1" smtClean="0">
-                <a:latin typeface="Courier New"/>
-                <a:cs typeface="Courier New"/>
-              </a:rPr>
-              <a:t>comm.cpp</a:t>
+              <a:t>PyConnectNetcomm.cpp</a:t>
             </a:r>
             <a:endParaRPr lang="en-AU" sz="1800" dirty="0">
               <a:latin typeface="Courier New"/>
@@ -7995,34 +7354,33 @@
               </a:lnSpc>
             </a:pPr>
             <a:r>
-              <a:rPr lang="en-AU" sz="1800" dirty="0" smtClean="0"/>
+              <a:rPr lang="en-AU" sz="1800" dirty="0"/>
               <a:t>Compile </a:t>
             </a:r>
             <a:r>
-              <a:rPr lang="en-AU" sz="1800" dirty="0" err="1" smtClean="0"/>
+              <a:rPr lang="en-AU" sz="1800" dirty="0" err="1"/>
               <a:t>pyconnect</a:t>
             </a:r>
             <a:r>
-              <a:rPr lang="en-AU" sz="1800" dirty="0" smtClean="0"/>
+              <a:rPr lang="en-AU" sz="1800" dirty="0"/>
               <a:t> wrapper library using </a:t>
             </a:r>
             <a:r>
-              <a:rPr lang="en-AU" sz="1800" dirty="0" err="1" smtClean="0"/>
+              <a:rPr lang="en-AU" sz="1800" dirty="0" err="1"/>
               <a:t>Cmake</a:t>
             </a:r>
             <a:r>
-              <a:rPr lang="en-AU" sz="1800" dirty="0" smtClean="0"/>
+              <a:rPr lang="en-AU" sz="1800" dirty="0"/>
               <a:t> and link library: </a:t>
             </a:r>
             <a:r>
-              <a:rPr lang="en-AU" sz="1800" dirty="0" err="1" smtClean="0"/>
+              <a:rPr lang="en-AU" sz="1800" dirty="0" err="1"/>
               <a:t>libpyconnect_wrapper.a</a:t>
             </a:r>
             <a:r>
-              <a:rPr lang="en-AU" sz="1800" dirty="0" smtClean="0"/>
+              <a:rPr lang="en-AU" sz="1800" dirty="0"/>
               <a:t> into the program.</a:t>
             </a:r>
-            <a:endParaRPr lang="en-AU" sz="1800" dirty="0"/>
           </a:p>
           <a:p>
             <a:pPr lvl="2">
@@ -8032,7 +7390,7 @@
               <a:buFont typeface="Wingdings" charset="0"/>
               <a:buNone/>
             </a:pPr>
-            <a:endParaRPr lang="en-AU" sz="1800" dirty="0" smtClean="0">
+            <a:endParaRPr lang="en-AU" sz="1800" dirty="0">
               <a:latin typeface="Courier New"/>
               <a:cs typeface="Courier New"/>
             </a:endParaRPr>
@@ -8044,13 +7402,6 @@
   <p:clrMapOvr>
     <a:masterClrMapping/>
   </p:clrMapOvr>
-  <p:timing>
-    <p:tnLst>
-      <p:par>
-        <p:cTn xmlns:p14="http://schemas.microsoft.com/office/powerpoint/2010/main" id="1" dur="indefinite" restart="never" nodeType="tmRoot"/>
-      </p:par>
-    </p:tnLst>
-  </p:timing>
 </p:sld>
 </file>
 
@@ -8098,7 +7449,7 @@
               <a:t>Python Scripting with </a:t>
             </a:r>
             <a:r>
-              <a:rPr lang="en-AU" sz="3600" dirty="0" err="1" smtClean="0"/>
+              <a:rPr lang="en-AU" sz="3600" dirty="0" err="1"/>
               <a:t>PyConnect</a:t>
             </a:r>
             <a:endParaRPr lang="en-AU" dirty="0"/>
@@ -8133,15 +7484,15 @@
               </a:lnSpc>
             </a:pPr>
             <a:r>
-              <a:rPr lang="en-AU" sz="2400" dirty="0" smtClean="0"/>
+              <a:rPr lang="en-AU" sz="2400" dirty="0"/>
               <a:t>Build </a:t>
             </a:r>
             <a:r>
-              <a:rPr lang="en-AU" sz="2400" dirty="0" err="1" smtClean="0"/>
+              <a:rPr lang="en-AU" sz="2400" dirty="0" err="1"/>
               <a:t>PyConnect</a:t>
             </a:r>
             <a:r>
-              <a:rPr lang="en-AU" sz="2400" dirty="0" smtClean="0"/>
+              <a:rPr lang="en-AU" sz="2400" dirty="0"/>
               <a:t> extension module (command line)</a:t>
             </a:r>
           </a:p>
@@ -8152,10 +7503,9 @@
               </a:lnSpc>
             </a:pPr>
             <a:r>
-              <a:rPr lang="en-AU" sz="2200" dirty="0" smtClean="0"/>
+              <a:rPr lang="en-AU" sz="2200" dirty="0"/>
               <a:t>Building</a:t>
             </a:r>
-            <a:endParaRPr lang="en-AU" sz="2200" dirty="0" smtClean="0"/>
           </a:p>
           <a:p>
             <a:pPr marL="320040" lvl="1" indent="0">
@@ -8165,21 +7515,21 @@
               <a:buNone/>
             </a:pPr>
             <a:r>
-              <a:rPr lang="en-AU" sz="2000" dirty="0" smtClean="0">
+              <a:rPr lang="en-AU" sz="2000" dirty="0">
                 <a:latin typeface="Courier New"/>
                 <a:cs typeface="Courier New"/>
               </a:rPr>
               <a:t>  python </a:t>
             </a:r>
             <a:r>
-              <a:rPr lang="en-AU" sz="2000" dirty="0" err="1" smtClean="0">
+              <a:rPr lang="en-AU" sz="2000" dirty="0" err="1">
                 <a:latin typeface="Courier New"/>
                 <a:cs typeface="Courier New"/>
               </a:rPr>
               <a:t>pyconnect_ext_setup.py</a:t>
             </a:r>
             <a:r>
-              <a:rPr lang="en-AU" sz="2000" dirty="0" smtClean="0">
+              <a:rPr lang="en-AU" sz="2000" dirty="0">
                 <a:latin typeface="Courier New"/>
                 <a:cs typeface="Courier New"/>
               </a:rPr>
@@ -8193,14 +7543,11 @@
               </a:lnSpc>
             </a:pPr>
             <a:r>
-              <a:rPr lang="en-AU" sz="2000" dirty="0" smtClean="0">
+              <a:rPr lang="en-AU" sz="2000" dirty="0">
                 <a:cs typeface="Courier New"/>
               </a:rPr>
               <a:t>Installing</a:t>
             </a:r>
-            <a:endParaRPr lang="en-AU" sz="2000" dirty="0" smtClean="0">
-              <a:cs typeface="Courier New"/>
-            </a:endParaRPr>
           </a:p>
           <a:p>
             <a:pPr marL="320040" lvl="1" indent="0">
@@ -8210,21 +7557,21 @@
               <a:buNone/>
             </a:pPr>
             <a:r>
-              <a:rPr lang="en-AU" sz="2000" dirty="0" smtClean="0">
+              <a:rPr lang="en-AU" sz="2000" dirty="0">
                 <a:latin typeface="Courier New"/>
                 <a:cs typeface="Courier New"/>
               </a:rPr>
               <a:t>  python </a:t>
             </a:r>
             <a:r>
-              <a:rPr lang="en-AU" sz="2000" dirty="0" err="1" smtClean="0">
+              <a:rPr lang="en-AU" sz="2000" dirty="0" err="1">
                 <a:latin typeface="Courier New"/>
                 <a:cs typeface="Courier New"/>
               </a:rPr>
               <a:t>pyconnect_ext_setup.py</a:t>
             </a:r>
             <a:r>
-              <a:rPr lang="en-AU" sz="2000" dirty="0" smtClean="0">
+              <a:rPr lang="en-AU" sz="2000" dirty="0">
                 <a:latin typeface="Courier New"/>
                 <a:cs typeface="Courier New"/>
               </a:rPr>
@@ -8238,19 +7585,19 @@
               </a:lnSpc>
             </a:pPr>
             <a:r>
-              <a:rPr lang="en-AU" sz="2000" dirty="0" smtClean="0"/>
+              <a:rPr lang="en-AU" sz="2000" dirty="0"/>
               <a:t>See </a:t>
             </a:r>
             <a:r>
-              <a:rPr lang="en-AU" sz="2000" dirty="0" err="1" smtClean="0"/>
+              <a:rPr lang="en-AU" sz="2000" dirty="0" err="1"/>
               <a:t>README.md</a:t>
             </a:r>
             <a:r>
-              <a:rPr lang="en-AU" sz="2000" dirty="0" smtClean="0"/>
+              <a:rPr lang="en-AU" sz="2000" dirty="0"/>
               <a:t> </a:t>
             </a:r>
             <a:r>
-              <a:rPr lang="en-AU" sz="2000" smtClean="0"/>
+              <a:rPr lang="en-AU" sz="2000"/>
               <a:t>for details.</a:t>
             </a:r>
             <a:endParaRPr lang="en-AU" sz="2000" dirty="0"/>
@@ -8263,16 +7610,12 @@
               <a:buNone/>
             </a:pPr>
             <a:r>
-              <a:rPr lang="en-AU" sz="2000" dirty="0" smtClean="0">
+              <a:rPr lang="en-AU" sz="2000" dirty="0">
                 <a:latin typeface="Courier New"/>
                 <a:cs typeface="Courier New"/>
               </a:rPr>
               <a:t> </a:t>
             </a:r>
-            <a:endParaRPr lang="en-AU" sz="2000" dirty="0">
-              <a:latin typeface="Courier New"/>
-              <a:cs typeface="Courier New"/>
-            </a:endParaRPr>
           </a:p>
         </p:txBody>
       </p:sp>
@@ -8281,13 +7624,6 @@
   <p:clrMapOvr>
     <a:masterClrMapping/>
   </p:clrMapOvr>
-  <p:timing>
-    <p:tnLst>
-      <p:par>
-        <p:cTn xmlns:p14="http://schemas.microsoft.com/office/powerpoint/2010/main" id="1" dur="indefinite" restart="never" nodeType="tmRoot"/>
-      </p:par>
-    </p:tnLst>
-  </p:timing>
 </p:sld>
 </file>
 
@@ -8335,7 +7671,7 @@
               <a:t>Python Scripting with </a:t>
             </a:r>
             <a:r>
-              <a:rPr lang="en-AU" sz="3600" dirty="0" err="1" smtClean="0"/>
+              <a:rPr lang="en-AU" sz="3600" dirty="0" err="1"/>
               <a:t>PyConnect</a:t>
             </a:r>
             <a:endParaRPr lang="en-AU" dirty="0"/>
@@ -8370,23 +7706,19 @@
               </a:lnSpc>
             </a:pPr>
             <a:r>
-              <a:rPr lang="en-AU" sz="2400" dirty="0" smtClean="0"/>
+              <a:rPr lang="en-AU" sz="2400" dirty="0"/>
               <a:t>Enable </a:t>
             </a:r>
             <a:r>
-              <a:rPr lang="en-AU" sz="2400" dirty="0" err="1" smtClean="0"/>
+              <a:rPr lang="en-AU" sz="2400" dirty="0" err="1"/>
               <a:t>PyConnect</a:t>
             </a:r>
             <a:r>
-              <a:rPr lang="en-AU" sz="2400" dirty="0" smtClean="0"/>
-              <a:t> </a:t>
-            </a:r>
-            <a:r>
-              <a:rPr lang="en-AU" sz="2400" dirty="0" smtClean="0"/>
-              <a:t>extension module in a Python engine</a:t>
-            </a:r>
-            <a:r>
-              <a:rPr lang="en-AU" dirty="0" smtClean="0"/>
+              <a:rPr lang="en-AU" sz="2400" dirty="0"/>
+              <a:t> extension module in a Python engine</a:t>
+            </a:r>
+            <a:r>
+              <a:rPr lang="en-AU" dirty="0"/>
               <a:t>:</a:t>
             </a:r>
           </a:p>
@@ -8398,14 +7730,14 @@
               <a:buNone/>
             </a:pPr>
             <a:r>
-              <a:rPr lang="en-AU" dirty="0" smtClean="0">
+              <a:rPr lang="en-AU" dirty="0">
                 <a:latin typeface="Courier New"/>
                 <a:cs typeface="Courier New"/>
               </a:rPr>
               <a:t>import </a:t>
             </a:r>
             <a:r>
-              <a:rPr lang="en-AU" dirty="0" err="1" smtClean="0">
+              <a:rPr lang="en-AU" dirty="0" err="1">
                 <a:latin typeface="Courier New"/>
                 <a:cs typeface="Courier New"/>
               </a:rPr>
@@ -8423,35 +7755,31 @@
               </a:lnSpc>
             </a:pPr>
             <a:r>
-              <a:rPr lang="en-AU" sz="2400" dirty="0" smtClean="0"/>
+              <a:rPr lang="en-AU" sz="2400" dirty="0"/>
               <a:t>Discover existing “</a:t>
             </a:r>
             <a:r>
-              <a:rPr lang="en-AU" sz="2400" dirty="0" err="1" smtClean="0"/>
+              <a:rPr lang="en-AU" sz="2400" dirty="0" err="1"/>
               <a:t>Pythonised</a:t>
             </a:r>
             <a:r>
-              <a:rPr lang="en-AU" sz="2400" dirty="0" smtClean="0"/>
+              <a:rPr lang="en-AU" sz="2400" dirty="0"/>
               <a:t>” </a:t>
             </a:r>
             <a:r>
-              <a:rPr lang="en-AU" sz="2400" dirty="0" err="1" smtClean="0"/>
+              <a:rPr lang="en-AU" sz="2400" dirty="0" err="1"/>
               <a:t>executables</a:t>
             </a:r>
             <a:r>
-              <a:rPr lang="en-AU" sz="2400" dirty="0" smtClean="0"/>
-              <a:t> </a:t>
-            </a:r>
-            <a:r>
-              <a:rPr lang="en-AU" sz="2400" dirty="0" smtClean="0"/>
-              <a:t>(</a:t>
-            </a:r>
-            <a:r>
-              <a:rPr lang="en-AU" sz="2400" dirty="0" err="1" smtClean="0"/>
+              <a:rPr lang="en-AU" sz="2400" dirty="0"/>
+              <a:t> (</a:t>
+            </a:r>
+            <a:r>
+              <a:rPr lang="en-AU" sz="2400" dirty="0" err="1"/>
               <a:t>PyConnectObject</a:t>
             </a:r>
             <a:r>
-              <a:rPr lang="en-AU" sz="2400" dirty="0" smtClean="0"/>
+              <a:rPr lang="en-AU" sz="2400" dirty="0"/>
               <a:t>) on the network:</a:t>
             </a:r>
           </a:p>
@@ -8463,14 +7791,14 @@
               <a:buNone/>
             </a:pPr>
             <a:r>
-              <a:rPr lang="en-AU" sz="2000" dirty="0" err="1" smtClean="0">
+              <a:rPr lang="en-AU" sz="2000" dirty="0" err="1">
                 <a:latin typeface="Courier New"/>
                 <a:cs typeface="Courier New"/>
               </a:rPr>
               <a:t>PyConnect.discover</a:t>
             </a:r>
             <a:r>
-              <a:rPr lang="en-AU" sz="2000" dirty="0" smtClean="0">
+              <a:rPr lang="en-AU" sz="2000" dirty="0">
                 <a:latin typeface="Courier New"/>
                 <a:cs typeface="Courier New"/>
               </a:rPr>
@@ -8484,39 +7812,35 @@
               </a:lnSpc>
             </a:pPr>
             <a:r>
-              <a:rPr lang="en-AU" sz="2400" dirty="0" smtClean="0"/>
+              <a:rPr lang="en-AU" sz="2400" dirty="0"/>
               <a:t>When a “</a:t>
             </a:r>
             <a:r>
-              <a:rPr lang="en-AU" sz="2400" dirty="0" err="1" smtClean="0"/>
+              <a:rPr lang="en-AU" sz="2400" dirty="0" err="1"/>
               <a:t>Pythonised</a:t>
             </a:r>
             <a:r>
-              <a:rPr lang="en-AU" sz="2400" dirty="0" smtClean="0"/>
+              <a:rPr lang="en-AU" sz="2400" dirty="0"/>
               <a:t>” executable connects to (or disconnects from) the </a:t>
             </a:r>
             <a:r>
-              <a:rPr lang="en-AU" sz="2400" dirty="0" err="1" smtClean="0"/>
+              <a:rPr lang="en-AU" sz="2400" dirty="0" err="1"/>
               <a:t>PyConnect</a:t>
             </a:r>
             <a:r>
-              <a:rPr lang="en-AU" sz="2400" dirty="0" smtClean="0"/>
-              <a:t> </a:t>
-            </a:r>
-            <a:r>
-              <a:rPr lang="en-AU" sz="2400" dirty="0" smtClean="0"/>
-              <a:t>enabled Python engine, the following Python </a:t>
-            </a:r>
-            <a:r>
-              <a:rPr lang="en-AU" sz="2400" dirty="0" err="1" smtClean="0"/>
+              <a:rPr lang="en-AU" sz="2400" dirty="0"/>
+              <a:t> enabled Python engine, the following Python </a:t>
+            </a:r>
+            <a:r>
+              <a:rPr lang="en-AU" sz="2400" dirty="0" err="1"/>
               <a:t>callback</a:t>
             </a:r>
             <a:r>
-              <a:rPr lang="en-AU" sz="2400" dirty="0" smtClean="0"/>
+              <a:rPr lang="en-AU" sz="2400" dirty="0"/>
               <a:t> functions are executed respectively</a:t>
             </a:r>
             <a:r>
-              <a:rPr lang="en-AU" dirty="0" smtClean="0"/>
+              <a:rPr lang="en-AU" dirty="0"/>
               <a:t>:</a:t>
             </a:r>
           </a:p>
@@ -8528,13 +7852,13 @@
               <a:buNone/>
             </a:pPr>
             <a:r>
-              <a:rPr lang="en-AU" sz="2000" dirty="0" err="1" smtClean="0">
+              <a:rPr lang="en-AU" sz="2000" dirty="0" err="1">
                 <a:latin typeface="Courier New"/>
                 <a:cs typeface="Courier New"/>
               </a:rPr>
               <a:t>PyConnect.onModuleCreate</a:t>
             </a:r>
-            <a:endParaRPr lang="en-AU" sz="2000" dirty="0" smtClean="0">
+            <a:endParaRPr lang="en-AU" sz="2000" dirty="0">
               <a:latin typeface="Courier New"/>
               <a:cs typeface="Courier New"/>
             </a:endParaRPr>
@@ -8547,13 +7871,13 @@
               <a:buNone/>
             </a:pPr>
             <a:r>
-              <a:rPr lang="en-AU" sz="2000" dirty="0" err="1" smtClean="0">
+              <a:rPr lang="en-AU" sz="2000" dirty="0" err="1">
                 <a:latin typeface="Courier New"/>
                 <a:cs typeface="Courier New"/>
               </a:rPr>
               <a:t>PyConnect.onModuleDestroyed</a:t>
             </a:r>
-            <a:endParaRPr lang="en-AU" sz="2000" dirty="0" smtClean="0">
+            <a:endParaRPr lang="en-AU" sz="2000" dirty="0">
               <a:latin typeface="Courier New"/>
               <a:cs typeface="Courier New"/>
             </a:endParaRPr>
@@ -8565,15 +7889,15 @@
               </a:lnSpc>
             </a:pPr>
             <a:r>
-              <a:rPr lang="en-AU" sz="2000" dirty="0" smtClean="0"/>
+              <a:rPr lang="en-AU" sz="2000" dirty="0"/>
               <a:t>Implement matching functions and assigned them as the </a:t>
             </a:r>
             <a:r>
-              <a:rPr lang="en-AU" sz="2000" dirty="0" err="1" smtClean="0"/>
+              <a:rPr lang="en-AU" sz="2000" dirty="0" err="1"/>
               <a:t>callback</a:t>
             </a:r>
             <a:r>
-              <a:rPr lang="en-AU" sz="2000" dirty="0" smtClean="0"/>
+              <a:rPr lang="en-AU" sz="2000" dirty="0"/>
               <a:t> functions.</a:t>
             </a:r>
           </a:p>
@@ -8584,25 +7908,20 @@
               </a:lnSpc>
             </a:pPr>
             <a:r>
-              <a:rPr lang="en-AU" sz="2000" dirty="0" smtClean="0"/>
+              <a:rPr lang="en-AU" sz="2000" dirty="0"/>
               <a:t>See </a:t>
             </a:r>
             <a:r>
-              <a:rPr lang="en-AU" sz="2000" dirty="0" err="1" smtClean="0">
+              <a:rPr lang="en-AU" sz="2000" dirty="0" err="1">
                 <a:latin typeface="Courier New"/>
                 <a:cs typeface="Courier New"/>
               </a:rPr>
               <a:t>test_script.py</a:t>
             </a:r>
             <a:r>
-              <a:rPr lang="en-AU" sz="2000" dirty="0" smtClean="0"/>
-              <a:t> for details</a:t>
-            </a:r>
-            <a:r>
-              <a:rPr lang="en-AU" sz="2000" dirty="0" smtClean="0"/>
-              <a:t>.</a:t>
-            </a:r>
-            <a:endParaRPr lang="en-AU" sz="2000" dirty="0" smtClean="0"/>
+              <a:rPr lang="en-AU" sz="2000" dirty="0"/>
+              <a:t> for details.</a:t>
+            </a:r>
           </a:p>
         </p:txBody>
       </p:sp>
@@ -8616,13 +7935,6 @@
   <p:clrMapOvr>
     <a:masterClrMapping/>
   </p:clrMapOvr>
-  <p:timing>
-    <p:tnLst>
-      <p:par>
-        <p:cTn xmlns:p14="http://schemas.microsoft.com/office/powerpoint/2010/main" id="1" dur="indefinite" restart="never" nodeType="tmRoot"/>
-      </p:par>
-    </p:tnLst>
-  </p:timing>
 </p:sld>
 </file>
 
@@ -8670,7 +7982,7 @@
               <a:t>Python Scripting with </a:t>
             </a:r>
             <a:r>
-              <a:rPr lang="en-AU" sz="3600" dirty="0" err="1" smtClean="0"/>
+              <a:rPr lang="en-AU" sz="3600" dirty="0" err="1"/>
               <a:t>PyConnect</a:t>
             </a:r>
             <a:endParaRPr lang="en-AU" dirty="0"/>
@@ -8709,20 +8021,12 @@
               <a:t>Communications between </a:t>
             </a:r>
             <a:r>
-              <a:rPr lang="en-AU" dirty="0" err="1" smtClean="0"/>
+              <a:rPr lang="en-AU" dirty="0" err="1"/>
               <a:t>PyConnect</a:t>
             </a:r>
             <a:r>
-              <a:rPr lang="en-AU" dirty="0" smtClean="0"/>
-              <a:t> </a:t>
-            </a:r>
-            <a:r>
-              <a:rPr lang="en-AU" dirty="0" smtClean="0"/>
-              <a:t>enabled Python </a:t>
-            </a:r>
-            <a:r>
               <a:rPr lang="en-AU" dirty="0"/>
-              <a:t>engine with </a:t>
+              <a:t> enabled Python engine with </a:t>
             </a:r>
             <a:r>
               <a:rPr lang="ja-JP" altLang="en-AU" dirty="0">
@@ -8731,26 +8035,18 @@
               <a:t>“</a:t>
             </a:r>
             <a:r>
-              <a:rPr lang="en-AU" dirty="0" err="1" smtClean="0"/>
+              <a:rPr lang="en-AU" dirty="0" err="1"/>
               <a:t>Pythonised</a:t>
             </a:r>
             <a:r>
-              <a:rPr lang="ja-JP" altLang="en-AU" dirty="0" smtClean="0">
+              <a:rPr lang="ja-JP" altLang="en-AU" dirty="0">
                 <a:latin typeface="Arial"/>
               </a:rPr>
               <a:t>”</a:t>
             </a:r>
             <a:r>
-              <a:rPr lang="en-AU" dirty="0" smtClean="0"/>
-              <a:t> C++ executable objects </a:t>
-            </a:r>
-            <a:r>
               <a:rPr lang="en-AU" dirty="0"/>
-              <a:t>are asynchronous</a:t>
-            </a:r>
-            <a:r>
-              <a:rPr lang="en-AU" dirty="0" smtClean="0"/>
-              <a:t>.</a:t>
+              <a:t> C++ executable objects are asynchronous.</a:t>
             </a:r>
           </a:p>
           <a:p>
@@ -8760,28 +8056,8 @@
               </a:lnSpc>
             </a:pPr>
             <a:r>
-              <a:rPr lang="en-AU" dirty="0" smtClean="0"/>
-              <a:t>Variable value updates and </a:t>
-            </a:r>
-            <a:r>
               <a:rPr lang="en-AU" dirty="0"/>
-              <a:t>returning </a:t>
-            </a:r>
-            <a:r>
-              <a:rPr lang="en-AU" dirty="0" smtClean="0"/>
-              <a:t>values </a:t>
-            </a:r>
-            <a:r>
-              <a:rPr lang="en-AU" dirty="0"/>
-              <a:t>of </a:t>
-            </a:r>
-            <a:r>
-              <a:rPr lang="en-AU" dirty="0" smtClean="0"/>
-              <a:t>method calls are notified to Python scripts through </a:t>
-            </a:r>
-            <a:r>
-              <a:rPr lang="en-AU" dirty="0"/>
-              <a:t>various </a:t>
+              <a:t>Variable value updates and returning values of method calls are notified to Python scripts through various </a:t>
             </a:r>
             <a:r>
               <a:rPr lang="en-AU" dirty="0" err="1"/>
@@ -8792,26 +8068,21 @@
               <a:t> functions on the corresponding </a:t>
             </a:r>
             <a:r>
-              <a:rPr lang="en-AU" i="1" dirty="0" err="1" smtClean="0"/>
+              <a:rPr lang="en-AU" i="1" dirty="0" err="1"/>
               <a:t>PyConnectObject</a:t>
             </a:r>
             <a:r>
               <a:rPr lang="en-AU" dirty="0"/>
-              <a:t>. Below is the </a:t>
-            </a:r>
-            <a:r>
-              <a:rPr lang="en-AU" dirty="0" smtClean="0"/>
-              <a:t>general syntax for the </a:t>
-            </a:r>
-            <a:r>
-              <a:rPr lang="en-AU" dirty="0" err="1" smtClean="0"/>
+              <a:t>. Below is the general syntax for the </a:t>
+            </a:r>
+            <a:r>
+              <a:rPr lang="en-AU" dirty="0" err="1"/>
               <a:t>callback</a:t>
             </a:r>
             <a:r>
-              <a:rPr lang="en-AU" dirty="0" smtClean="0"/>
+              <a:rPr lang="en-AU" dirty="0"/>
               <a:t> functions:</a:t>
             </a:r>
-            <a:endParaRPr lang="en-AU" dirty="0"/>
           </a:p>
           <a:p>
             <a:pPr lvl="1">
@@ -8837,13 +8108,13 @@
               <a:t>	</a:t>
             </a:r>
             <a:r>
-              <a:rPr lang="en-AU" sz="1600" i="1" dirty="0" err="1" smtClean="0">
+              <a:rPr lang="en-AU" sz="1600" i="1" dirty="0" err="1">
                 <a:latin typeface="Courier New" charset="0"/>
               </a:rPr>
               <a:t>PyConnectObject</a:t>
             </a:r>
             <a:r>
-              <a:rPr lang="en-AU" sz="1600" dirty="0" err="1" smtClean="0">
+              <a:rPr lang="en-AU" sz="1600" dirty="0" err="1">
                 <a:latin typeface="Courier New" charset="0"/>
               </a:rPr>
               <a:t>.onSet</a:t>
@@ -8894,13 +8165,13 @@
               <a:t>	</a:t>
             </a:r>
             <a:r>
-              <a:rPr lang="en-AU" sz="1600" i="1" dirty="0" err="1" smtClean="0">
+              <a:rPr lang="en-AU" sz="1600" i="1" dirty="0" err="1">
                 <a:latin typeface="Courier New" charset="0"/>
               </a:rPr>
               <a:t>PyConnectObject</a:t>
             </a:r>
             <a:r>
-              <a:rPr lang="en-AU" sz="1600" dirty="0" err="1" smtClean="0">
+              <a:rPr lang="en-AU" sz="1600" dirty="0" err="1">
                 <a:latin typeface="Courier New" charset="0"/>
               </a:rPr>
               <a:t>.onSet</a:t>
@@ -8962,13 +8233,13 @@
               <a:t>	</a:t>
             </a:r>
             <a:r>
-              <a:rPr lang="en-AU" sz="1600" i="1" dirty="0" err="1" smtClean="0">
+              <a:rPr lang="en-AU" sz="1600" i="1" dirty="0" err="1">
                 <a:latin typeface="Courier New" charset="0"/>
               </a:rPr>
               <a:t>PyConnectObject</a:t>
             </a:r>
             <a:r>
-              <a:rPr lang="en-AU" sz="1600" dirty="0" err="1" smtClean="0">
+              <a:rPr lang="en-AU" sz="1600" dirty="0" err="1">
                 <a:latin typeface="Courier New" charset="0"/>
               </a:rPr>
               <a:t>.on</a:t>
@@ -9028,13 +8299,13 @@
               <a:t>	</a:t>
             </a:r>
             <a:r>
-              <a:rPr lang="en-AU" sz="1600" i="1" dirty="0" err="1" smtClean="0">
+              <a:rPr lang="en-AU" sz="1600" i="1" dirty="0" err="1">
                 <a:latin typeface="Courier New" charset="0"/>
               </a:rPr>
               <a:t>PyConnectObject</a:t>
             </a:r>
             <a:r>
-              <a:rPr lang="en-AU" sz="1600" dirty="0" err="1" smtClean="0">
+              <a:rPr lang="en-AU" sz="1600" dirty="0" err="1">
                 <a:latin typeface="Courier New" charset="0"/>
               </a:rPr>
               <a:t>.on</a:t>
@@ -9085,13 +8356,13 @@
               <a:t>	</a:t>
             </a:r>
             <a:r>
-              <a:rPr lang="en-AU" sz="1600" i="1" dirty="0" err="1" smtClean="0">
+              <a:rPr lang="en-AU" sz="1600" i="1" dirty="0" err="1">
                 <a:latin typeface="Courier New" charset="0"/>
               </a:rPr>
               <a:t>PyConnectObject</a:t>
             </a:r>
             <a:r>
-              <a:rPr lang="en-AU" sz="1600" dirty="0" err="1" smtClean="0">
+              <a:rPr lang="en-AU" sz="1600" dirty="0" err="1">
                 <a:latin typeface="Courier New" charset="0"/>
               </a:rPr>
               <a:t>.on</a:t>
@@ -9134,15 +8405,15 @@
               </a:lnSpc>
             </a:pPr>
             <a:r>
-              <a:rPr lang="en-AU" dirty="0" smtClean="0"/>
+              <a:rPr lang="en-AU" dirty="0"/>
               <a:t>Implement matching functions and as them as the </a:t>
             </a:r>
             <a:r>
-              <a:rPr lang="en-AU" dirty="0" err="1" smtClean="0"/>
+              <a:rPr lang="en-AU" dirty="0" err="1"/>
               <a:t>callback</a:t>
             </a:r>
             <a:r>
-              <a:rPr lang="en-AU" dirty="0" smtClean="0"/>
+              <a:rPr lang="en-AU" dirty="0"/>
               <a:t> functions</a:t>
             </a:r>
           </a:p>
@@ -9153,12 +8424,8 @@
               </a:lnSpc>
             </a:pPr>
             <a:r>
-              <a:rPr lang="en-AU" dirty="0" smtClean="0"/>
-              <a:t>For example</a:t>
-            </a:r>
-            <a:r>
               <a:rPr lang="en-AU" dirty="0"/>
-              <a:t> </a:t>
+              <a:t>For example </a:t>
             </a:r>
             <a:r>
               <a:rPr lang="en-AU" dirty="0">
@@ -9174,7 +8441,7 @@
               </a:rPr>
               <a:t>onTimer</a:t>
             </a:r>
-            <a:endParaRPr lang="en-AU" dirty="0" smtClean="0">
+            <a:endParaRPr lang="en-AU" dirty="0">
               <a:latin typeface="Courier New"/>
               <a:cs typeface="Courier New"/>
             </a:endParaRPr>
@@ -9191,13 +8458,6 @@
   <p:clrMapOvr>
     <a:masterClrMapping/>
   </p:clrMapOvr>
-  <p:timing>
-    <p:tnLst>
-      <p:par>
-        <p:cTn xmlns:p14="http://schemas.microsoft.com/office/powerpoint/2010/main" id="1" dur="indefinite" restart="never" nodeType="tmRoot"/>
-      </p:par>
-    </p:tnLst>
-  </p:timing>
 </p:sld>
 </file>
 
@@ -9266,57 +8526,45 @@
           <a:lstStyle/>
           <a:p>
             <a:r>
-              <a:rPr lang="en-AU" sz="2400" dirty="0" smtClean="0"/>
+              <a:rPr lang="en-AU" sz="2400" dirty="0"/>
               <a:t>Introduction.</a:t>
             </a:r>
           </a:p>
           <a:p>
             <a:r>
-              <a:rPr lang="en-AU" sz="2400" dirty="0" smtClean="0"/>
+              <a:rPr lang="en-AU" sz="2400" dirty="0"/>
               <a:t>Architecture.</a:t>
             </a:r>
-            <a:endParaRPr lang="en-AU" sz="2400" dirty="0"/>
           </a:p>
           <a:p>
             <a:r>
               <a:rPr lang="en-AU" sz="2400" dirty="0"/>
-              <a:t>Integration with Existing </a:t>
-            </a:r>
-            <a:r>
-              <a:rPr lang="en-AU" sz="2400" dirty="0" smtClean="0"/>
-              <a:t>C++ Programs.</a:t>
-            </a:r>
-            <a:endParaRPr lang="en-AU" sz="2400" dirty="0"/>
-          </a:p>
-          <a:p>
-            <a:r>
-              <a:rPr lang="en-AU" sz="2400" dirty="0" smtClean="0"/>
+              <a:t>Integration with Existing C++ Programs.</a:t>
+            </a:r>
+          </a:p>
+          <a:p>
+            <a:r>
+              <a:rPr lang="en-AU" sz="2400" dirty="0"/>
               <a:t>Python Scripting with </a:t>
             </a:r>
             <a:r>
-              <a:rPr lang="en-AU" sz="2400" dirty="0" err="1" smtClean="0"/>
+              <a:rPr lang="en-AU" sz="2400" dirty="0" err="1"/>
               <a:t>PyConnect</a:t>
             </a:r>
             <a:r>
-              <a:rPr lang="en-AU" sz="2400" dirty="0" smtClean="0"/>
+              <a:rPr lang="en-AU" sz="2400" dirty="0"/>
               <a:t>.</a:t>
             </a:r>
-            <a:endParaRPr lang="en-AU" sz="2400" dirty="0"/>
           </a:p>
           <a:p>
             <a:r>
               <a:rPr lang="en-AU" sz="2400" dirty="0"/>
-              <a:t>Limitation and Future </a:t>
-            </a:r>
-            <a:r>
-              <a:rPr lang="en-AU" sz="2400" dirty="0" smtClean="0"/>
-              <a:t>Enhancements</a:t>
-            </a:r>
-            <a:r>
-              <a:rPr lang="en-AU" dirty="0" smtClean="0"/>
+              <a:t>Limitation and Future Enhancements</a:t>
+            </a:r>
+            <a:r>
+              <a:rPr lang="en-AU" dirty="0"/>
               <a:t>.</a:t>
             </a:r>
-            <a:endParaRPr lang="en-AU" dirty="0"/>
           </a:p>
         </p:txBody>
       </p:sp>
@@ -9325,13 +8573,6 @@
   <p:clrMapOvr>
     <a:masterClrMapping/>
   </p:clrMapOvr>
-  <p:timing>
-    <p:tnLst>
-      <p:par>
-        <p:cTn xmlns:p14="http://schemas.microsoft.com/office/powerpoint/2010/main" id="1" dur="indefinite" restart="never" nodeType="tmRoot"/>
-      </p:par>
-    </p:tnLst>
-  </p:timing>
 </p:sld>
 </file>
 
@@ -9374,11 +8615,7 @@
           <a:p>
             <a:r>
               <a:rPr lang="en-AU" sz="4000" dirty="0"/>
-              <a:t>Limitation and Further </a:t>
-            </a:r>
-            <a:r>
-              <a:rPr lang="en-AU" sz="3600" dirty="0"/>
-              <a:t>Improvement</a:t>
+              <a:t>Limitations</a:t>
             </a:r>
             <a:endParaRPr lang="en-AU" dirty="0"/>
           </a:p>
@@ -9407,24 +8644,12 @@
           <a:lstStyle/>
           <a:p>
             <a:r>
-              <a:rPr lang="en-AU" sz="2400" dirty="0" err="1" smtClean="0"/>
+              <a:rPr lang="en-AU" sz="2400" dirty="0" err="1"/>
               <a:t>PyConnect</a:t>
             </a:r>
             <a:r>
-              <a:rPr lang="en-AU" sz="2400" dirty="0" smtClean="0"/>
-              <a:t> </a:t>
-            </a:r>
-            <a:r>
               <a:rPr lang="en-AU" sz="2400" dirty="0"/>
-              <a:t>wrapper only supports following generic </a:t>
-            </a:r>
-            <a:r>
-              <a:rPr lang="en-AU" sz="2400" dirty="0" smtClean="0"/>
-              <a:t>C++ data </a:t>
-            </a:r>
-            <a:r>
-              <a:rPr lang="en-AU" sz="2400" dirty="0"/>
-              <a:t>types:</a:t>
+              <a:t> wrapper only supports following generic C++ data types:</a:t>
             </a:r>
           </a:p>
           <a:p>
@@ -9438,13 +8663,8 @@
             <a:pPr lvl="1"/>
             <a:r>
               <a:rPr lang="en-AU" sz="2000" dirty="0"/>
-              <a:t>More complex data type/structure would require either wrapper extension or additional encoding of data into string data</a:t>
-            </a:r>
-            <a:r>
-              <a:rPr lang="en-AU" sz="2000" dirty="0" smtClean="0"/>
-              <a:t>.</a:t>
-            </a:r>
-            <a:endParaRPr lang="en-AU" sz="2000" dirty="0"/>
+              <a:t>More complex data type/structure would additional data encoding, e.g. JSON format, into string.</a:t>
+            </a:r>
           </a:p>
         </p:txBody>
       </p:sp>
@@ -9494,10 +8714,9 @@
           <a:lstStyle/>
           <a:p>
             <a:r>
-              <a:rPr lang="en-AU" dirty="0" smtClean="0"/>
+              <a:rPr lang="en-AU" dirty="0"/>
               <a:t>Introduction</a:t>
             </a:r>
-            <a:endParaRPr lang="en-AU" dirty="0"/>
           </a:p>
         </p:txBody>
       </p:sp>
@@ -9532,16 +8751,12 @@
               </a:spcAft>
             </a:pPr>
             <a:r>
-              <a:rPr lang="en-AU" dirty="0" err="1" smtClean="0"/>
+              <a:rPr lang="en-AU" dirty="0" err="1"/>
               <a:t>PyConnect</a:t>
             </a:r>
             <a:r>
-              <a:rPr lang="en-AU" dirty="0" smtClean="0"/>
-              <a:t> </a:t>
-            </a:r>
-            <a:r>
-              <a:rPr lang="en-AU" dirty="0" smtClean="0"/>
-              <a:t>provides a lightweight binding mechanism for C++ and Python.</a:t>
+              <a:rPr lang="en-AU" dirty="0"/>
+              <a:t> provides a lightweight binding mechanism for C++ and Python.</a:t>
             </a:r>
           </a:p>
           <a:p>
@@ -9554,16 +8769,12 @@
               </a:spcAft>
             </a:pPr>
             <a:r>
-              <a:rPr lang="en-AU" dirty="0" err="1" smtClean="0"/>
+              <a:rPr lang="en-AU" dirty="0" err="1"/>
               <a:t>PyConnect</a:t>
             </a:r>
             <a:r>
-              <a:rPr lang="en-AU" dirty="0" smtClean="0"/>
-              <a:t> </a:t>
-            </a:r>
-            <a:r>
-              <a:rPr lang="en-AU" dirty="0" smtClean="0"/>
-              <a:t>provides a platform for integrating disparate C++ and Python program modules together with minimal efforts.</a:t>
+              <a:rPr lang="en-AU" dirty="0"/>
+              <a:t> provides a platform for integrating disparate C++ and Python program modules together with minimal efforts.</a:t>
             </a:r>
           </a:p>
           <a:p>
@@ -9576,16 +8787,12 @@
               </a:spcAft>
             </a:pPr>
             <a:r>
-              <a:rPr lang="en-AU" dirty="0" err="1" smtClean="0"/>
+              <a:rPr lang="en-AU" dirty="0" err="1"/>
               <a:t>PyConnect</a:t>
             </a:r>
             <a:r>
-              <a:rPr lang="en-AU" dirty="0" smtClean="0"/>
-              <a:t> </a:t>
-            </a:r>
-            <a:r>
-              <a:rPr lang="en-AU" dirty="0" smtClean="0"/>
-              <a:t>supports a distributed computing architecture with a star topology.</a:t>
+              <a:rPr lang="en-AU" dirty="0"/>
+              <a:t> supports a distributed computing architecture with a star topology.</a:t>
             </a:r>
           </a:p>
           <a:p>
@@ -9598,24 +8805,12 @@
               </a:spcAft>
             </a:pPr>
             <a:r>
-              <a:rPr lang="en-AU" dirty="0" err="1" smtClean="0"/>
+              <a:rPr lang="en-AU" dirty="0" err="1"/>
               <a:t>PyConnect</a:t>
             </a:r>
             <a:r>
-              <a:rPr lang="en-AU" dirty="0" smtClean="0"/>
-              <a:t> </a:t>
-            </a:r>
-            <a:r>
-              <a:rPr lang="en-AU" dirty="0" smtClean="0"/>
-              <a:t>is written in portable C++ and supports multiple operating systems including Windows, OS </a:t>
-            </a:r>
-            <a:r>
-              <a:rPr lang="en-AU" dirty="0" smtClean="0"/>
-              <a:t>X and other Unix </a:t>
-            </a:r>
-            <a:r>
-              <a:rPr lang="en-AU" dirty="0" smtClean="0"/>
-              <a:t>like systems.</a:t>
+              <a:rPr lang="en-AU" dirty="0"/>
+              <a:t> is written in portable C++ and supports multiple operating systems including Windows, OS X and other Unix like systems.</a:t>
             </a:r>
           </a:p>
           <a:p>
@@ -9628,16 +8823,12 @@
               </a:spcAft>
             </a:pPr>
             <a:r>
-              <a:rPr lang="en-AU" dirty="0" err="1" smtClean="0"/>
+              <a:rPr lang="en-AU" dirty="0" err="1"/>
               <a:t>PyConnect</a:t>
             </a:r>
             <a:r>
-              <a:rPr lang="en-AU" dirty="0" smtClean="0"/>
-              <a:t> </a:t>
-            </a:r>
-            <a:r>
-              <a:rPr lang="en-AU" dirty="0" smtClean="0"/>
-              <a:t>was originally developed for solving a problem of integrating existing Python Scripts and C++ code (developed by different parties) running on the Sony AIBO robot platform.</a:t>
+              <a:rPr lang="en-AU" dirty="0"/>
+              <a:t> was originally developed for solving a problem of integrating existing Python Scripts and C++ code (developed by different parties) running on the Sony AIBO robot platform.</a:t>
             </a:r>
           </a:p>
         </p:txBody>
@@ -9647,13 +8838,6 @@
   <p:clrMapOvr>
     <a:masterClrMapping/>
   </p:clrMapOvr>
-  <p:timing>
-    <p:tnLst>
-      <p:par>
-        <p:cTn xmlns:p14="http://schemas.microsoft.com/office/powerpoint/2010/main" id="1" dur="indefinite" restart="never" nodeType="tmRoot"/>
-      </p:par>
-    </p:tnLst>
-  </p:timing>
 </p:sld>
 </file>
 
@@ -9676,98 +8860,17 @@
       </p:grpSpPr>
       <p:sp>
         <p:nvSpPr>
-          <p:cNvPr id="19" name="Left-Right Arrow 18"/>
-          <p:cNvSpPr/>
-          <p:nvPr/>
-        </p:nvSpPr>
-        <p:spPr>
-          <a:xfrm rot="5400000">
-            <a:off x="2792760" y="2736328"/>
-            <a:ext cx="360040" cy="216024"/>
-          </a:xfrm>
-          <a:prstGeom prst="leftRightArrow">
-            <a:avLst/>
-          </a:prstGeom>
-        </p:spPr>
-        <p:style>
-          <a:lnRef idx="1">
-            <a:schemeClr val="accent1"/>
-          </a:lnRef>
-          <a:fillRef idx="3">
-            <a:schemeClr val="accent1"/>
-          </a:fillRef>
-          <a:effectRef idx="2">
-            <a:schemeClr val="accent1"/>
-          </a:effectRef>
-          <a:fontRef idx="minor">
-            <a:schemeClr val="lt1"/>
-          </a:fontRef>
-        </p:style>
-        <p:txBody>
-          <a:bodyPr rtlCol="0" anchor="ctr"/>
-          <a:lstStyle/>
-          <a:p>
-            <a:pPr algn="ctr"/>
-            <a:endParaRPr lang="en-AU"/>
-          </a:p>
-        </p:txBody>
-      </p:sp>
-      <p:sp>
-        <p:nvSpPr>
-          <p:cNvPr id="4" name="Rounded Rectangle 3"/>
-          <p:cNvSpPr/>
-          <p:nvPr/>
+          <p:cNvPr id="4098" name="Rectangle 2"/>
+          <p:cNvSpPr>
+            <a:spLocks noGrp="1" noChangeArrowheads="1"/>
+          </p:cNvSpPr>
+          <p:nvPr>
+            <p:ph type="title"/>
+          </p:nvPr>
         </p:nvSpPr>
         <p:spPr>
           <a:xfrm>
-            <a:off x="1928664" y="1268760"/>
-            <a:ext cx="2088232" cy="1368152"/>
-          </a:xfrm>
-          <a:prstGeom prst="roundRect">
-            <a:avLst/>
-          </a:prstGeom>
-          <a:solidFill>
-            <a:schemeClr val="accent6">
-              <a:lumMod val="50000"/>
-            </a:schemeClr>
-          </a:solidFill>
-        </p:spPr>
-        <p:style>
-          <a:lnRef idx="1">
-            <a:schemeClr val="accent1"/>
-          </a:lnRef>
-          <a:fillRef idx="3">
-            <a:schemeClr val="accent1"/>
-          </a:fillRef>
-          <a:effectRef idx="2">
-            <a:schemeClr val="accent1"/>
-          </a:effectRef>
-          <a:fontRef idx="minor">
-            <a:schemeClr val="lt1"/>
-          </a:fontRef>
-        </p:style>
-        <p:txBody>
-          <a:bodyPr rtlCol="0" anchor="ctr"/>
-          <a:lstStyle/>
-          <a:p>
-            <a:pPr algn="ctr"/>
-            <a:endParaRPr lang="en-AU" sz="1600" dirty="0"/>
-          </a:p>
-        </p:txBody>
-      </p:sp>
-      <p:sp>
-        <p:nvSpPr>
-          <p:cNvPr id="4098" name="Rectangle 2"/>
-          <p:cNvSpPr>
-            <a:spLocks noGrp="1" noChangeArrowheads="1"/>
-          </p:cNvSpPr>
-          <p:nvPr>
-            <p:ph type="title"/>
-          </p:nvPr>
-        </p:nvSpPr>
-        <p:spPr>
-          <a:xfrm>
-            <a:off x="560512" y="304800"/>
+            <a:off x="549796" y="176092"/>
             <a:ext cx="6934200" cy="838200"/>
           </a:xfrm>
         </p:spPr>
@@ -9776,780 +8879,826 @@
           <a:lstStyle/>
           <a:p>
             <a:r>
-              <a:rPr lang="en-AU" dirty="0" smtClean="0"/>
-              <a:t>Architecture</a:t>
-            </a:r>
-            <a:endParaRPr lang="en-AU" dirty="0"/>
-          </a:p>
-        </p:txBody>
-      </p:sp>
-      <p:sp>
-        <p:nvSpPr>
-          <p:cNvPr id="2" name="Rounded Rectangle 1"/>
-          <p:cNvSpPr/>
+              <a:rPr lang="en-AU" dirty="0"/>
+              <a:t>System Architecture</a:t>
+            </a:r>
+          </a:p>
+        </p:txBody>
+      </p:sp>
+      <p:grpSp>
+        <p:nvGrpSpPr>
+          <p:cNvPr id="7" name="Group 6">
+            <a:extLst>
+              <a:ext uri="{FF2B5EF4-FFF2-40B4-BE49-F238E27FC236}">
+                <a16:creationId xmlns:a16="http://schemas.microsoft.com/office/drawing/2014/main" id="{6F7FC9A8-8853-3540-BF13-481718136521}"/>
+              </a:ext>
+            </a:extLst>
+          </p:cNvPr>
+          <p:cNvGrpSpPr/>
           <p:nvPr/>
-        </p:nvSpPr>
-        <p:spPr>
+        </p:nvGrpSpPr>
+        <p:grpSpPr>
           <a:xfrm>
-            <a:off x="2288704" y="1412776"/>
-            <a:ext cx="1224136" cy="576064"/>
+            <a:off x="1400478" y="1268760"/>
+            <a:ext cx="7584970" cy="5040560"/>
+            <a:chOff x="1400478" y="1268760"/>
+            <a:chExt cx="7584970" cy="5040560"/>
           </a:xfrm>
-          <a:prstGeom prst="roundRect">
-            <a:avLst/>
-          </a:prstGeom>
-          <a:solidFill>
-            <a:schemeClr val="accent6">
-              <a:lumMod val="50000"/>
-            </a:schemeClr>
-          </a:solidFill>
-        </p:spPr>
-        <p:style>
-          <a:lnRef idx="1">
-            <a:schemeClr val="accent1"/>
-          </a:lnRef>
-          <a:fillRef idx="3">
-            <a:schemeClr val="accent1"/>
-          </a:fillRef>
-          <a:effectRef idx="2">
-            <a:schemeClr val="accent1"/>
-          </a:effectRef>
-          <a:fontRef idx="minor">
-            <a:schemeClr val="lt1"/>
-          </a:fontRef>
-        </p:style>
-        <p:txBody>
-          <a:bodyPr rtlCol="0" anchor="ctr"/>
-          <a:lstStyle/>
-          <a:p>
-            <a:pPr algn="ctr"/>
-            <a:r>
-              <a:rPr lang="en-AU" sz="1600" dirty="0" smtClean="0"/>
-              <a:t>C++ code</a:t>
-            </a:r>
-            <a:endParaRPr lang="en-AU" sz="1600" dirty="0"/>
-          </a:p>
-        </p:txBody>
-      </p:sp>
-      <p:sp>
-        <p:nvSpPr>
-          <p:cNvPr id="3" name="TextBox 2"/>
-          <p:cNvSpPr txBox="1"/>
-          <p:nvPr/>
-        </p:nvSpPr>
-        <p:spPr>
-          <a:xfrm>
-            <a:off x="1926648" y="2168320"/>
-            <a:ext cx="2198038" cy="276999"/>
-          </a:xfrm>
-          <a:prstGeom prst="rect">
-            <a:avLst/>
-          </a:prstGeom>
-          <a:noFill/>
-        </p:spPr>
-        <p:txBody>
-          <a:bodyPr wrap="none" rtlCol="0">
-            <a:spAutoFit/>
-          </a:bodyPr>
-          <a:lstStyle/>
-          <a:p>
-            <a:r>
-              <a:rPr lang="en-AU" sz="1200" dirty="0" err="1" smtClean="0"/>
-              <a:t>PyConnect</a:t>
-            </a:r>
-            <a:r>
-              <a:rPr lang="en-AU" sz="1200" dirty="0" smtClean="0"/>
-              <a:t> </a:t>
-            </a:r>
-            <a:r>
-              <a:rPr lang="en-AU" sz="1200" dirty="0" smtClean="0"/>
-              <a:t>wrapper </a:t>
-            </a:r>
-            <a:r>
-              <a:rPr lang="en-AU" sz="1200" dirty="0"/>
-              <a:t>f</a:t>
-            </a:r>
-            <a:r>
-              <a:rPr lang="en-AU" sz="1200" dirty="0" smtClean="0"/>
-              <a:t>unctions</a:t>
-            </a:r>
-            <a:endParaRPr lang="en-AU" sz="1200" dirty="0"/>
-          </a:p>
-        </p:txBody>
-      </p:sp>
-      <p:cxnSp>
-        <p:nvCxnSpPr>
-          <p:cNvPr id="6" name="Straight Connector 5"/>
-          <p:cNvCxnSpPr/>
-          <p:nvPr/>
-        </p:nvCxnSpPr>
-        <p:spPr>
-          <a:xfrm>
-            <a:off x="1496616" y="3068960"/>
-            <a:ext cx="7488832" cy="0"/>
-          </a:xfrm>
-          <a:prstGeom prst="line">
-            <a:avLst/>
-          </a:prstGeom>
-        </p:spPr>
-        <p:style>
-          <a:lnRef idx="2">
-            <a:schemeClr val="accent1"/>
-          </a:lnRef>
-          <a:fillRef idx="0">
-            <a:schemeClr val="accent1"/>
-          </a:fillRef>
-          <a:effectRef idx="1">
-            <a:schemeClr val="accent1"/>
-          </a:effectRef>
-          <a:fontRef idx="minor">
-            <a:schemeClr val="tx1"/>
-          </a:fontRef>
-        </p:style>
-      </p:cxnSp>
-      <p:sp>
-        <p:nvSpPr>
-          <p:cNvPr id="8" name="TextBox 7"/>
-          <p:cNvSpPr txBox="1"/>
-          <p:nvPr/>
-        </p:nvSpPr>
-        <p:spPr>
-          <a:xfrm>
-            <a:off x="3438455" y="3121223"/>
-            <a:ext cx="3890809" cy="307777"/>
-          </a:xfrm>
-          <a:prstGeom prst="rect">
-            <a:avLst/>
-          </a:prstGeom>
-          <a:noFill/>
-        </p:spPr>
-        <p:txBody>
-          <a:bodyPr wrap="none" rtlCol="0">
-            <a:spAutoFit/>
-          </a:bodyPr>
-          <a:lstStyle/>
-          <a:p>
-            <a:r>
-              <a:rPr lang="en-AU" sz="1400" dirty="0" smtClean="0"/>
-              <a:t>Network or </a:t>
-            </a:r>
-            <a:r>
-              <a:rPr lang="en-AU" sz="1400" dirty="0" err="1" smtClean="0"/>
-              <a:t>Interprocess</a:t>
-            </a:r>
-            <a:r>
-              <a:rPr lang="en-AU" sz="1400" dirty="0" smtClean="0"/>
-              <a:t> Communication Layer</a:t>
-            </a:r>
-            <a:endParaRPr lang="en-AU" sz="1400" dirty="0"/>
-          </a:p>
-        </p:txBody>
-      </p:sp>
-      <p:cxnSp>
-        <p:nvCxnSpPr>
-          <p:cNvPr id="9" name="Straight Connector 8"/>
-          <p:cNvCxnSpPr/>
-          <p:nvPr/>
-        </p:nvCxnSpPr>
-        <p:spPr>
-          <a:xfrm>
-            <a:off x="1496616" y="3501008"/>
-            <a:ext cx="7488832" cy="0"/>
-          </a:xfrm>
-          <a:prstGeom prst="line">
-            <a:avLst/>
-          </a:prstGeom>
-        </p:spPr>
-        <p:style>
-          <a:lnRef idx="2">
-            <a:schemeClr val="accent1"/>
-          </a:lnRef>
-          <a:fillRef idx="0">
-            <a:schemeClr val="accent1"/>
-          </a:fillRef>
-          <a:effectRef idx="1">
-            <a:schemeClr val="accent1"/>
-          </a:effectRef>
-          <a:fontRef idx="minor">
-            <a:schemeClr val="tx1"/>
-          </a:fontRef>
-        </p:style>
-      </p:cxnSp>
-      <p:sp>
-        <p:nvSpPr>
-          <p:cNvPr id="10" name="Rounded Rectangle 9"/>
-          <p:cNvSpPr/>
-          <p:nvPr/>
-        </p:nvSpPr>
-        <p:spPr>
-          <a:xfrm>
-            <a:off x="5745088" y="1268760"/>
-            <a:ext cx="2088232" cy="1368152"/>
-          </a:xfrm>
-          <a:prstGeom prst="roundRect">
-            <a:avLst/>
-          </a:prstGeom>
-          <a:solidFill>
-            <a:schemeClr val="accent6">
-              <a:lumMod val="50000"/>
-            </a:schemeClr>
-          </a:solidFill>
-        </p:spPr>
-        <p:style>
-          <a:lnRef idx="1">
-            <a:schemeClr val="accent1"/>
-          </a:lnRef>
-          <a:fillRef idx="3">
-            <a:schemeClr val="accent1"/>
-          </a:fillRef>
-          <a:effectRef idx="2">
-            <a:schemeClr val="accent1"/>
-          </a:effectRef>
-          <a:fontRef idx="minor">
-            <a:schemeClr val="lt1"/>
-          </a:fontRef>
-        </p:style>
-        <p:txBody>
-          <a:bodyPr rtlCol="0" anchor="ctr"/>
-          <a:lstStyle/>
-          <a:p>
-            <a:pPr algn="ctr"/>
-            <a:endParaRPr lang="en-AU" sz="1600" dirty="0"/>
-          </a:p>
-        </p:txBody>
-      </p:sp>
-      <p:sp>
-        <p:nvSpPr>
-          <p:cNvPr id="11" name="Rounded Rectangle 10"/>
-          <p:cNvSpPr/>
-          <p:nvPr/>
-        </p:nvSpPr>
-        <p:spPr>
-          <a:xfrm>
-            <a:off x="6105128" y="1412776"/>
-            <a:ext cx="1224136" cy="576064"/>
-          </a:xfrm>
-          <a:prstGeom prst="roundRect">
-            <a:avLst/>
-          </a:prstGeom>
-          <a:solidFill>
-            <a:schemeClr val="accent6">
-              <a:lumMod val="50000"/>
-            </a:schemeClr>
-          </a:solidFill>
-        </p:spPr>
-        <p:style>
-          <a:lnRef idx="1">
-            <a:schemeClr val="accent1"/>
-          </a:lnRef>
-          <a:fillRef idx="3">
-            <a:schemeClr val="accent1"/>
-          </a:fillRef>
-          <a:effectRef idx="2">
-            <a:schemeClr val="accent1"/>
-          </a:effectRef>
-          <a:fontRef idx="minor">
-            <a:schemeClr val="lt1"/>
-          </a:fontRef>
-        </p:style>
-        <p:txBody>
-          <a:bodyPr rtlCol="0" anchor="ctr"/>
-          <a:lstStyle/>
-          <a:p>
-            <a:pPr algn="ctr"/>
-            <a:r>
-              <a:rPr lang="en-AU" sz="1600" dirty="0" smtClean="0"/>
-              <a:t>C++ code</a:t>
-            </a:r>
-            <a:endParaRPr lang="en-AU" sz="1600" dirty="0"/>
-          </a:p>
-        </p:txBody>
-      </p:sp>
-      <p:sp>
-        <p:nvSpPr>
-          <p:cNvPr id="12" name="TextBox 11"/>
-          <p:cNvSpPr txBox="1"/>
-          <p:nvPr/>
-        </p:nvSpPr>
-        <p:spPr>
-          <a:xfrm>
-            <a:off x="5743072" y="2168320"/>
-            <a:ext cx="2198038" cy="276999"/>
-          </a:xfrm>
-          <a:prstGeom prst="rect">
-            <a:avLst/>
-          </a:prstGeom>
-          <a:noFill/>
-        </p:spPr>
-        <p:txBody>
-          <a:bodyPr wrap="none" rtlCol="0">
-            <a:spAutoFit/>
-          </a:bodyPr>
-          <a:lstStyle/>
-          <a:p>
-            <a:r>
-              <a:rPr lang="en-AU" sz="1200" dirty="0" err="1" smtClean="0"/>
-              <a:t>PyConnect</a:t>
-            </a:r>
-            <a:r>
-              <a:rPr lang="en-AU" sz="1200" dirty="0" smtClean="0"/>
-              <a:t> </a:t>
-            </a:r>
-            <a:r>
-              <a:rPr lang="en-AU" sz="1200" dirty="0" smtClean="0"/>
-              <a:t>wrapper </a:t>
-            </a:r>
-            <a:r>
-              <a:rPr lang="en-AU" sz="1200" dirty="0"/>
-              <a:t>f</a:t>
-            </a:r>
-            <a:r>
-              <a:rPr lang="en-AU" sz="1200" dirty="0" smtClean="0"/>
-              <a:t>unctions</a:t>
-            </a:r>
-            <a:endParaRPr lang="en-AU" sz="1200" dirty="0"/>
-          </a:p>
-        </p:txBody>
-      </p:sp>
-      <p:sp>
-        <p:nvSpPr>
-          <p:cNvPr id="13" name="TextBox 12"/>
-          <p:cNvSpPr txBox="1"/>
-          <p:nvPr/>
-        </p:nvSpPr>
-        <p:spPr>
-          <a:xfrm>
-            <a:off x="1352600" y="2636912"/>
-            <a:ext cx="1536298" cy="276999"/>
-          </a:xfrm>
-          <a:prstGeom prst="rect">
-            <a:avLst/>
-          </a:prstGeom>
-          <a:noFill/>
-        </p:spPr>
-        <p:txBody>
-          <a:bodyPr wrap="none" rtlCol="0">
-            <a:spAutoFit/>
-          </a:bodyPr>
-          <a:lstStyle/>
-          <a:p>
-            <a:r>
-              <a:rPr lang="en-AU" sz="1200" dirty="0" smtClean="0"/>
-              <a:t>Binary executable 1</a:t>
-            </a:r>
-            <a:endParaRPr lang="en-AU" sz="1200" dirty="0"/>
-          </a:p>
-        </p:txBody>
-      </p:sp>
-      <p:sp>
-        <p:nvSpPr>
-          <p:cNvPr id="14" name="TextBox 13"/>
-          <p:cNvSpPr txBox="1"/>
-          <p:nvPr/>
-        </p:nvSpPr>
-        <p:spPr>
-          <a:xfrm>
-            <a:off x="6441038" y="2636912"/>
-            <a:ext cx="1536298" cy="276999"/>
-          </a:xfrm>
-          <a:prstGeom prst="rect">
-            <a:avLst/>
-          </a:prstGeom>
-          <a:noFill/>
-        </p:spPr>
-        <p:txBody>
-          <a:bodyPr wrap="none" rtlCol="0">
-            <a:spAutoFit/>
-          </a:bodyPr>
-          <a:lstStyle/>
-          <a:p>
-            <a:r>
-              <a:rPr lang="en-AU" sz="1200" dirty="0" smtClean="0"/>
-              <a:t>Binary executable n</a:t>
-            </a:r>
-            <a:endParaRPr lang="en-AU" sz="1200" dirty="0"/>
-          </a:p>
-        </p:txBody>
-      </p:sp>
-      <p:cxnSp>
-        <p:nvCxnSpPr>
-          <p:cNvPr id="15" name="Straight Connector 14"/>
-          <p:cNvCxnSpPr/>
-          <p:nvPr/>
-        </p:nvCxnSpPr>
-        <p:spPr>
-          <a:xfrm>
-            <a:off x="4520952" y="1988840"/>
-            <a:ext cx="648072" cy="0"/>
-          </a:xfrm>
-          <a:prstGeom prst="line">
-            <a:avLst/>
-          </a:prstGeom>
-          <a:ln>
-            <a:prstDash val="dash"/>
-          </a:ln>
-        </p:spPr>
-        <p:style>
-          <a:lnRef idx="2">
-            <a:schemeClr val="accent1"/>
-          </a:lnRef>
-          <a:fillRef idx="0">
-            <a:schemeClr val="accent1"/>
-          </a:fillRef>
-          <a:effectRef idx="1">
-            <a:schemeClr val="accent1"/>
-          </a:effectRef>
-          <a:fontRef idx="minor">
-            <a:schemeClr val="tx1"/>
-          </a:fontRef>
-        </p:style>
-      </p:cxnSp>
-      <p:sp>
-        <p:nvSpPr>
-          <p:cNvPr id="17" name="Rounded Rectangle 16"/>
-          <p:cNvSpPr/>
-          <p:nvPr/>
-        </p:nvSpPr>
-        <p:spPr>
-          <a:xfrm>
-            <a:off x="2792760" y="4221088"/>
-            <a:ext cx="4248472" cy="2088232"/>
-          </a:xfrm>
-          <a:prstGeom prst="roundRect">
-            <a:avLst/>
-          </a:prstGeom>
-          <a:solidFill>
-            <a:schemeClr val="accent6">
-              <a:lumMod val="50000"/>
-            </a:schemeClr>
-          </a:solidFill>
-        </p:spPr>
-        <p:style>
-          <a:lnRef idx="1">
-            <a:schemeClr val="accent1"/>
-          </a:lnRef>
-          <a:fillRef idx="3">
-            <a:schemeClr val="accent1"/>
-          </a:fillRef>
-          <a:effectRef idx="2">
-            <a:schemeClr val="accent1"/>
-          </a:effectRef>
-          <a:fontRef idx="minor">
-            <a:schemeClr val="lt1"/>
-          </a:fontRef>
-        </p:style>
-        <p:txBody>
-          <a:bodyPr rtlCol="0" anchor="ctr"/>
-          <a:lstStyle/>
-          <a:p>
-            <a:pPr algn="ctr"/>
-            <a:r>
-              <a:rPr lang="en-AU" sz="1600" dirty="0" smtClean="0"/>
-              <a:t>Python Interpreter</a:t>
-            </a:r>
-            <a:endParaRPr lang="en-AU" sz="1600" dirty="0"/>
-          </a:p>
-        </p:txBody>
-      </p:sp>
-      <p:sp>
-        <p:nvSpPr>
-          <p:cNvPr id="16" name="Rectangle 15"/>
-          <p:cNvSpPr/>
-          <p:nvPr/>
-        </p:nvSpPr>
-        <p:spPr>
-          <a:xfrm>
-            <a:off x="3080792" y="3789040"/>
-            <a:ext cx="3672408" cy="288032"/>
-          </a:xfrm>
-          <a:prstGeom prst="rect">
-            <a:avLst/>
-          </a:prstGeom>
-          <a:solidFill>
-            <a:schemeClr val="accent6">
-              <a:lumMod val="75000"/>
-            </a:schemeClr>
-          </a:solidFill>
-        </p:spPr>
-        <p:style>
-          <a:lnRef idx="1">
-            <a:schemeClr val="accent1"/>
-          </a:lnRef>
-          <a:fillRef idx="3">
-            <a:schemeClr val="accent1"/>
-          </a:fillRef>
-          <a:effectRef idx="2">
-            <a:schemeClr val="accent1"/>
-          </a:effectRef>
-          <a:fontRef idx="minor">
-            <a:schemeClr val="lt1"/>
-          </a:fontRef>
-        </p:style>
-        <p:txBody>
-          <a:bodyPr rtlCol="0" anchor="ctr"/>
-          <a:lstStyle/>
-          <a:p>
-            <a:pPr algn="ctr"/>
-            <a:r>
-              <a:rPr lang="en-AU" sz="1400" dirty="0" err="1" smtClean="0"/>
-              <a:t>PyConnect</a:t>
-            </a:r>
-            <a:r>
-              <a:rPr lang="en-AU" sz="1400" dirty="0" smtClean="0"/>
-              <a:t> </a:t>
-            </a:r>
-            <a:r>
-              <a:rPr lang="en-AU" sz="1400" dirty="0" smtClean="0"/>
-              <a:t>Extension Module</a:t>
-            </a:r>
-            <a:endParaRPr lang="en-AU" sz="1400" dirty="0"/>
-          </a:p>
-        </p:txBody>
-      </p:sp>
-      <p:sp>
-        <p:nvSpPr>
-          <p:cNvPr id="21" name="Left-Right Arrow 20"/>
-          <p:cNvSpPr/>
-          <p:nvPr/>
-        </p:nvSpPr>
-        <p:spPr>
-          <a:xfrm rot="5400000">
-            <a:off x="6177136" y="2736328"/>
-            <a:ext cx="360040" cy="216024"/>
-          </a:xfrm>
-          <a:prstGeom prst="leftRightArrow">
-            <a:avLst/>
-          </a:prstGeom>
-        </p:spPr>
-        <p:style>
-          <a:lnRef idx="1">
-            <a:schemeClr val="accent1"/>
-          </a:lnRef>
-          <a:fillRef idx="3">
-            <a:schemeClr val="accent1"/>
-          </a:fillRef>
-          <a:effectRef idx="2">
-            <a:schemeClr val="accent1"/>
-          </a:effectRef>
-          <a:fontRef idx="minor">
-            <a:schemeClr val="lt1"/>
-          </a:fontRef>
-        </p:style>
-        <p:txBody>
-          <a:bodyPr rtlCol="0" anchor="ctr"/>
-          <a:lstStyle/>
-          <a:p>
-            <a:pPr algn="ctr"/>
-            <a:endParaRPr lang="en-AU"/>
-          </a:p>
-        </p:txBody>
-      </p:sp>
-      <p:sp>
-        <p:nvSpPr>
-          <p:cNvPr id="22" name="Left-Right Arrow 21"/>
-          <p:cNvSpPr/>
-          <p:nvPr/>
-        </p:nvSpPr>
-        <p:spPr>
-          <a:xfrm rot="5400000">
-            <a:off x="4772980" y="3537012"/>
-            <a:ext cx="288032" cy="216024"/>
-          </a:xfrm>
-          <a:prstGeom prst="leftRightArrow">
-            <a:avLst/>
-          </a:prstGeom>
-        </p:spPr>
-        <p:style>
-          <a:lnRef idx="1">
-            <a:schemeClr val="accent1"/>
-          </a:lnRef>
-          <a:fillRef idx="3">
-            <a:schemeClr val="accent1"/>
-          </a:fillRef>
-          <a:effectRef idx="2">
-            <a:schemeClr val="accent1"/>
-          </a:effectRef>
-          <a:fontRef idx="minor">
-            <a:schemeClr val="lt1"/>
-          </a:fontRef>
-        </p:style>
-        <p:txBody>
-          <a:bodyPr rtlCol="0" anchor="ctr"/>
-          <a:lstStyle/>
-          <a:p>
-            <a:pPr algn="ctr"/>
-            <a:endParaRPr lang="en-AU"/>
-          </a:p>
-        </p:txBody>
-      </p:sp>
-      <p:sp>
-        <p:nvSpPr>
-          <p:cNvPr id="24" name="Rounded Rectangle 23"/>
-          <p:cNvSpPr/>
-          <p:nvPr/>
-        </p:nvSpPr>
-        <p:spPr>
-          <a:xfrm>
-            <a:off x="3224808" y="4293096"/>
-            <a:ext cx="1008112" cy="504056"/>
-          </a:xfrm>
-          <a:prstGeom prst="roundRect">
-            <a:avLst/>
-          </a:prstGeom>
-          <a:solidFill>
-            <a:schemeClr val="accent6">
-              <a:lumMod val="50000"/>
-            </a:schemeClr>
-          </a:solidFill>
-        </p:spPr>
-        <p:style>
-          <a:lnRef idx="1">
-            <a:schemeClr val="accent1"/>
-          </a:lnRef>
-          <a:fillRef idx="3">
-            <a:schemeClr val="accent1"/>
-          </a:fillRef>
-          <a:effectRef idx="2">
-            <a:schemeClr val="accent1"/>
-          </a:effectRef>
-          <a:fontRef idx="minor">
-            <a:schemeClr val="lt1"/>
-          </a:fontRef>
-        </p:style>
-        <p:txBody>
-          <a:bodyPr rtlCol="0" anchor="ctr"/>
-          <a:lstStyle/>
-          <a:p>
-            <a:pPr algn="ctr"/>
-            <a:r>
-              <a:rPr lang="en-AU" sz="1200" dirty="0" err="1" smtClean="0"/>
-              <a:t>PyConnect</a:t>
-            </a:r>
-            <a:r>
-              <a:rPr lang="en-AU" sz="1200" dirty="0" smtClean="0"/>
-              <a:t> </a:t>
-            </a:r>
-            <a:r>
-              <a:rPr lang="en-AU" sz="1200" dirty="0" smtClean="0"/>
-              <a:t>object 1</a:t>
-            </a:r>
-            <a:endParaRPr lang="en-AU" sz="1200" dirty="0"/>
-          </a:p>
-        </p:txBody>
-      </p:sp>
-      <p:sp>
-        <p:nvSpPr>
-          <p:cNvPr id="25" name="Rounded Rectangle 24"/>
-          <p:cNvSpPr/>
-          <p:nvPr/>
-        </p:nvSpPr>
-        <p:spPr>
-          <a:xfrm>
-            <a:off x="5385048" y="4293096"/>
-            <a:ext cx="1008112" cy="504056"/>
-          </a:xfrm>
-          <a:prstGeom prst="roundRect">
-            <a:avLst/>
-          </a:prstGeom>
-          <a:solidFill>
-            <a:schemeClr val="accent6">
-              <a:lumMod val="50000"/>
-            </a:schemeClr>
-          </a:solidFill>
-        </p:spPr>
-        <p:style>
-          <a:lnRef idx="1">
-            <a:schemeClr val="accent1"/>
-          </a:lnRef>
-          <a:fillRef idx="3">
-            <a:schemeClr val="accent1"/>
-          </a:fillRef>
-          <a:effectRef idx="2">
-            <a:schemeClr val="accent1"/>
-          </a:effectRef>
-          <a:fontRef idx="minor">
-            <a:schemeClr val="lt1"/>
-          </a:fontRef>
-        </p:style>
-        <p:txBody>
-          <a:bodyPr rtlCol="0" anchor="ctr"/>
-          <a:lstStyle/>
-          <a:p>
-            <a:pPr algn="ctr"/>
-            <a:r>
-              <a:rPr lang="en-AU" sz="1200" dirty="0" err="1" smtClean="0"/>
-              <a:t>PyConnect</a:t>
-            </a:r>
-            <a:r>
-              <a:rPr lang="en-AU" sz="1200" dirty="0" smtClean="0"/>
-              <a:t> </a:t>
-            </a:r>
-            <a:r>
-              <a:rPr lang="en-AU" sz="1200" dirty="0" smtClean="0"/>
-              <a:t>object n</a:t>
-            </a:r>
-            <a:endParaRPr lang="en-AU" sz="1200" dirty="0"/>
-          </a:p>
-        </p:txBody>
-      </p:sp>
-      <p:sp>
-        <p:nvSpPr>
-          <p:cNvPr id="26" name="Rounded Rectangle 25"/>
-          <p:cNvSpPr/>
-          <p:nvPr/>
-        </p:nvSpPr>
-        <p:spPr>
-          <a:xfrm>
-            <a:off x="6249144" y="5517232"/>
-            <a:ext cx="1872208" cy="720080"/>
-          </a:xfrm>
-          <a:prstGeom prst="roundRect">
-            <a:avLst/>
-          </a:prstGeom>
-          <a:solidFill>
-            <a:schemeClr val="accent6">
-              <a:lumMod val="50000"/>
-            </a:schemeClr>
-          </a:solidFill>
-        </p:spPr>
-        <p:style>
-          <a:lnRef idx="1">
-            <a:schemeClr val="accent1"/>
-          </a:lnRef>
-          <a:fillRef idx="3">
-            <a:schemeClr val="accent1"/>
-          </a:fillRef>
-          <a:effectRef idx="2">
-            <a:schemeClr val="accent1"/>
-          </a:effectRef>
-          <a:fontRef idx="minor">
-            <a:schemeClr val="lt1"/>
-          </a:fontRef>
-        </p:style>
-        <p:txBody>
-          <a:bodyPr rtlCol="0" anchor="ctr"/>
-          <a:lstStyle/>
-          <a:p>
-            <a:pPr algn="ctr"/>
-            <a:r>
-              <a:rPr lang="en-AU" sz="1600" dirty="0" smtClean="0"/>
-              <a:t>Python scripts</a:t>
-            </a:r>
-            <a:endParaRPr lang="en-AU" sz="1600" dirty="0"/>
-          </a:p>
-        </p:txBody>
-      </p:sp>
+        </p:grpSpPr>
+        <p:sp>
+          <p:nvSpPr>
+            <p:cNvPr id="19" name="Left-Right Arrow 18"/>
+            <p:cNvSpPr/>
+            <p:nvPr/>
+          </p:nvSpPr>
+          <p:spPr>
+            <a:xfrm rot="5400000">
+              <a:off x="2792760" y="2736328"/>
+              <a:ext cx="360040" cy="216024"/>
+            </a:xfrm>
+            <a:prstGeom prst="leftRightArrow">
+              <a:avLst/>
+            </a:prstGeom>
+          </p:spPr>
+          <p:style>
+            <a:lnRef idx="1">
+              <a:schemeClr val="accent1"/>
+            </a:lnRef>
+            <a:fillRef idx="3">
+              <a:schemeClr val="accent1"/>
+            </a:fillRef>
+            <a:effectRef idx="2">
+              <a:schemeClr val="accent1"/>
+            </a:effectRef>
+            <a:fontRef idx="minor">
+              <a:schemeClr val="lt1"/>
+            </a:fontRef>
+          </p:style>
+          <p:txBody>
+            <a:bodyPr rtlCol="0" anchor="ctr"/>
+            <a:lstStyle/>
+            <a:p>
+              <a:pPr algn="ctr"/>
+              <a:endParaRPr lang="en-AU"/>
+            </a:p>
+          </p:txBody>
+        </p:sp>
+        <p:sp>
+          <p:nvSpPr>
+            <p:cNvPr id="4" name="Rounded Rectangle 3"/>
+            <p:cNvSpPr/>
+            <p:nvPr/>
+          </p:nvSpPr>
+          <p:spPr>
+            <a:xfrm>
+              <a:off x="1928664" y="1268760"/>
+              <a:ext cx="2088232" cy="1368152"/>
+            </a:xfrm>
+            <a:prstGeom prst="roundRect">
+              <a:avLst/>
+            </a:prstGeom>
+            <a:solidFill>
+              <a:schemeClr val="accent6">
+                <a:lumMod val="50000"/>
+              </a:schemeClr>
+            </a:solidFill>
+          </p:spPr>
+          <p:style>
+            <a:lnRef idx="1">
+              <a:schemeClr val="accent1"/>
+            </a:lnRef>
+            <a:fillRef idx="3">
+              <a:schemeClr val="accent1"/>
+            </a:fillRef>
+            <a:effectRef idx="2">
+              <a:schemeClr val="accent1"/>
+            </a:effectRef>
+            <a:fontRef idx="minor">
+              <a:schemeClr val="lt1"/>
+            </a:fontRef>
+          </p:style>
+          <p:txBody>
+            <a:bodyPr rtlCol="0" anchor="ctr"/>
+            <a:lstStyle/>
+            <a:p>
+              <a:pPr algn="ctr"/>
+              <a:endParaRPr lang="en-AU" sz="1600" dirty="0"/>
+            </a:p>
+          </p:txBody>
+        </p:sp>
+        <p:sp>
+          <p:nvSpPr>
+            <p:cNvPr id="2" name="Rounded Rectangle 1"/>
+            <p:cNvSpPr/>
+            <p:nvPr/>
+          </p:nvSpPr>
+          <p:spPr>
+            <a:xfrm>
+              <a:off x="2288704" y="1412776"/>
+              <a:ext cx="1224136" cy="576064"/>
+            </a:xfrm>
+            <a:prstGeom prst="roundRect">
+              <a:avLst/>
+            </a:prstGeom>
+            <a:solidFill>
+              <a:schemeClr val="accent6">
+                <a:lumMod val="50000"/>
+              </a:schemeClr>
+            </a:solidFill>
+          </p:spPr>
+          <p:style>
+            <a:lnRef idx="1">
+              <a:schemeClr val="accent1"/>
+            </a:lnRef>
+            <a:fillRef idx="3">
+              <a:schemeClr val="accent1"/>
+            </a:fillRef>
+            <a:effectRef idx="2">
+              <a:schemeClr val="accent1"/>
+            </a:effectRef>
+            <a:fontRef idx="minor">
+              <a:schemeClr val="lt1"/>
+            </a:fontRef>
+          </p:style>
+          <p:txBody>
+            <a:bodyPr rtlCol="0" anchor="ctr"/>
+            <a:lstStyle/>
+            <a:p>
+              <a:pPr algn="ctr"/>
+              <a:r>
+                <a:rPr lang="en-AU" sz="1600" dirty="0"/>
+                <a:t>C++ code</a:t>
+              </a:r>
+            </a:p>
+          </p:txBody>
+        </p:sp>
+        <p:sp>
+          <p:nvSpPr>
+            <p:cNvPr id="3" name="TextBox 2"/>
+            <p:cNvSpPr txBox="1"/>
+            <p:nvPr/>
+          </p:nvSpPr>
+          <p:spPr>
+            <a:xfrm>
+              <a:off x="1926648" y="2168320"/>
+              <a:ext cx="2198038" cy="276999"/>
+            </a:xfrm>
+            <a:prstGeom prst="rect">
+              <a:avLst/>
+            </a:prstGeom>
+            <a:noFill/>
+          </p:spPr>
+          <p:txBody>
+            <a:bodyPr wrap="none" rtlCol="0">
+              <a:spAutoFit/>
+            </a:bodyPr>
+            <a:lstStyle/>
+            <a:p>
+              <a:r>
+                <a:rPr lang="en-AU" sz="1200" dirty="0" err="1"/>
+                <a:t>PyConnect</a:t>
+              </a:r>
+              <a:r>
+                <a:rPr lang="en-AU" sz="1200" dirty="0"/>
+                <a:t> wrapper functions</a:t>
+              </a:r>
+            </a:p>
+          </p:txBody>
+        </p:sp>
+        <p:cxnSp>
+          <p:nvCxnSpPr>
+            <p:cNvPr id="6" name="Straight Connector 5"/>
+            <p:cNvCxnSpPr/>
+            <p:nvPr/>
+          </p:nvCxnSpPr>
+          <p:spPr>
+            <a:xfrm>
+              <a:off x="1496616" y="3068960"/>
+              <a:ext cx="7488832" cy="0"/>
+            </a:xfrm>
+            <a:prstGeom prst="line">
+              <a:avLst/>
+            </a:prstGeom>
+          </p:spPr>
+          <p:style>
+            <a:lnRef idx="2">
+              <a:schemeClr val="accent1"/>
+            </a:lnRef>
+            <a:fillRef idx="0">
+              <a:schemeClr val="accent1"/>
+            </a:fillRef>
+            <a:effectRef idx="1">
+              <a:schemeClr val="accent1"/>
+            </a:effectRef>
+            <a:fontRef idx="minor">
+              <a:schemeClr val="tx1"/>
+            </a:fontRef>
+          </p:style>
+        </p:cxnSp>
+        <p:sp>
+          <p:nvSpPr>
+            <p:cNvPr id="8" name="TextBox 7"/>
+            <p:cNvSpPr txBox="1"/>
+            <p:nvPr/>
+          </p:nvSpPr>
+          <p:spPr>
+            <a:xfrm>
+              <a:off x="3438455" y="3121223"/>
+              <a:ext cx="3890809" cy="307777"/>
+            </a:xfrm>
+            <a:prstGeom prst="rect">
+              <a:avLst/>
+            </a:prstGeom>
+            <a:noFill/>
+          </p:spPr>
+          <p:txBody>
+            <a:bodyPr wrap="none" rtlCol="0">
+              <a:spAutoFit/>
+            </a:bodyPr>
+            <a:lstStyle/>
+            <a:p>
+              <a:r>
+                <a:rPr lang="en-AU" sz="1400" dirty="0"/>
+                <a:t>Network or </a:t>
+              </a:r>
+              <a:r>
+                <a:rPr lang="en-AU" sz="1400" dirty="0" err="1"/>
+                <a:t>Interprocess</a:t>
+              </a:r>
+              <a:r>
+                <a:rPr lang="en-AU" sz="1400" dirty="0"/>
+                <a:t> Communication Layer</a:t>
+              </a:r>
+            </a:p>
+          </p:txBody>
+        </p:sp>
+        <p:cxnSp>
+          <p:nvCxnSpPr>
+            <p:cNvPr id="9" name="Straight Connector 8"/>
+            <p:cNvCxnSpPr/>
+            <p:nvPr/>
+          </p:nvCxnSpPr>
+          <p:spPr>
+            <a:xfrm>
+              <a:off x="1496616" y="3501008"/>
+              <a:ext cx="7488832" cy="0"/>
+            </a:xfrm>
+            <a:prstGeom prst="line">
+              <a:avLst/>
+            </a:prstGeom>
+          </p:spPr>
+          <p:style>
+            <a:lnRef idx="2">
+              <a:schemeClr val="accent1"/>
+            </a:lnRef>
+            <a:fillRef idx="0">
+              <a:schemeClr val="accent1"/>
+            </a:fillRef>
+            <a:effectRef idx="1">
+              <a:schemeClr val="accent1"/>
+            </a:effectRef>
+            <a:fontRef idx="minor">
+              <a:schemeClr val="tx1"/>
+            </a:fontRef>
+          </p:style>
+        </p:cxnSp>
+        <p:sp>
+          <p:nvSpPr>
+            <p:cNvPr id="10" name="Rounded Rectangle 9"/>
+            <p:cNvSpPr/>
+            <p:nvPr/>
+          </p:nvSpPr>
+          <p:spPr>
+            <a:xfrm>
+              <a:off x="5745088" y="1268760"/>
+              <a:ext cx="2088232" cy="1368152"/>
+            </a:xfrm>
+            <a:prstGeom prst="roundRect">
+              <a:avLst/>
+            </a:prstGeom>
+            <a:solidFill>
+              <a:schemeClr val="accent6">
+                <a:lumMod val="50000"/>
+              </a:schemeClr>
+            </a:solidFill>
+          </p:spPr>
+          <p:style>
+            <a:lnRef idx="1">
+              <a:schemeClr val="accent1"/>
+            </a:lnRef>
+            <a:fillRef idx="3">
+              <a:schemeClr val="accent1"/>
+            </a:fillRef>
+            <a:effectRef idx="2">
+              <a:schemeClr val="accent1"/>
+            </a:effectRef>
+            <a:fontRef idx="minor">
+              <a:schemeClr val="lt1"/>
+            </a:fontRef>
+          </p:style>
+          <p:txBody>
+            <a:bodyPr rtlCol="0" anchor="ctr"/>
+            <a:lstStyle/>
+            <a:p>
+              <a:pPr algn="ctr"/>
+              <a:endParaRPr lang="en-AU" sz="1600" dirty="0"/>
+            </a:p>
+          </p:txBody>
+        </p:sp>
+        <p:sp>
+          <p:nvSpPr>
+            <p:cNvPr id="11" name="Rounded Rectangle 10"/>
+            <p:cNvSpPr/>
+            <p:nvPr/>
+          </p:nvSpPr>
+          <p:spPr>
+            <a:xfrm>
+              <a:off x="6105128" y="1412776"/>
+              <a:ext cx="1224136" cy="576064"/>
+            </a:xfrm>
+            <a:prstGeom prst="roundRect">
+              <a:avLst/>
+            </a:prstGeom>
+            <a:solidFill>
+              <a:schemeClr val="accent6">
+                <a:lumMod val="50000"/>
+              </a:schemeClr>
+            </a:solidFill>
+          </p:spPr>
+          <p:style>
+            <a:lnRef idx="1">
+              <a:schemeClr val="accent1"/>
+            </a:lnRef>
+            <a:fillRef idx="3">
+              <a:schemeClr val="accent1"/>
+            </a:fillRef>
+            <a:effectRef idx="2">
+              <a:schemeClr val="accent1"/>
+            </a:effectRef>
+            <a:fontRef idx="minor">
+              <a:schemeClr val="lt1"/>
+            </a:fontRef>
+          </p:style>
+          <p:txBody>
+            <a:bodyPr rtlCol="0" anchor="ctr"/>
+            <a:lstStyle/>
+            <a:p>
+              <a:pPr algn="ctr"/>
+              <a:r>
+                <a:rPr lang="en-AU" sz="1600" dirty="0"/>
+                <a:t>C++ code</a:t>
+              </a:r>
+            </a:p>
+          </p:txBody>
+        </p:sp>
+        <p:sp>
+          <p:nvSpPr>
+            <p:cNvPr id="12" name="TextBox 11"/>
+            <p:cNvSpPr txBox="1"/>
+            <p:nvPr/>
+          </p:nvSpPr>
+          <p:spPr>
+            <a:xfrm>
+              <a:off x="5743072" y="2168320"/>
+              <a:ext cx="2198038" cy="276999"/>
+            </a:xfrm>
+            <a:prstGeom prst="rect">
+              <a:avLst/>
+            </a:prstGeom>
+            <a:noFill/>
+          </p:spPr>
+          <p:txBody>
+            <a:bodyPr wrap="none" rtlCol="0">
+              <a:spAutoFit/>
+            </a:bodyPr>
+            <a:lstStyle/>
+            <a:p>
+              <a:r>
+                <a:rPr lang="en-AU" sz="1200" dirty="0" err="1"/>
+                <a:t>PyConnect</a:t>
+              </a:r>
+              <a:r>
+                <a:rPr lang="en-AU" sz="1200" dirty="0"/>
+                <a:t> wrapper functions</a:t>
+              </a:r>
+            </a:p>
+          </p:txBody>
+        </p:sp>
+        <p:sp>
+          <p:nvSpPr>
+            <p:cNvPr id="13" name="TextBox 12"/>
+            <p:cNvSpPr txBox="1"/>
+            <p:nvPr/>
+          </p:nvSpPr>
+          <p:spPr>
+            <a:xfrm>
+              <a:off x="1400478" y="2708920"/>
+              <a:ext cx="1536298" cy="251818"/>
+            </a:xfrm>
+            <a:prstGeom prst="rect">
+              <a:avLst/>
+            </a:prstGeom>
+            <a:noFill/>
+          </p:spPr>
+          <p:txBody>
+            <a:bodyPr wrap="none" rtlCol="0">
+              <a:spAutoFit/>
+            </a:bodyPr>
+            <a:lstStyle/>
+            <a:p>
+              <a:r>
+                <a:rPr lang="en-AU" sz="1200" dirty="0"/>
+                <a:t>Binary executable 1</a:t>
+              </a:r>
+            </a:p>
+          </p:txBody>
+        </p:sp>
+        <p:sp>
+          <p:nvSpPr>
+            <p:cNvPr id="14" name="TextBox 13"/>
+            <p:cNvSpPr txBox="1"/>
+            <p:nvPr/>
+          </p:nvSpPr>
+          <p:spPr>
+            <a:xfrm>
+              <a:off x="6441038" y="2696019"/>
+              <a:ext cx="1536298" cy="228925"/>
+            </a:xfrm>
+            <a:prstGeom prst="rect">
+              <a:avLst/>
+            </a:prstGeom>
+            <a:noFill/>
+          </p:spPr>
+          <p:txBody>
+            <a:bodyPr wrap="none" rtlCol="0">
+              <a:spAutoFit/>
+            </a:bodyPr>
+            <a:lstStyle/>
+            <a:p>
+              <a:r>
+                <a:rPr lang="en-AU" sz="1200" dirty="0"/>
+                <a:t>Binary executable n</a:t>
+              </a:r>
+            </a:p>
+          </p:txBody>
+        </p:sp>
+        <p:cxnSp>
+          <p:nvCxnSpPr>
+            <p:cNvPr id="15" name="Straight Connector 14"/>
+            <p:cNvCxnSpPr/>
+            <p:nvPr/>
+          </p:nvCxnSpPr>
+          <p:spPr>
+            <a:xfrm>
+              <a:off x="4520952" y="1988840"/>
+              <a:ext cx="648072" cy="0"/>
+            </a:xfrm>
+            <a:prstGeom prst="line">
+              <a:avLst/>
+            </a:prstGeom>
+            <a:ln>
+              <a:prstDash val="dash"/>
+            </a:ln>
+          </p:spPr>
+          <p:style>
+            <a:lnRef idx="2">
+              <a:schemeClr val="accent1"/>
+            </a:lnRef>
+            <a:fillRef idx="0">
+              <a:schemeClr val="accent1"/>
+            </a:fillRef>
+            <a:effectRef idx="1">
+              <a:schemeClr val="accent1"/>
+            </a:effectRef>
+            <a:fontRef idx="minor">
+              <a:schemeClr val="tx1"/>
+            </a:fontRef>
+          </p:style>
+        </p:cxnSp>
+        <p:sp>
+          <p:nvSpPr>
+            <p:cNvPr id="17" name="Rounded Rectangle 16"/>
+            <p:cNvSpPr/>
+            <p:nvPr/>
+          </p:nvSpPr>
+          <p:spPr>
+            <a:xfrm>
+              <a:off x="2792760" y="4221088"/>
+              <a:ext cx="4248472" cy="2088232"/>
+            </a:xfrm>
+            <a:prstGeom prst="roundRect">
+              <a:avLst/>
+            </a:prstGeom>
+            <a:solidFill>
+              <a:schemeClr val="accent6">
+                <a:lumMod val="50000"/>
+              </a:schemeClr>
+            </a:solidFill>
+          </p:spPr>
+          <p:style>
+            <a:lnRef idx="1">
+              <a:schemeClr val="accent1"/>
+            </a:lnRef>
+            <a:fillRef idx="3">
+              <a:schemeClr val="accent1"/>
+            </a:fillRef>
+            <a:effectRef idx="2">
+              <a:schemeClr val="accent1"/>
+            </a:effectRef>
+            <a:fontRef idx="minor">
+              <a:schemeClr val="lt1"/>
+            </a:fontRef>
+          </p:style>
+          <p:txBody>
+            <a:bodyPr rtlCol="0" anchor="ctr"/>
+            <a:lstStyle/>
+            <a:p>
+              <a:pPr algn="ctr"/>
+              <a:r>
+                <a:rPr lang="en-AU" sz="1600" dirty="0"/>
+                <a:t>Python Interpreter</a:t>
+              </a:r>
+            </a:p>
+          </p:txBody>
+        </p:sp>
+        <p:sp>
+          <p:nvSpPr>
+            <p:cNvPr id="16" name="Rectangle 15"/>
+            <p:cNvSpPr/>
+            <p:nvPr/>
+          </p:nvSpPr>
+          <p:spPr>
+            <a:xfrm>
+              <a:off x="3080792" y="3789040"/>
+              <a:ext cx="3672408" cy="288032"/>
+            </a:xfrm>
+            <a:prstGeom prst="rect">
+              <a:avLst/>
+            </a:prstGeom>
+            <a:solidFill>
+              <a:schemeClr val="accent6">
+                <a:lumMod val="75000"/>
+              </a:schemeClr>
+            </a:solidFill>
+          </p:spPr>
+          <p:style>
+            <a:lnRef idx="1">
+              <a:schemeClr val="accent1"/>
+            </a:lnRef>
+            <a:fillRef idx="3">
+              <a:schemeClr val="accent1"/>
+            </a:fillRef>
+            <a:effectRef idx="2">
+              <a:schemeClr val="accent1"/>
+            </a:effectRef>
+            <a:fontRef idx="minor">
+              <a:schemeClr val="lt1"/>
+            </a:fontRef>
+          </p:style>
+          <p:txBody>
+            <a:bodyPr rtlCol="0" anchor="ctr"/>
+            <a:lstStyle/>
+            <a:p>
+              <a:pPr algn="ctr"/>
+              <a:r>
+                <a:rPr lang="en-AU" sz="1400" dirty="0" err="1"/>
+                <a:t>PyConnect</a:t>
+              </a:r>
+              <a:r>
+                <a:rPr lang="en-AU" sz="1400" dirty="0"/>
+                <a:t> Extension Module</a:t>
+              </a:r>
+            </a:p>
+          </p:txBody>
+        </p:sp>
+        <p:sp>
+          <p:nvSpPr>
+            <p:cNvPr id="21" name="Left-Right Arrow 20"/>
+            <p:cNvSpPr/>
+            <p:nvPr/>
+          </p:nvSpPr>
+          <p:spPr>
+            <a:xfrm rot="5400000">
+              <a:off x="6177136" y="2736328"/>
+              <a:ext cx="360040" cy="216024"/>
+            </a:xfrm>
+            <a:prstGeom prst="leftRightArrow">
+              <a:avLst/>
+            </a:prstGeom>
+          </p:spPr>
+          <p:style>
+            <a:lnRef idx="1">
+              <a:schemeClr val="accent1"/>
+            </a:lnRef>
+            <a:fillRef idx="3">
+              <a:schemeClr val="accent1"/>
+            </a:fillRef>
+            <a:effectRef idx="2">
+              <a:schemeClr val="accent1"/>
+            </a:effectRef>
+            <a:fontRef idx="minor">
+              <a:schemeClr val="lt1"/>
+            </a:fontRef>
+          </p:style>
+          <p:txBody>
+            <a:bodyPr rtlCol="0" anchor="ctr"/>
+            <a:lstStyle/>
+            <a:p>
+              <a:pPr algn="ctr"/>
+              <a:endParaRPr lang="en-AU"/>
+            </a:p>
+          </p:txBody>
+        </p:sp>
+        <p:sp>
+          <p:nvSpPr>
+            <p:cNvPr id="22" name="Left-Right Arrow 21"/>
+            <p:cNvSpPr/>
+            <p:nvPr/>
+          </p:nvSpPr>
+          <p:spPr>
+            <a:xfrm rot="5400000">
+              <a:off x="4772980" y="3537012"/>
+              <a:ext cx="288032" cy="216024"/>
+            </a:xfrm>
+            <a:prstGeom prst="leftRightArrow">
+              <a:avLst/>
+            </a:prstGeom>
+          </p:spPr>
+          <p:style>
+            <a:lnRef idx="1">
+              <a:schemeClr val="accent1"/>
+            </a:lnRef>
+            <a:fillRef idx="3">
+              <a:schemeClr val="accent1"/>
+            </a:fillRef>
+            <a:effectRef idx="2">
+              <a:schemeClr val="accent1"/>
+            </a:effectRef>
+            <a:fontRef idx="minor">
+              <a:schemeClr val="lt1"/>
+            </a:fontRef>
+          </p:style>
+          <p:txBody>
+            <a:bodyPr rtlCol="0" anchor="ctr"/>
+            <a:lstStyle/>
+            <a:p>
+              <a:pPr algn="ctr"/>
+              <a:endParaRPr lang="en-AU"/>
+            </a:p>
+          </p:txBody>
+        </p:sp>
+        <p:sp>
+          <p:nvSpPr>
+            <p:cNvPr id="24" name="Rounded Rectangle 23"/>
+            <p:cNvSpPr/>
+            <p:nvPr/>
+          </p:nvSpPr>
+          <p:spPr>
+            <a:xfrm>
+              <a:off x="3224808" y="4293096"/>
+              <a:ext cx="1008112" cy="504056"/>
+            </a:xfrm>
+            <a:prstGeom prst="roundRect">
+              <a:avLst/>
+            </a:prstGeom>
+            <a:solidFill>
+              <a:schemeClr val="accent6">
+                <a:lumMod val="50000"/>
+              </a:schemeClr>
+            </a:solidFill>
+          </p:spPr>
+          <p:style>
+            <a:lnRef idx="1">
+              <a:schemeClr val="accent1"/>
+            </a:lnRef>
+            <a:fillRef idx="3">
+              <a:schemeClr val="accent1"/>
+            </a:fillRef>
+            <a:effectRef idx="2">
+              <a:schemeClr val="accent1"/>
+            </a:effectRef>
+            <a:fontRef idx="minor">
+              <a:schemeClr val="lt1"/>
+            </a:fontRef>
+          </p:style>
+          <p:txBody>
+            <a:bodyPr rtlCol="0" anchor="ctr"/>
+            <a:lstStyle/>
+            <a:p>
+              <a:pPr algn="ctr"/>
+              <a:r>
+                <a:rPr lang="en-AU" sz="1200" dirty="0" err="1"/>
+                <a:t>PyConnect</a:t>
+              </a:r>
+              <a:r>
+                <a:rPr lang="en-AU" sz="1200" dirty="0"/>
+                <a:t> object 1</a:t>
+              </a:r>
+            </a:p>
+          </p:txBody>
+        </p:sp>
+        <p:sp>
+          <p:nvSpPr>
+            <p:cNvPr id="25" name="Rounded Rectangle 24"/>
+            <p:cNvSpPr/>
+            <p:nvPr/>
+          </p:nvSpPr>
+          <p:spPr>
+            <a:xfrm>
+              <a:off x="5385048" y="4293096"/>
+              <a:ext cx="1008112" cy="504056"/>
+            </a:xfrm>
+            <a:prstGeom prst="roundRect">
+              <a:avLst/>
+            </a:prstGeom>
+            <a:solidFill>
+              <a:schemeClr val="accent6">
+                <a:lumMod val="50000"/>
+              </a:schemeClr>
+            </a:solidFill>
+          </p:spPr>
+          <p:style>
+            <a:lnRef idx="1">
+              <a:schemeClr val="accent1"/>
+            </a:lnRef>
+            <a:fillRef idx="3">
+              <a:schemeClr val="accent1"/>
+            </a:fillRef>
+            <a:effectRef idx="2">
+              <a:schemeClr val="accent1"/>
+            </a:effectRef>
+            <a:fontRef idx="minor">
+              <a:schemeClr val="lt1"/>
+            </a:fontRef>
+          </p:style>
+          <p:txBody>
+            <a:bodyPr rtlCol="0" anchor="ctr"/>
+            <a:lstStyle/>
+            <a:p>
+              <a:pPr algn="ctr"/>
+              <a:r>
+                <a:rPr lang="en-AU" sz="1200" dirty="0" err="1"/>
+                <a:t>PyConnect</a:t>
+              </a:r>
+              <a:r>
+                <a:rPr lang="en-AU" sz="1200" dirty="0"/>
+                <a:t> object n</a:t>
+              </a:r>
+            </a:p>
+          </p:txBody>
+        </p:sp>
+        <p:sp>
+          <p:nvSpPr>
+            <p:cNvPr id="26" name="Rounded Rectangle 25"/>
+            <p:cNvSpPr/>
+            <p:nvPr/>
+          </p:nvSpPr>
+          <p:spPr>
+            <a:xfrm>
+              <a:off x="6249144" y="5517232"/>
+              <a:ext cx="1872208" cy="720080"/>
+            </a:xfrm>
+            <a:prstGeom prst="roundRect">
+              <a:avLst/>
+            </a:prstGeom>
+            <a:solidFill>
+              <a:schemeClr val="accent6">
+                <a:lumMod val="50000"/>
+              </a:schemeClr>
+            </a:solidFill>
+          </p:spPr>
+          <p:style>
+            <a:lnRef idx="1">
+              <a:schemeClr val="accent1"/>
+            </a:lnRef>
+            <a:fillRef idx="3">
+              <a:schemeClr val="accent1"/>
+            </a:fillRef>
+            <a:effectRef idx="2">
+              <a:schemeClr val="accent1"/>
+            </a:effectRef>
+            <a:fontRef idx="minor">
+              <a:schemeClr val="lt1"/>
+            </a:fontRef>
+          </p:style>
+          <p:txBody>
+            <a:bodyPr rtlCol="0" anchor="ctr"/>
+            <a:lstStyle/>
+            <a:p>
+              <a:pPr algn="ctr"/>
+              <a:r>
+                <a:rPr lang="en-AU" sz="1600" dirty="0"/>
+                <a:t>Python scripts</a:t>
+              </a:r>
+            </a:p>
+          </p:txBody>
+        </p:sp>
+      </p:grpSp>
     </p:spTree>
   </p:cSld>
   <p:clrMapOvr>
     <a:masterClrMapping/>
   </p:clrMapOvr>
-  <p:timing>
-    <p:tnLst>
-      <p:par>
-        <p:cTn xmlns:p14="http://schemas.microsoft.com/office/powerpoint/2010/main" id="1" dur="indefinite" restart="never" nodeType="tmRoot"/>
-      </p:par>
-    </p:tnLst>
-  </p:timing>
 </p:sld>
 </file>
 
@@ -10629,7 +9778,7 @@
               </a:spcAft>
             </a:pPr>
             <a:r>
-              <a:rPr lang="en-AU" sz="2800" dirty="0" smtClean="0"/>
+              <a:rPr lang="en-AU" sz="2800" dirty="0"/>
               <a:t>Client-Server architecture.</a:t>
             </a:r>
           </a:p>
@@ -10643,28 +9792,24 @@
               </a:spcAft>
             </a:pPr>
             <a:r>
-              <a:rPr lang="en-AU" sz="2600" dirty="0" smtClean="0"/>
+              <a:rPr lang="en-AU" sz="2600" dirty="0"/>
               <a:t>C++ programs are wrapped in “</a:t>
             </a:r>
             <a:r>
-              <a:rPr lang="en-AU" sz="2600" dirty="0" err="1" smtClean="0"/>
+              <a:rPr lang="en-AU" sz="2600" dirty="0" err="1"/>
               <a:t>pythonised</a:t>
             </a:r>
             <a:r>
-              <a:rPr lang="en-AU" sz="2600" dirty="0" smtClean="0"/>
+              <a:rPr lang="en-AU" sz="2600" dirty="0"/>
               <a:t>” executable objects with the use of </a:t>
             </a:r>
             <a:r>
-              <a:rPr lang="en-AU" sz="2600" dirty="0" err="1" smtClean="0"/>
+              <a:rPr lang="en-AU" sz="2600" dirty="0" err="1"/>
               <a:t>PyConnect</a:t>
             </a:r>
             <a:r>
-              <a:rPr lang="en-AU" sz="2600" dirty="0" smtClean="0"/>
-              <a:t> </a:t>
-            </a:r>
-            <a:r>
-              <a:rPr lang="en-AU" sz="2600" dirty="0" smtClean="0"/>
-              <a:t>wrapper functions.</a:t>
+              <a:rPr lang="en-AU" sz="2600" dirty="0"/>
+              <a:t> wrapper functions.</a:t>
             </a:r>
           </a:p>
           <a:p>
@@ -10677,20 +9822,16 @@
               </a:spcAft>
             </a:pPr>
             <a:r>
-              <a:rPr lang="en-AU" sz="2600" dirty="0" smtClean="0"/>
+              <a:rPr lang="en-AU" sz="2600" dirty="0"/>
               <a:t>Functions and variables in the C++ programs are exposed using </a:t>
             </a:r>
             <a:r>
-              <a:rPr lang="en-AU" sz="2600" dirty="0" err="1" smtClean="0"/>
+              <a:rPr lang="en-AU" sz="2600" dirty="0" err="1"/>
               <a:t>PyConnect</a:t>
             </a:r>
             <a:r>
-              <a:rPr lang="en-AU" sz="2600" dirty="0" smtClean="0"/>
-              <a:t> </a:t>
-            </a:r>
-            <a:r>
-              <a:rPr lang="en-AU" sz="2600" dirty="0" smtClean="0"/>
-              <a:t>wrapper macros.</a:t>
+              <a:rPr lang="en-AU" sz="2600" dirty="0"/>
+              <a:t> wrapper macros.</a:t>
             </a:r>
           </a:p>
           <a:p>
@@ -10703,36 +9844,28 @@
               </a:spcAft>
             </a:pPr>
             <a:r>
-              <a:rPr lang="en-AU" sz="2600" dirty="0" err="1" smtClean="0"/>
+              <a:rPr lang="en-AU" sz="2600" dirty="0" err="1"/>
               <a:t>PyConnect</a:t>
             </a:r>
             <a:r>
-              <a:rPr lang="en-AU" sz="2600" dirty="0" smtClean="0"/>
-              <a:t> </a:t>
-            </a:r>
-            <a:r>
-              <a:rPr lang="en-AU" sz="2600" dirty="0" smtClean="0"/>
-              <a:t>extension module loaded in a Python interpreter connects the “</a:t>
-            </a:r>
-            <a:r>
-              <a:rPr lang="en-AU" sz="2600" dirty="0" err="1" smtClean="0"/>
+              <a:rPr lang="en-AU" sz="2600" dirty="0"/>
+              <a:t> extension module loaded in a Python interpreter connects the “</a:t>
+            </a:r>
+            <a:r>
+              <a:rPr lang="en-AU" sz="2600" dirty="0" err="1"/>
               <a:t>pythonised</a:t>
             </a:r>
             <a:r>
-              <a:rPr lang="en-AU" sz="2600" dirty="0" smtClean="0"/>
+              <a:rPr lang="en-AU" sz="2600" dirty="0"/>
               <a:t>” C++ programs and creates corresponding </a:t>
             </a:r>
             <a:r>
-              <a:rPr lang="en-AU" sz="2600" dirty="0" err="1" smtClean="0"/>
+              <a:rPr lang="en-AU" sz="2600" dirty="0" err="1"/>
               <a:t>PyConnect</a:t>
             </a:r>
             <a:r>
-              <a:rPr lang="en-AU" sz="2600" dirty="0" smtClean="0"/>
-              <a:t> </a:t>
-            </a:r>
-            <a:r>
-              <a:rPr lang="en-AU" sz="2600" dirty="0" smtClean="0"/>
-              <a:t>objects in the Python engine.</a:t>
+              <a:rPr lang="en-AU" sz="2600" dirty="0"/>
+              <a:t> objects in the Python engine.</a:t>
             </a:r>
           </a:p>
           <a:p>
@@ -10745,28 +9878,24 @@
               </a:spcAft>
             </a:pPr>
             <a:r>
-              <a:rPr lang="en-AU" sz="2600" dirty="0" smtClean="0"/>
+              <a:rPr lang="en-AU" sz="2600" dirty="0"/>
               <a:t>Python scripts access the functionalities of the “</a:t>
             </a:r>
             <a:r>
-              <a:rPr lang="en-AU" sz="2600" dirty="0" err="1" smtClean="0"/>
+              <a:rPr lang="en-AU" sz="2600" dirty="0" err="1"/>
               <a:t>pythonised</a:t>
             </a:r>
             <a:r>
-              <a:rPr lang="en-AU" sz="2600" dirty="0" smtClean="0"/>
+              <a:rPr lang="en-AU" sz="2600" dirty="0"/>
               <a:t>” C++ programs through their respective </a:t>
             </a:r>
             <a:r>
-              <a:rPr lang="en-AU" sz="2600" dirty="0" err="1" smtClean="0"/>
+              <a:rPr lang="en-AU" sz="2600" dirty="0" err="1"/>
               <a:t>PyConnect</a:t>
             </a:r>
             <a:r>
-              <a:rPr lang="en-AU" sz="2600" dirty="0" smtClean="0"/>
-              <a:t> </a:t>
-            </a:r>
-            <a:r>
-              <a:rPr lang="en-AU" sz="2600" dirty="0" smtClean="0"/>
-              <a:t>objects in Python.</a:t>
+              <a:rPr lang="en-AU" sz="2600" dirty="0"/>
+              <a:t> objects in Python.</a:t>
             </a:r>
           </a:p>
           <a:p>
@@ -10779,7 +9908,7 @@
               </a:spcAft>
             </a:pPr>
             <a:r>
-              <a:rPr lang="en-AU" sz="2800" dirty="0" smtClean="0"/>
+              <a:rPr lang="en-AU" sz="2800" dirty="0"/>
               <a:t>Many-to-many relationship.</a:t>
             </a:r>
           </a:p>
@@ -10793,24 +9922,16 @@
               </a:spcAft>
             </a:pPr>
             <a:r>
-              <a:rPr lang="en-AU" sz="2600" dirty="0" smtClean="0"/>
+              <a:rPr lang="en-AU" sz="2600" dirty="0"/>
               <a:t>A </a:t>
             </a:r>
             <a:r>
-              <a:rPr lang="en-AU" sz="2600" dirty="0" err="1" smtClean="0"/>
+              <a:rPr lang="en-AU" sz="2600" dirty="0" err="1"/>
               <a:t>PyConnect</a:t>
             </a:r>
             <a:r>
-              <a:rPr lang="en-AU" sz="2600" dirty="0" smtClean="0"/>
-              <a:t> </a:t>
-            </a:r>
-            <a:r>
-              <a:rPr lang="en-AU" sz="2600" dirty="0" smtClean="0"/>
-              <a:t>enabled Python engine can connect to many </a:t>
-            </a:r>
-            <a:r>
               <a:rPr lang="en-AU" sz="2600" dirty="0"/>
-              <a:t>“</a:t>
+              <a:t> enabled Python engine can connect to many “</a:t>
             </a:r>
             <a:r>
               <a:rPr lang="en-AU" sz="2600" dirty="0" err="1"/>
@@ -10818,11 +9939,7 @@
             </a:r>
             <a:r>
               <a:rPr lang="en-AU" sz="2600" dirty="0"/>
-              <a:t>” C++ </a:t>
-            </a:r>
-            <a:r>
-              <a:rPr lang="en-AU" sz="2600" dirty="0" smtClean="0"/>
-              <a:t>programs running on the network.</a:t>
+              <a:t>” C++ programs running on the network.</a:t>
             </a:r>
           </a:p>
           <a:p>
@@ -10844,23 +9961,15 @@
             </a:r>
             <a:r>
               <a:rPr lang="en-AU" sz="2600" dirty="0"/>
-              <a:t>” C++ </a:t>
-            </a:r>
-            <a:r>
-              <a:rPr lang="en-AU" sz="2600" dirty="0" smtClean="0"/>
-              <a:t>program can support simultaneous connections from multiple </a:t>
-            </a:r>
-            <a:r>
-              <a:rPr lang="en-AU" sz="2600" dirty="0" err="1" smtClean="0"/>
+              <a:t>” C++ program can support simultaneous connections from multiple </a:t>
+            </a:r>
+            <a:r>
+              <a:rPr lang="en-AU" sz="2600" dirty="0" err="1"/>
               <a:t>PyConnect</a:t>
             </a:r>
             <a:r>
-              <a:rPr lang="en-AU" sz="2600" dirty="0" smtClean="0"/>
-              <a:t> </a:t>
-            </a:r>
-            <a:r>
-              <a:rPr lang="en-AU" sz="2600" dirty="0" smtClean="0"/>
-              <a:t>enabled Python engines on the network.</a:t>
+              <a:rPr lang="en-AU" sz="2600" dirty="0"/>
+              <a:t> enabled Python engines on the network.</a:t>
             </a:r>
           </a:p>
           <a:p>
@@ -10873,20 +9982,16 @@
               </a:spcAft>
             </a:pPr>
             <a:r>
-              <a:rPr lang="en-AU" sz="2600" dirty="0" smtClean="0"/>
+              <a:rPr lang="en-AU" sz="2600" dirty="0"/>
               <a:t>Multiple </a:t>
             </a:r>
             <a:r>
-              <a:rPr lang="en-AU" sz="2600" dirty="0" err="1" smtClean="0"/>
+              <a:rPr lang="en-AU" sz="2600" dirty="0" err="1"/>
               <a:t>PyConnect</a:t>
             </a:r>
             <a:r>
-              <a:rPr lang="en-AU" sz="2600" dirty="0" smtClean="0"/>
-              <a:t> </a:t>
-            </a:r>
-            <a:r>
-              <a:rPr lang="en-AU" sz="2600" dirty="0" smtClean="0"/>
-              <a:t>enabled Python engines can communicate among themselves.</a:t>
+              <a:rPr lang="en-AU" sz="2600" dirty="0"/>
+              <a:t> enabled Python engines can communicate among themselves.</a:t>
             </a:r>
           </a:p>
         </p:txBody>
@@ -10896,13 +10001,6 @@
   <p:clrMapOvr>
     <a:masterClrMapping/>
   </p:clrMapOvr>
-  <p:timing>
-    <p:tnLst>
-      <p:par>
-        <p:cTn xmlns:p14="http://schemas.microsoft.com/office/powerpoint/2010/main" id="1" dur="indefinite" restart="never" nodeType="tmRoot"/>
-      </p:par>
-    </p:tnLst>
-  </p:timing>
 </p:sld>
 </file>
 
@@ -10982,7 +10080,7 @@
               </a:spcAft>
             </a:pPr>
             <a:r>
-              <a:rPr lang="en-AU" sz="2800" dirty="0" smtClean="0"/>
+              <a:rPr lang="en-AU" sz="2800" dirty="0"/>
               <a:t>Event driven processing.</a:t>
             </a:r>
           </a:p>
@@ -10996,12 +10094,8 @@
               </a:spcAft>
             </a:pPr>
             <a:r>
-              <a:rPr lang="en-AU" sz="2400" dirty="0" smtClean="0"/>
-              <a:t>Creation, destruction and execution feedbacks of </a:t>
-            </a:r>
-            <a:r>
               <a:rPr lang="en-AU" sz="2400" dirty="0"/>
-              <a:t>“</a:t>
+              <a:t>Creation, destruction and execution feedbacks of “</a:t>
             </a:r>
             <a:r>
               <a:rPr lang="en-AU" sz="2400" dirty="0" err="1"/>
@@ -11009,26 +10103,22 @@
             </a:r>
             <a:r>
               <a:rPr lang="en-AU" sz="2400" dirty="0"/>
-              <a:t>” C++ </a:t>
-            </a:r>
-            <a:r>
-              <a:rPr lang="en-AU" sz="2400" dirty="0" smtClean="0"/>
-              <a:t>programs are based on </a:t>
-            </a:r>
-            <a:r>
-              <a:rPr lang="en-AU" sz="2400" dirty="0" err="1" smtClean="0"/>
+              <a:t>” C++ programs are based on </a:t>
+            </a:r>
+            <a:r>
+              <a:rPr lang="en-AU" sz="2400" dirty="0" err="1"/>
               <a:t>callback</a:t>
             </a:r>
             <a:r>
-              <a:rPr lang="en-AU" sz="2400" dirty="0" smtClean="0"/>
+              <a:rPr lang="en-AU" sz="2400" dirty="0"/>
               <a:t> </a:t>
             </a:r>
             <a:r>
-              <a:rPr lang="en-AU" sz="2400" dirty="0" err="1" smtClean="0"/>
+              <a:rPr lang="en-AU" sz="2400" dirty="0" err="1"/>
               <a:t>funtions</a:t>
             </a:r>
             <a:r>
-              <a:rPr lang="en-AU" sz="2400" dirty="0" smtClean="0"/>
+              <a:rPr lang="en-AU" sz="2400" dirty="0"/>
               <a:t>.</a:t>
             </a:r>
           </a:p>
@@ -11042,7 +10132,7 @@
               </a:spcAft>
             </a:pPr>
             <a:r>
-              <a:rPr lang="en-AU" sz="2800" dirty="0" smtClean="0"/>
+              <a:rPr lang="en-AU" sz="2800" dirty="0"/>
               <a:t>Auto-service discovery.</a:t>
             </a:r>
           </a:p>
@@ -11056,16 +10146,12 @@
               </a:spcAft>
             </a:pPr>
             <a:r>
-              <a:rPr lang="en-AU" sz="2400" dirty="0" err="1" smtClean="0"/>
+              <a:rPr lang="en-AU" sz="2400" dirty="0" err="1"/>
               <a:t>PyConnect</a:t>
             </a:r>
             <a:r>
-              <a:rPr lang="en-AU" sz="2400" dirty="0" smtClean="0"/>
-              <a:t> </a:t>
-            </a:r>
-            <a:r>
-              <a:rPr lang="en-AU" sz="2400" dirty="0" smtClean="0"/>
-              <a:t>uses an auto-discovery mechanism to discover services (provided by “</a:t>
+              <a:rPr lang="en-AU" sz="2400" dirty="0"/>
+              <a:t> uses an auto-discovery mechanism to discover services (provided by “</a:t>
             </a:r>
             <a:r>
               <a:rPr lang="en-AU" sz="2400" dirty="0" err="1"/>
@@ -11073,25 +10159,8 @@
             </a:r>
             <a:r>
               <a:rPr lang="en-AU" sz="2400" dirty="0"/>
-              <a:t>” C++ </a:t>
-            </a:r>
-            <a:r>
-              <a:rPr lang="en-AU" sz="2400" dirty="0" smtClean="0"/>
-              <a:t>programs) available on the </a:t>
-            </a:r>
-            <a:r>
-              <a:rPr lang="en-AU" sz="2400" dirty="0" smtClean="0"/>
-              <a:t>L</a:t>
-            </a:r>
-            <a:r>
-              <a:rPr lang="en-AU" sz="2400" dirty="0" smtClean="0"/>
-              <a:t>ocal Area Network(LAN)</a:t>
-            </a:r>
-            <a:r>
-              <a:rPr lang="en-AU" sz="2400" dirty="0" smtClean="0"/>
-              <a:t>.</a:t>
-            </a:r>
-            <a:endParaRPr lang="en-AU" sz="2400" dirty="0" smtClean="0"/>
+              <a:t>” C++ programs) available on the Local Area Network(LAN).</a:t>
+            </a:r>
           </a:p>
         </p:txBody>
       </p:sp>
@@ -11105,13 +10174,6 @@
   <p:clrMapOvr>
     <a:masterClrMapping/>
   </p:clrMapOvr>
-  <p:timing>
-    <p:tnLst>
-      <p:par>
-        <p:cTn xmlns:p14="http://schemas.microsoft.com/office/powerpoint/2010/main" id="1" dur="indefinite" restart="never" nodeType="tmRoot"/>
-      </p:par>
-    </p:tnLst>
-  </p:timing>
 </p:sld>
 </file>
 
@@ -11156,11 +10218,7 @@
           <a:p>
             <a:r>
               <a:rPr lang="en-AU" sz="3600" dirty="0"/>
-              <a:t>Integration with Existing </a:t>
-            </a:r>
-            <a:r>
-              <a:rPr lang="en-AU" sz="3600" dirty="0" smtClean="0"/>
-              <a:t>C++ Programs</a:t>
+              <a:t>Integration with Existing C++ Programs</a:t>
             </a:r>
             <a:endParaRPr lang="en-AU" dirty="0"/>
           </a:p>
@@ -11189,49 +10247,35 @@
           <a:lstStyle/>
           <a:p>
             <a:r>
-              <a:rPr lang="en-AU" sz="2400" dirty="0" smtClean="0"/>
-              <a:t>Prerequisites</a:t>
-            </a:r>
-            <a:r>
-              <a:rPr lang="en-AU" sz="2400" dirty="0" smtClean="0"/>
-              <a:t> </a:t>
-            </a:r>
-            <a:endParaRPr lang="en-AU" sz="2400" dirty="0" smtClean="0"/>
+              <a:rPr lang="en-AU" sz="2400" dirty="0"/>
+              <a:t>Prerequisites </a:t>
+            </a:r>
           </a:p>
           <a:p>
             <a:pPr lvl="1"/>
             <a:r>
-              <a:rPr lang="en-AU" sz="2200" dirty="0" smtClean="0"/>
-              <a:t>The existing C++</a:t>
-            </a:r>
-            <a:r>
               <a:rPr lang="en-AU" sz="2200" dirty="0"/>
-              <a:t> </a:t>
-            </a:r>
-            <a:r>
-              <a:rPr lang="en-AU" sz="2200" dirty="0" smtClean="0"/>
-              <a:t>code must have a top-level class that acts as a container for all functional methods and attributes of the program.</a:t>
+              <a:t>The existing C++ code must have a top-level class that acts as a container for all functional methods and attributes of the program.</a:t>
             </a:r>
           </a:p>
           <a:p>
             <a:pPr lvl="1"/>
             <a:r>
-              <a:rPr lang="en-AU" sz="2200" dirty="0" err="1" smtClean="0"/>
+              <a:rPr lang="en-AU" sz="2200" dirty="0" err="1"/>
               <a:t>PyConnect</a:t>
             </a:r>
             <a:r>
-              <a:rPr lang="en-AU" sz="2200" dirty="0" smtClean="0"/>
+              <a:rPr lang="en-AU" sz="2200" dirty="0"/>
               <a:t> will turn the program into a server program that permits simultaneous </a:t>
             </a:r>
             <a:r>
-              <a:rPr lang="en-AU" sz="2200" i="1" dirty="0" smtClean="0"/>
+              <a:rPr lang="en-AU" sz="2200" i="1" dirty="0"/>
               <a:t>stateless</a:t>
             </a:r>
             <a:r>
-              <a:rPr lang="en-AU" sz="2200" dirty="0" smtClean="0"/>
+              <a:rPr lang="en-AU" sz="2200" dirty="0"/>
               <a:t> access from multiple remote python engines. If the exposed functional methods are dependent on known states, addition code need to be added to the program to handle state information for different clients.</a:t>
             </a:r>
-            <a:endParaRPr lang="en-AU" sz="2200" dirty="0" smtClean="0"/>
           </a:p>
         </p:txBody>
       </p:sp>
@@ -11240,13 +10284,6 @@
   <p:clrMapOvr>
     <a:masterClrMapping/>
   </p:clrMapOvr>
-  <p:timing>
-    <p:tnLst>
-      <p:par>
-        <p:cTn xmlns:p14="http://schemas.microsoft.com/office/powerpoint/2010/main" id="1" dur="indefinite" restart="never" nodeType="tmRoot"/>
-      </p:par>
-    </p:tnLst>
-  </p:timing>
 </p:sld>
 </file>
 
@@ -11291,11 +10328,7 @@
           <a:p>
             <a:r>
               <a:rPr lang="en-AU" sz="3600" dirty="0"/>
-              <a:t>Integration with Existing </a:t>
-            </a:r>
-            <a:r>
-              <a:rPr lang="en-AU" sz="3600" dirty="0" smtClean="0"/>
-              <a:t>C++ Programs</a:t>
+              <a:t>Integration with Existing C++ Programs</a:t>
             </a:r>
             <a:endParaRPr lang="en-AU" dirty="0"/>
           </a:p>
@@ -11319,7 +10352,7 @@
         </p:spPr>
         <p:txBody>
           <a:bodyPr>
-            <a:normAutofit fontScale="85000" lnSpcReduction="20000"/>
+            <a:normAutofit fontScale="92500" lnSpcReduction="20000"/>
           </a:bodyPr>
           <a:lstStyle/>
           <a:p>
@@ -11327,7 +10360,7 @@
               <a:buNone/>
             </a:pPr>
             <a:r>
-              <a:rPr lang="en-AU" sz="2800" dirty="0" smtClean="0"/>
+              <a:rPr lang="en-AU" sz="2800" dirty="0"/>
               <a:t>In your C++ program header file:</a:t>
             </a:r>
           </a:p>
@@ -11341,26 +10374,17 @@
               </a:spcAft>
             </a:pPr>
             <a:r>
-              <a:rPr lang="en-AU" sz="2200" dirty="0" smtClean="0"/>
+              <a:rPr lang="en-AU" sz="2200" dirty="0"/>
               <a:t>Import </a:t>
             </a:r>
             <a:r>
-              <a:rPr lang="en-AU" sz="2200" dirty="0" err="1" smtClean="0"/>
+              <a:rPr lang="en-AU" sz="2200" dirty="0" err="1"/>
               <a:t>PyConnect</a:t>
             </a:r>
             <a:r>
-              <a:rPr lang="en-AU" sz="2200" dirty="0" smtClean="0"/>
-              <a:t> </a:t>
-            </a:r>
-            <a:r>
               <a:rPr lang="en-AU" sz="2200" dirty="0"/>
-              <a:t>wrapper </a:t>
-            </a:r>
-            <a:r>
-              <a:rPr lang="en-AU" sz="2200" dirty="0" smtClean="0"/>
-              <a:t>headers:</a:t>
-            </a:r>
-            <a:endParaRPr lang="en-AU" sz="2200" dirty="0"/>
+              <a:t> wrapper headers:</a:t>
+            </a:r>
           </a:p>
           <a:p>
             <a:pPr>
@@ -11378,47 +10402,22 @@
                 <a:latin typeface="Courier New"/>
                 <a:cs typeface="Courier New"/>
               </a:rPr>
-              <a:t>#</a:t>
-            </a:r>
-            <a:r>
-              <a:rPr lang="en-AU" dirty="0" smtClean="0">
+              <a:t>#include “</a:t>
+            </a:r>
+            <a:r>
+              <a:rPr lang="en-AU" dirty="0" err="1">
                 <a:latin typeface="Courier New"/>
                 <a:cs typeface="Courier New"/>
               </a:rPr>
-              <a:t>include </a:t>
-            </a:r>
-            <a:r>
-              <a:rPr lang="en-AU" dirty="0" smtClean="0">
+              <a:t>PyConnectWrapper.h</a:t>
+            </a:r>
+            <a:r>
+              <a:rPr lang="en-AU" dirty="0">
                 <a:latin typeface="Courier New"/>
                 <a:cs typeface="Courier New"/>
               </a:rPr>
-              <a:t>“</a:t>
-            </a:r>
-            <a:r>
-              <a:rPr lang="en-AU" dirty="0" err="1" smtClean="0">
-                <a:latin typeface="Courier New"/>
-                <a:cs typeface="Courier New"/>
-              </a:rPr>
-              <a:t>PyConnect</a:t>
-            </a:r>
-            <a:r>
-              <a:rPr lang="en-AU" dirty="0" err="1" smtClean="0">
-                <a:latin typeface="Courier New"/>
-                <a:cs typeface="Courier New"/>
-              </a:rPr>
-              <a:t>Wrapper.h</a:t>
-            </a:r>
-            <a:r>
-              <a:rPr lang="en-AU" dirty="0" smtClean="0">
-                <a:latin typeface="Courier New"/>
-                <a:cs typeface="Courier New"/>
-              </a:rPr>
               <a:t>”</a:t>
             </a:r>
-            <a:endParaRPr lang="en-AU" dirty="0">
-              <a:latin typeface="Courier New"/>
-              <a:cs typeface="Courier New"/>
-            </a:endParaRPr>
           </a:p>
           <a:p>
             <a:pPr>
@@ -11432,31 +10431,19 @@
               <a:buNone/>
             </a:pPr>
             <a:r>
-              <a:rPr lang="en-AU" dirty="0" smtClean="0">
+              <a:rPr lang="en-AU" dirty="0">
                 <a:latin typeface="Courier New" charset="0"/>
               </a:rPr>
-              <a:t>#include </a:t>
-            </a:r>
-            <a:r>
-              <a:rPr lang="en-AU" dirty="0" smtClean="0">
+              <a:t>#include “</a:t>
+            </a:r>
+            <a:r>
+              <a:rPr lang="en-AU" dirty="0" err="1">
                 <a:latin typeface="Courier New" charset="0"/>
               </a:rPr>
-              <a:t>“</a:t>
-            </a:r>
-            <a:r>
-              <a:rPr lang="en-AU" dirty="0" err="1" smtClean="0">
-                <a:latin typeface="Courier New" charset="0"/>
-              </a:rPr>
-              <a:t>PyConnectNe</a:t>
-            </a:r>
-            <a:r>
-              <a:rPr lang="en-AU" dirty="0" err="1" smtClean="0">
-                <a:latin typeface="Courier New" charset="0"/>
-              </a:rPr>
-              <a:t>tcomm.h</a:t>
-            </a:r>
-            <a:r>
-              <a:rPr lang="en-AU" altLang="ja-JP" dirty="0" smtClean="0">
+              <a:t>PyConnectNetcomm.h</a:t>
+            </a:r>
+            <a:r>
+              <a:rPr lang="en-AU" altLang="ja-JP" dirty="0">
                 <a:latin typeface="Courier New" charset="0"/>
               </a:rPr>
               <a:t>”</a:t>
@@ -11472,18 +10459,17 @@
               </a:spcAft>
             </a:pPr>
             <a:r>
-              <a:rPr lang="en-AU" dirty="0" smtClean="0"/>
+              <a:rPr lang="en-AU" dirty="0"/>
               <a:t>Define exposed “</a:t>
             </a:r>
             <a:r>
-              <a:rPr lang="en-AU" dirty="0" err="1" smtClean="0"/>
+              <a:rPr lang="en-AU" dirty="0" err="1"/>
               <a:t>pythonised</a:t>
             </a:r>
             <a:r>
-              <a:rPr lang="en-AU" dirty="0" smtClean="0"/>
+              <a:rPr lang="en-AU" dirty="0"/>
               <a:t>” module name</a:t>
             </a:r>
-            <a:endParaRPr lang="en-AU" dirty="0"/>
           </a:p>
           <a:p>
             <a:pPr>
@@ -11500,23 +10486,8 @@
               <a:rPr lang="en-AU" dirty="0">
                 <a:latin typeface="Courier New" charset="0"/>
               </a:rPr>
-              <a:t>#define </a:t>
-            </a:r>
-            <a:r>
-              <a:rPr lang="en-AU" dirty="0" smtClean="0">
-                <a:latin typeface="Courier New" charset="0"/>
-              </a:rPr>
-              <a:t>PYCONNECT_MODULE_NAME </a:t>
-            </a:r>
-            <a:r>
-              <a:rPr lang="en-AU" dirty="0" smtClean="0">
-                <a:latin typeface="Courier New" charset="0"/>
-              </a:rPr>
-              <a:t>TestSample1</a:t>
-            </a:r>
-            <a:endParaRPr lang="en-AU" dirty="0">
-              <a:latin typeface="Courier New" charset="0"/>
-            </a:endParaRPr>
+              <a:t>#define PYCONNECT_MODULE_NAME TestSample1</a:t>
+            </a:r>
           </a:p>
           <a:p>
             <a:pPr>
@@ -11528,21 +10499,9 @@
               </a:spcAft>
             </a:pPr>
             <a:r>
-              <a:rPr lang="en-AU" dirty="0" smtClean="0"/>
-              <a:t>Define a top-level class of the module name and place all exposed functions and variables under </a:t>
-            </a:r>
-            <a:r>
-              <a:rPr lang="en-AU" dirty="0" smtClean="0">
-                <a:latin typeface="Courier New"/>
-                <a:cs typeface="Courier New"/>
-              </a:rPr>
-              <a:t>public</a:t>
-            </a:r>
-            <a:r>
-              <a:rPr lang="en-AU" dirty="0" smtClean="0"/>
-              <a:t> accessibility:</a:t>
-            </a:r>
-            <a:endParaRPr lang="en-AU" dirty="0"/>
+              <a:rPr lang="en-AU" dirty="0"/>
+              <a:t>Define a top-level class of the module:</a:t>
+            </a:r>
           </a:p>
           <a:p>
             <a:pPr>
@@ -11550,85 +10509,16 @@
               <a:buNone/>
             </a:pPr>
             <a:r>
-              <a:rPr lang="en-AU" dirty="0" smtClean="0">
-                <a:latin typeface="Courier New" charset="0"/>
-              </a:rPr>
-              <a:t>class TestSample1:public </a:t>
-            </a:r>
-            <a:r>
-              <a:rPr lang="en-AU" dirty="0" err="1" smtClean="0">
-                <a:latin typeface="Courier New" charset="0"/>
-              </a:rPr>
-              <a:t>OObject</a:t>
-            </a:r>
-            <a:endParaRPr lang="en-AU" dirty="0" smtClean="0">
-              <a:latin typeface="Courier New" charset="0"/>
-            </a:endParaRPr>
-          </a:p>
-          <a:p>
-            <a:pPr>
-              <a:buFont typeface="Wingdings" charset="0"/>
-              <a:buNone/>
-            </a:pPr>
-            <a:r>
-              <a:rPr lang="en-AU" dirty="0" smtClean="0">
-                <a:latin typeface="Courier New" charset="0"/>
-              </a:rPr>
-              <a:t>{</a:t>
-            </a:r>
-          </a:p>
-          <a:p>
-            <a:pPr>
-              <a:buFont typeface="Wingdings" charset="0"/>
-              <a:buNone/>
-            </a:pPr>
-            <a:r>
-              <a:rPr lang="en-AU" dirty="0" smtClean="0">
-                <a:latin typeface="Courier New" charset="0"/>
-              </a:rPr>
-              <a:t>public:</a:t>
-            </a:r>
-          </a:p>
-          <a:p>
-            <a:pPr>
-              <a:buFont typeface="Wingdings" charset="0"/>
-              <a:buNone/>
-            </a:pPr>
-            <a:r>
               <a:rPr lang="en-AU" dirty="0">
                 <a:latin typeface="Courier New" charset="0"/>
               </a:rPr>
-              <a:t> </a:t>
-            </a:r>
-            <a:r>
-              <a:rPr lang="en-AU" dirty="0" smtClean="0">
+              <a:t>class TestSample1:public </a:t>
+            </a:r>
+            <a:r>
+              <a:rPr lang="en-AU" dirty="0" err="1">
                 <a:latin typeface="Courier New" charset="0"/>
               </a:rPr>
-              <a:t> TestSample1</a:t>
-            </a:r>
-            <a:r>
-              <a:rPr lang="en-AU" dirty="0">
-                <a:latin typeface="Courier New" charset="0"/>
-              </a:rPr>
-              <a:t>();</a:t>
-            </a:r>
-          </a:p>
-          <a:p>
-            <a:pPr>
-              <a:buFont typeface="Wingdings" charset="0"/>
-              <a:buNone/>
-            </a:pPr>
-            <a:r>
-              <a:rPr lang="en-AU" dirty="0">
-                <a:latin typeface="Courier New" charset="0"/>
-              </a:rPr>
-              <a:t>  ~TestSample1()</a:t>
-            </a:r>
-            <a:r>
-              <a:rPr lang="en-AU" dirty="0" smtClean="0">
-                <a:latin typeface="Courier New" charset="0"/>
-              </a:rPr>
-              <a:t>;</a:t>
+              <a:t>OObject</a:t>
             </a:r>
             <a:endParaRPr lang="en-AU" dirty="0">
               <a:latin typeface="Courier New" charset="0"/>
@@ -11643,6 +10533,54 @@
               <a:rPr lang="en-AU" dirty="0">
                 <a:latin typeface="Courier New" charset="0"/>
               </a:rPr>
+              <a:t>{</a:t>
+            </a:r>
+          </a:p>
+          <a:p>
+            <a:pPr>
+              <a:buFont typeface="Wingdings" charset="0"/>
+              <a:buNone/>
+            </a:pPr>
+            <a:r>
+              <a:rPr lang="en-AU" dirty="0">
+                <a:latin typeface="Courier New" charset="0"/>
+              </a:rPr>
+              <a:t>public:</a:t>
+            </a:r>
+          </a:p>
+          <a:p>
+            <a:pPr>
+              <a:buFont typeface="Wingdings" charset="0"/>
+              <a:buNone/>
+            </a:pPr>
+            <a:r>
+              <a:rPr lang="en-AU" dirty="0">
+                <a:latin typeface="Courier New" charset="0"/>
+              </a:rPr>
+              <a:t>  TestSample1();</a:t>
+            </a:r>
+          </a:p>
+          <a:p>
+            <a:pPr>
+              <a:buFont typeface="Wingdings" charset="0"/>
+              <a:buNone/>
+            </a:pPr>
+            <a:r>
+              <a:rPr lang="en-AU" dirty="0">
+                <a:latin typeface="Courier New" charset="0"/>
+              </a:rPr>
+              <a:t>  ~TestSample1();</a:t>
+            </a:r>
+          </a:p>
+          <a:p>
+            <a:pPr>
+              <a:buFont typeface="Wingdings" charset="0"/>
+              <a:buNone/>
+            </a:pPr>
+            <a:r>
+              <a:rPr lang="en-AU" dirty="0">
+                <a:latin typeface="Courier New" charset="0"/>
+              </a:rPr>
               <a:t>  void </a:t>
             </a:r>
             <a:r>
@@ -11703,13 +10641,7 @@
               <a:rPr lang="en-AU" dirty="0">
                 <a:latin typeface="Courier New" charset="0"/>
               </a:rPr>
-              <a:t>::string &amp; text )</a:t>
-            </a:r>
-            <a:r>
-              <a:rPr lang="en-AU" dirty="0" smtClean="0">
-                <a:latin typeface="Courier New" charset="0"/>
-              </a:rPr>
-              <a:t>;</a:t>
+              <a:t>::string &amp; text );</a:t>
             </a:r>
           </a:p>
           <a:p>
@@ -11718,7 +10650,7 @@
               <a:buNone/>
             </a:pPr>
             <a:r>
-              <a:rPr lang="en-AU" dirty="0" smtClean="0">
+              <a:rPr lang="en-AU" dirty="0">
                 <a:latin typeface="Courier New" charset="0"/>
               </a:rPr>
               <a:t>//…</a:t>
@@ -11730,20 +10662,11 @@
               <a:buNone/>
             </a:pPr>
             <a:r>
-              <a:rPr lang="en-AU" dirty="0" smtClean="0">
+              <a:rPr lang="en-AU" dirty="0">
                 <a:latin typeface="Courier New" charset="0"/>
               </a:rPr>
-              <a:t>}</a:t>
-            </a:r>
-            <a:r>
-              <a:rPr lang="en-AU" dirty="0" smtClean="0">
-                <a:latin typeface="Courier New" charset="0"/>
-              </a:rPr>
-              <a:t>;</a:t>
-            </a:r>
-            <a:endParaRPr lang="en-AU" dirty="0">
-              <a:latin typeface="Courier New" charset="0"/>
-            </a:endParaRPr>
+              <a:t>};</a:t>
+            </a:r>
           </a:p>
         </p:txBody>
       </p:sp>
@@ -11757,13 +10680,6 @@
   <p:clrMapOvr>
     <a:masterClrMapping/>
   </p:clrMapOvr>
-  <p:timing>
-    <p:tnLst>
-      <p:par>
-        <p:cTn xmlns:p14="http://schemas.microsoft.com/office/powerpoint/2010/main" id="1" dur="indefinite" restart="never" nodeType="tmRoot"/>
-      </p:par>
-    </p:tnLst>
-  </p:timing>
 </p:sld>
 </file>
 
@@ -11808,11 +10724,7 @@
           <a:p>
             <a:r>
               <a:rPr lang="en-AU" sz="3600" dirty="0"/>
-              <a:t>Integration with Existing </a:t>
-            </a:r>
-            <a:r>
-              <a:rPr lang="en-AU" sz="3600" dirty="0" smtClean="0"/>
-              <a:t>C++ Programs</a:t>
+              <a:t>Integration with Existing C++ Programs</a:t>
             </a:r>
             <a:endParaRPr lang="en-AU" dirty="0"/>
           </a:p>
@@ -11849,26 +10761,17 @@
               </a:spcAft>
             </a:pPr>
             <a:r>
-              <a:rPr lang="en-AU" sz="2400" dirty="0" smtClean="0"/>
+              <a:rPr lang="en-AU" sz="2400" dirty="0"/>
               <a:t>Declare </a:t>
             </a:r>
             <a:r>
-              <a:rPr lang="en-AU" sz="2400" dirty="0" err="1" smtClean="0"/>
+              <a:rPr lang="en-AU" sz="2400" dirty="0" err="1"/>
               <a:t>PyConnect</a:t>
             </a:r>
             <a:r>
-              <a:rPr lang="en-AU" sz="2400" dirty="0" smtClean="0"/>
-              <a:t> </a:t>
-            </a:r>
-            <a:r>
               <a:rPr lang="en-AU" sz="2400" dirty="0"/>
-              <a:t>wrapper </a:t>
-            </a:r>
-            <a:r>
-              <a:rPr lang="en-AU" sz="2400" dirty="0" smtClean="0"/>
-              <a:t>and communication layer:</a:t>
-            </a:r>
-            <a:endParaRPr lang="en-AU" sz="2400" dirty="0"/>
+              <a:t> wrapper and communication layer:</a:t>
+            </a:r>
           </a:p>
           <a:p>
             <a:pPr>
@@ -11882,18 +10785,11 @@
               <a:buNone/>
             </a:pPr>
             <a:r>
-              <a:rPr lang="en-AU" dirty="0" smtClean="0">
+              <a:rPr lang="en-AU" dirty="0">
                 <a:latin typeface="Courier New"/>
                 <a:cs typeface="Courier New"/>
               </a:rPr>
-              <a:t>PYCONNECT_NETCOMM_DECLARE</a:t>
-            </a:r>
-            <a:r>
-              <a:rPr lang="en-AU" dirty="0" smtClean="0">
-                <a:latin typeface="Courier New"/>
-                <a:cs typeface="Courier New"/>
-              </a:rPr>
-              <a:t>;</a:t>
+              <a:t>PYCONNECT_NETCOMM_DECLARE;</a:t>
             </a:r>
           </a:p>
           <a:p>
@@ -11908,18 +10804,12 @@
               <a:buNone/>
             </a:pPr>
             <a:r>
-              <a:rPr lang="en-AU" dirty="0" smtClean="0">
+              <a:rPr lang="en-AU" dirty="0">
                 <a:latin typeface="Courier New" charset="0"/>
               </a:rPr>
-              <a:t>PYCONNECT_WRAPPER_DECLARE</a:t>
-            </a:r>
-            <a:r>
-              <a:rPr lang="en-AU" dirty="0" smtClean="0">
-                <a:latin typeface="Courier New" charset="0"/>
-              </a:rPr>
-              <a:t>;</a:t>
-            </a:r>
-            <a:endParaRPr lang="en-AU" altLang="ja-JP" dirty="0" smtClean="0">
+              <a:t>PYCONNECT_WRAPPER_DECLARE;</a:t>
+            </a:r>
+            <a:endParaRPr lang="en-AU" altLang="ja-JP" dirty="0">
               <a:latin typeface="Courier New" charset="0"/>
             </a:endParaRPr>
           </a:p>
@@ -11933,7 +10823,54 @@
               </a:spcAft>
             </a:pPr>
             <a:r>
-              <a:rPr lang="en-AU" sz="2400" dirty="0" smtClean="0"/>
+              <a:rPr lang="en-AU" sz="2400" dirty="0"/>
+              <a:t>Set module description:</a:t>
+            </a:r>
+          </a:p>
+          <a:p>
+            <a:pPr marL="45720" indent="0">
+              <a:spcBef>
+                <a:spcPts val="500"/>
+              </a:spcBef>
+              <a:spcAft>
+                <a:spcPts val="500"/>
+              </a:spcAft>
+              <a:buNone/>
+            </a:pPr>
+            <a:r>
+              <a:rPr lang="en-AU" dirty="0">
+                <a:latin typeface="Courier New"/>
+                <a:cs typeface="Courier New"/>
+              </a:rPr>
+              <a:t>PYCONNECT_MODULE_DESCRIPTION( "A simple test program that uses </a:t>
+            </a:r>
+            <a:r>
+              <a:rPr lang="en-AU" dirty="0" err="1">
+                <a:latin typeface="Courier New"/>
+                <a:cs typeface="Courier New"/>
+              </a:rPr>
+              <a:t>PyConnect</a:t>
+            </a:r>
+            <a:r>
+              <a:rPr lang="en-AU" dirty="0">
+                <a:latin typeface="Courier New"/>
+                <a:cs typeface="Courier New"/>
+              </a:rPr>
+              <a:t> framework." );</a:t>
+            </a:r>
+            <a:endParaRPr lang="en-AU" dirty="0"/>
+          </a:p>
+          <a:p>
+            <a:pPr>
+              <a:spcBef>
+                <a:spcPts val="500"/>
+              </a:spcBef>
+              <a:spcAft>
+                <a:spcPts val="500"/>
+              </a:spcAft>
+            </a:pPr>
+            <a:r>
+              <a:rPr lang="en-AU" sz="2400" dirty="0"/>
               <a:t>Declare public methods to be exposed:</a:t>
             </a:r>
           </a:p>
@@ -11949,28 +10886,22 @@
               <a:buNone/>
             </a:pPr>
             <a:r>
-              <a:rPr lang="en-AU" dirty="0" smtClean="0">
-                <a:latin typeface="Courier New" charset="0"/>
-              </a:rPr>
-              <a:t>PYCONNECT_METHOD_ACCESS_VOID_RETURN( </a:t>
-            </a:r>
-            <a:r>
-              <a:rPr lang="en-AU" dirty="0" err="1" smtClean="0">
-                <a:latin typeface="Courier New" charset="0"/>
-              </a:rPr>
-              <a:t>helloWorld</a:t>
-            </a:r>
-            <a:r>
-              <a:rPr lang="en-AU" dirty="0" smtClean="0">
-                <a:latin typeface="Courier New" charset="0"/>
-              </a:rPr>
-              <a:t>, )</a:t>
-            </a:r>
-            <a:r>
               <a:rPr lang="en-AU" dirty="0">
                 <a:latin typeface="Courier New" charset="0"/>
               </a:rPr>
-              <a:t>;</a:t>
+              <a:t>PYCONNECT_METHOD( </a:t>
+            </a:r>
+            <a:r>
+              <a:rPr lang="en-AU" dirty="0" err="1">
+                <a:latin typeface="Courier New" charset="0"/>
+              </a:rPr>
+              <a:t>helloWorld</a:t>
+            </a:r>
+            <a:r>
+              <a:rPr lang="en-AU" dirty="0">
+                <a:latin typeface="Courier New" charset="0"/>
+              </a:rPr>
+              <a:t> );</a:t>
             </a:r>
           </a:p>
           <a:p>
@@ -11985,46 +10916,22 @@
               <a:buNone/>
             </a:pPr>
             <a:r>
-              <a:rPr lang="en-AU" dirty="0" smtClean="0">
-                <a:latin typeface="Courier New" charset="0"/>
-              </a:rPr>
-              <a:t>PYCONNECT_METHOD_ACCESS_VOID_RETURN( </a:t>
-            </a:r>
-            <a:r>
-              <a:rPr lang="en-AU" dirty="0" err="1" smtClean="0">
-                <a:latin typeface="Courier New" charset="0"/>
-              </a:rPr>
-              <a:t>printThisText</a:t>
-            </a:r>
-            <a:r>
               <a:rPr lang="en-AU" dirty="0">
                 <a:latin typeface="Courier New" charset="0"/>
               </a:rPr>
-              <a:t>, ARGTYPE( </a:t>
+              <a:t>PYCONNECT_METHOD( </a:t>
             </a:r>
             <a:r>
               <a:rPr lang="en-AU" dirty="0" err="1">
                 <a:latin typeface="Courier New" charset="0"/>
               </a:rPr>
-              <a:t>std</a:t>
+              <a:t>printThisText</a:t>
             </a:r>
             <a:r>
               <a:rPr lang="en-AU" dirty="0">
                 <a:latin typeface="Courier New" charset="0"/>
               </a:rPr>
-              <a:t>::string </a:t>
-            </a:r>
-            <a:r>
-              <a:rPr lang="en-AU" dirty="0" smtClean="0">
-                <a:latin typeface="Courier New" charset="0"/>
-              </a:rPr>
-              <a:t>) )</a:t>
-            </a:r>
-            <a:r>
-              <a:rPr lang="en-AU" dirty="0" smtClean="0">
-                <a:latin typeface="Courier New" charset="0"/>
-              </a:rPr>
-              <a:t>;</a:t>
+              <a:t> );</a:t>
             </a:r>
           </a:p>
           <a:p>
@@ -12039,53 +10946,22 @@
               <a:buNone/>
             </a:pPr>
             <a:r>
-              <a:rPr lang="en-AU" dirty="0" smtClean="0">
-                <a:latin typeface="Courier New" charset="0"/>
-              </a:rPr>
-              <a:t>PYCONNECT_METHOD_ACCESS( </a:t>
-            </a:r>
-            <a:r>
-              <a:rPr lang="en-AU" dirty="0" err="1" smtClean="0">
-                <a:latin typeface="Courier New" charset="0"/>
-              </a:rPr>
-              <a:t>doMultiply</a:t>
-            </a:r>
-            <a:r>
               <a:rPr lang="en-AU" dirty="0">
                 <a:latin typeface="Courier New" charset="0"/>
               </a:rPr>
-              <a:t>, ARGTYPE( float ), ARGTYPE( float ) )</a:t>
-            </a:r>
-            <a:r>
-              <a:rPr lang="en-AU" dirty="0" smtClean="0">
+              <a:t>PYCONNECT_METHOD( </a:t>
+            </a:r>
+            <a:r>
+              <a:rPr lang="en-AU" dirty="0" err="1">
                 <a:latin typeface="Courier New" charset="0"/>
               </a:rPr>
-              <a:t>;</a:t>
-            </a:r>
-          </a:p>
-          <a:p>
-            <a:pPr>
-              <a:spcBef>
-                <a:spcPts val="500"/>
-              </a:spcBef>
-              <a:spcAft>
-                <a:spcPts val="500"/>
-              </a:spcAft>
-            </a:pPr>
-            <a:r>
-              <a:rPr lang="en-AU" sz="2400" dirty="0" smtClean="0"/>
-              <a:t>Note that if a method takes no argument, we still need a ‘,’ in the declaration, see </a:t>
-            </a:r>
-            <a:r>
-              <a:rPr lang="en-AU" sz="2400" dirty="0" err="1" smtClean="0">
-                <a:latin typeface="Courier New"/>
-                <a:cs typeface="Courier New"/>
-              </a:rPr>
-              <a:t>hellworld</a:t>
-            </a:r>
-            <a:r>
-              <a:rPr lang="en-AU" sz="2400" dirty="0"/>
-              <a:t>.</a:t>
+              <a:t>doMultiply</a:t>
+            </a:r>
+            <a:r>
+              <a:rPr lang="en-AU" dirty="0">
+                <a:latin typeface="Courier New" charset="0"/>
+              </a:rPr>
+              <a:t> );</a:t>
             </a:r>
           </a:p>
         </p:txBody>
@@ -12100,13 +10976,6 @@
   <p:clrMapOvr>
     <a:masterClrMapping/>
   </p:clrMapOvr>
-  <p:timing>
-    <p:tnLst>
-      <p:par>
-        <p:cTn xmlns:p14="http://schemas.microsoft.com/office/powerpoint/2010/main" id="1" dur="indefinite" restart="never" nodeType="tmRoot"/>
-      </p:par>
-    </p:tnLst>
-  </p:timing>
 </p:sld>
 </file>
 
